--- a/答辩/script_02.pptx
+++ b/答辩/script_02.pptx
@@ -5,7 +5,7 @@
     <p:sldMasterId id="2147483720" r:id="rId1"/>
   </p:sldMasterIdLst>
   <p:notesMasterIdLst>
-    <p:notesMasterId r:id="rId48"/>
+    <p:notesMasterId r:id="rId53"/>
   </p:notesMasterIdLst>
   <p:sldIdLst>
     <p:sldId id="256" r:id="rId2"/>
@@ -30,30 +30,35 @@
     <p:sldId id="298" r:id="rId21"/>
     <p:sldId id="267" r:id="rId22"/>
     <p:sldId id="259" r:id="rId23"/>
-    <p:sldId id="272" r:id="rId24"/>
-    <p:sldId id="273" r:id="rId25"/>
-    <p:sldId id="269" r:id="rId26"/>
-    <p:sldId id="300" r:id="rId27"/>
-    <p:sldId id="274" r:id="rId28"/>
-    <p:sldId id="301" r:id="rId29"/>
-    <p:sldId id="270" r:id="rId30"/>
-    <p:sldId id="302" r:id="rId31"/>
-    <p:sldId id="275" r:id="rId32"/>
-    <p:sldId id="271" r:id="rId33"/>
-    <p:sldId id="276" r:id="rId34"/>
-    <p:sldId id="303" r:id="rId35"/>
-    <p:sldId id="277" r:id="rId36"/>
-    <p:sldId id="304" r:id="rId37"/>
-    <p:sldId id="278" r:id="rId38"/>
-    <p:sldId id="279" r:id="rId39"/>
-    <p:sldId id="281" r:id="rId40"/>
-    <p:sldId id="280" r:id="rId41"/>
-    <p:sldId id="284" r:id="rId42"/>
-    <p:sldId id="285" r:id="rId43"/>
-    <p:sldId id="282" r:id="rId44"/>
-    <p:sldId id="283" r:id="rId45"/>
-    <p:sldId id="261" r:id="rId46"/>
-    <p:sldId id="286" r:id="rId47"/>
+    <p:sldId id="305" r:id="rId24"/>
+    <p:sldId id="272" r:id="rId25"/>
+    <p:sldId id="306" r:id="rId26"/>
+    <p:sldId id="273" r:id="rId27"/>
+    <p:sldId id="269" r:id="rId28"/>
+    <p:sldId id="300" r:id="rId29"/>
+    <p:sldId id="307" r:id="rId30"/>
+    <p:sldId id="274" r:id="rId31"/>
+    <p:sldId id="301" r:id="rId32"/>
+    <p:sldId id="270" r:id="rId33"/>
+    <p:sldId id="302" r:id="rId34"/>
+    <p:sldId id="275" r:id="rId35"/>
+    <p:sldId id="271" r:id="rId36"/>
+    <p:sldId id="276" r:id="rId37"/>
+    <p:sldId id="303" r:id="rId38"/>
+    <p:sldId id="277" r:id="rId39"/>
+    <p:sldId id="304" r:id="rId40"/>
+    <p:sldId id="278" r:id="rId41"/>
+    <p:sldId id="279" r:id="rId42"/>
+    <p:sldId id="281" r:id="rId43"/>
+    <p:sldId id="308" r:id="rId44"/>
+    <p:sldId id="309" r:id="rId45"/>
+    <p:sldId id="280" r:id="rId46"/>
+    <p:sldId id="282" r:id="rId47"/>
+    <p:sldId id="284" r:id="rId48"/>
+    <p:sldId id="285" r:id="rId49"/>
+    <p:sldId id="283" r:id="rId50"/>
+    <p:sldId id="261" r:id="rId51"/>
+    <p:sldId id="286" r:id="rId52"/>
   </p:sldIdLst>
   <p:sldSz cx="9144000" cy="6858000" type="screen4x3"/>
   <p:notesSz cx="6858000" cy="9144000"/>
@@ -187,10 +192,13 @@
         <p14:section name="原理分析" id="{5EDA037D-9FE9-4362-A6B4-5B06534A797A}">
           <p14:sldIdLst>
             <p14:sldId id="259"/>
+            <p14:sldId id="305"/>
             <p14:sldId id="272"/>
+            <p14:sldId id="306"/>
             <p14:sldId id="273"/>
             <p14:sldId id="269"/>
             <p14:sldId id="300"/>
+            <p14:sldId id="307"/>
             <p14:sldId id="274"/>
             <p14:sldId id="301"/>
             <p14:sldId id="270"/>
@@ -208,10 +216,12 @@
             <p14:sldId id="278"/>
             <p14:sldId id="279"/>
             <p14:sldId id="281"/>
+            <p14:sldId id="308"/>
+            <p14:sldId id="309"/>
             <p14:sldId id="280"/>
+            <p14:sldId id="282"/>
             <p14:sldId id="284"/>
             <p14:sldId id="285"/>
-            <p14:sldId id="282"/>
             <p14:sldId id="283"/>
           </p14:sldIdLst>
         </p14:section>
@@ -5928,7 +5938,7 @@
           <a:p>
             <a:fld id="{2279D1C3-1840-4C8C-8346-C7B070252024}" type="datetimeFigureOut">
               <a:rPr lang="zh-CN" altLang="en-US" smtClean="0"/>
-              <a:t>2016/4/13</a:t>
+              <a:t>2016/4/14</a:t>
             </a:fld>
             <a:endParaRPr lang="zh-CN" altLang="en-US"/>
           </a:p>
@@ -6345,7 +6355,7 @@
           <a:p>
             <a:fld id="{1DD30475-7E08-48EE-98AF-5ED2B58F1439}" type="slidenum">
               <a:rPr lang="zh-CN" altLang="en-US" smtClean="0"/>
-              <a:t>31</a:t>
+              <a:t>34</a:t>
             </a:fld>
             <a:endParaRPr lang="zh-CN" altLang="en-US"/>
           </a:p>
@@ -7319,7 +7329,7 @@
             <a:fld id="{5C4E4CAC-7CC1-43F7-B3CF-495ECC3AFC16}" type="datetime1">
               <a:rPr lang="zh-CN" altLang="en-US" smtClean="0"/>
               <a:pPr/>
-              <a:t>2016/4/13</a:t>
+              <a:t>2016/4/14</a:t>
             </a:fld>
             <a:endParaRPr lang="zh-CN" altLang="en-US" dirty="0"/>
           </a:p>
@@ -7478,7 +7488,7 @@
           <a:p>
             <a:fld id="{C1C2640E-85FC-407C-8719-B932D25C2066}" type="datetime1">
               <a:rPr lang="zh-CN" altLang="en-US" smtClean="0"/>
-              <a:t>2016/4/13</a:t>
+              <a:t>2016/4/14</a:t>
             </a:fld>
             <a:endParaRPr lang="zh-CN" altLang="en-US"/>
           </a:p>
@@ -7764,7 +7774,7 @@
           <a:p>
             <a:fld id="{13873F86-514F-49B2-A04E-9C16481B1212}" type="datetime1">
               <a:rPr lang="zh-CN" altLang="en-US" smtClean="0"/>
-              <a:t>2016/4/13</a:t>
+              <a:t>2016/4/14</a:t>
             </a:fld>
             <a:endParaRPr lang="zh-CN" altLang="en-US"/>
           </a:p>
@@ -7943,7 +7953,7 @@
           <a:p>
             <a:fld id="{CB6718E4-7406-45F3-BB60-A335F7C1373F}" type="datetime1">
               <a:rPr lang="zh-CN" altLang="en-US" smtClean="0"/>
-              <a:t>2016/4/13</a:t>
+              <a:t>2016/4/14</a:t>
             </a:fld>
             <a:endParaRPr lang="zh-CN" altLang="en-US"/>
           </a:p>
@@ -8246,7 +8256,7 @@
           <a:p>
             <a:fld id="{EA7C7CE4-F671-4C68-9CE2-256BF65B29C7}" type="datetime1">
               <a:rPr lang="zh-CN" altLang="en-US" smtClean="0"/>
-              <a:t>2016/4/13</a:t>
+              <a:t>2016/4/14</a:t>
             </a:fld>
             <a:endParaRPr lang="zh-CN" altLang="en-US"/>
           </a:p>
@@ -8466,7 +8476,7 @@
           <a:p>
             <a:fld id="{119374D9-14D0-4474-9391-63783E145F62}" type="datetime1">
               <a:rPr lang="zh-CN" altLang="en-US" smtClean="0"/>
-              <a:t>2016/4/13</a:t>
+              <a:t>2016/4/14</a:t>
             </a:fld>
             <a:endParaRPr lang="zh-CN" altLang="en-US"/>
           </a:p>
@@ -8890,7 +8900,7 @@
           <a:p>
             <a:fld id="{07A7EC98-23D9-4C72-A5AA-AF93E7BC45D7}" type="datetime1">
               <a:rPr lang="zh-CN" altLang="en-US" smtClean="0"/>
-              <a:t>2016/4/13</a:t>
+              <a:t>2016/4/14</a:t>
             </a:fld>
             <a:endParaRPr lang="zh-CN" altLang="en-US"/>
           </a:p>
@@ -9070,7 +9080,7 @@
           <a:p>
             <a:fld id="{D156E5FB-A961-48A6-AF28-F6CF8C4CE4AB}" type="datetime1">
               <a:rPr lang="zh-CN" altLang="en-US" smtClean="0"/>
-              <a:t>2016/4/13</a:t>
+              <a:t>2016/4/14</a:t>
             </a:fld>
             <a:endParaRPr lang="zh-CN" altLang="en-US"/>
           </a:p>
@@ -9274,7 +9284,7 @@
           <a:p>
             <a:fld id="{EB0997F0-605D-46F1-9D55-2E4C39E61FC9}" type="datetime1">
               <a:rPr lang="zh-CN" altLang="en-US" smtClean="0"/>
-              <a:t>2016/4/13</a:t>
+              <a:t>2016/4/14</a:t>
             </a:fld>
             <a:endParaRPr lang="zh-CN" altLang="en-US"/>
           </a:p>
@@ -9562,7 +9572,7 @@
           <a:p>
             <a:fld id="{087874BD-1CE4-4E6F-8DEA-827E38D1CE58}" type="datetime1">
               <a:rPr lang="zh-CN" altLang="en-US" smtClean="0"/>
-              <a:t>2016/4/13</a:t>
+              <a:t>2016/4/14</a:t>
             </a:fld>
             <a:endParaRPr lang="zh-CN" altLang="en-US"/>
           </a:p>
@@ -9826,7 +9836,7 @@
           <a:p>
             <a:fld id="{A7E4F2B5-33A0-49A6-B8D2-5BD332896B8D}" type="datetime1">
               <a:rPr lang="zh-CN" altLang="en-US" smtClean="0"/>
-              <a:t>2016/4/13</a:t>
+              <a:t>2016/4/14</a:t>
             </a:fld>
             <a:endParaRPr lang="zh-CN" altLang="en-US"/>
           </a:p>
@@ -10098,7 +10108,7 @@
             <a:fld id="{5C4E4CAC-7CC1-43F7-B3CF-495ECC3AFC16}" type="datetime1">
               <a:rPr lang="zh-CN" altLang="en-US" smtClean="0"/>
               <a:pPr/>
-              <a:t>2016/4/13</a:t>
+              <a:t>2016/4/14</a:t>
             </a:fld>
             <a:endParaRPr lang="zh-CN" altLang="en-US" dirty="0"/>
           </a:p>
@@ -11186,7 +11196,7 @@
           <a:p>
             <a:fld id="{CB6718E4-7406-45F3-BB60-A335F7C1373F}" type="datetime1">
               <a:rPr lang="zh-CN" altLang="en-US" smtClean="0"/>
-              <a:t>2016/4/13</a:t>
+              <a:t>2016/4/14</a:t>
             </a:fld>
             <a:endParaRPr lang="zh-CN" altLang="en-US"/>
           </a:p>
@@ -12083,7 +12093,7 @@
           <a:p>
             <a:fld id="{CB6718E4-7406-45F3-BB60-A335F7C1373F}" type="datetime1">
               <a:rPr lang="zh-CN" altLang="en-US" smtClean="0"/>
-              <a:t>2016/4/13</a:t>
+              <a:t>2016/4/14</a:t>
             </a:fld>
             <a:endParaRPr lang="zh-CN" altLang="en-US"/>
           </a:p>
@@ -12609,13 +12619,8 @@
             <a:pPr lvl="1"/>
             <a:r>
               <a:rPr lang="en-US" altLang="zh-CN" b="1" dirty="0" smtClean="0"/>
-              <a:t>CRP: C-R </a:t>
-            </a:r>
-            <a:r>
-              <a:rPr lang="en-US" altLang="zh-CN" b="1" dirty="0" smtClean="0"/>
-              <a:t>Pairs</a:t>
-            </a:r>
-            <a:endParaRPr lang="en-US" altLang="zh-CN" b="1" dirty="0" smtClean="0"/>
+              <a:t>CRP: C-R Pairs</a:t>
+            </a:r>
           </a:p>
         </p:txBody>
       </p:sp>
@@ -12636,7 +12641,7 @@
           <a:p>
             <a:fld id="{CB6718E4-7406-45F3-BB60-A335F7C1373F}" type="datetime1">
               <a:rPr lang="zh-CN" altLang="en-US" smtClean="0"/>
-              <a:t>2016/4/13</a:t>
+              <a:t>2016/4/14</a:t>
             </a:fld>
             <a:endParaRPr lang="zh-CN" altLang="en-US"/>
           </a:p>
@@ -13815,7 +13820,7 @@
           <a:p>
             <a:fld id="{CB6718E4-7406-45F3-BB60-A335F7C1373F}" type="datetime1">
               <a:rPr lang="zh-CN" altLang="en-US" smtClean="0"/>
-              <a:t>2016/4/13</a:t>
+              <a:t>2016/4/14</a:t>
             </a:fld>
             <a:endParaRPr lang="zh-CN" altLang="en-US"/>
           </a:p>
@@ -14994,7 +14999,7 @@
           <a:p>
             <a:fld id="{CB6718E4-7406-45F3-BB60-A335F7C1373F}" type="datetime1">
               <a:rPr lang="zh-CN" altLang="en-US" smtClean="0"/>
-              <a:t>2016/4/13</a:t>
+              <a:t>2016/4/14</a:t>
             </a:fld>
             <a:endParaRPr lang="zh-CN" altLang="en-US"/>
           </a:p>
@@ -16346,7 +16351,7 @@
           <a:p>
             <a:fld id="{CB6718E4-7406-45F3-BB60-A335F7C1373F}" type="datetime1">
               <a:rPr lang="zh-CN" altLang="en-US" smtClean="0"/>
-              <a:t>2016/4/13</a:t>
+              <a:t>2016/4/14</a:t>
             </a:fld>
             <a:endParaRPr lang="zh-CN" altLang="en-US"/>
           </a:p>
@@ -16535,8 +16540,8 @@
           </a:p>
         </p:txBody>
       </p:sp>
-      <mc:AlternateContent xmlns:mc="http://schemas.openxmlformats.org/markup-compatibility/2006">
-        <mc:Choice xmlns:a14="http://schemas.microsoft.com/office/drawing/2010/main" Requires="a14">
+      <mc:AlternateContent xmlns:mc="http://schemas.openxmlformats.org/markup-compatibility/2006" xmlns:a14="http://schemas.microsoft.com/office/drawing/2010/main">
+        <mc:Choice Requires="a14">
           <p:sp>
             <p:nvSpPr>
               <p:cNvPr id="3" name="内容占位符 2"/>
@@ -16593,7 +16598,7 @@
                 </a:pPr>
                 <a:r>
                   <a:rPr lang="zh-CN" altLang="en-US" dirty="0" smtClean="0"/>
-                  <a:t>必要性量化指标</a:t>
+                  <a:t>量化指标</a:t>
                 </a:r>
                 <a:r>
                   <a:rPr lang="en-US" altLang="zh-CN" dirty="0" smtClean="0"/>
@@ -16602,6 +16607,14 @@
                 <a:r>
                   <a:rPr lang="zh-CN" altLang="en-US" dirty="0" smtClean="0"/>
                   <a:t>统计特性</a:t>
+                </a:r>
+                <a:r>
+                  <a:rPr lang="en-US" altLang="zh-CN" dirty="0" smtClean="0"/>
+                  <a:t>——</a:t>
+                </a:r>
+                <a:r>
+                  <a:rPr lang="zh-CN" altLang="en-US" dirty="0" smtClean="0"/>
+                  <a:t>安全性必要条件</a:t>
                 </a:r>
                 <a:endParaRPr lang="en-US" altLang="zh-CN" dirty="0" smtClean="0"/>
               </a:p>
@@ -17191,18 +17204,16 @@
                 <a:endParaRPr lang="en-US" altLang="zh-CN" dirty="0" smtClean="0"/>
               </a:p>
               <a:p>
-                <a:pPr lvl="1">
+                <a:pPr marL="1028700" lvl="2" indent="-342900">
                   <a:lnSpc>
                     <a:spcPct val="100000"/>
                   </a:lnSpc>
+                  <a:buFont typeface="+mj-lt"/>
+                  <a:buAutoNum type="arabicPeriod"/>
                 </a:pPr>
                 <a:r>
-                  <a:rPr lang="zh-CN" altLang="en-US" dirty="0"/>
-                  <a:t>泛化</a:t>
-                </a:r>
-                <a:r>
                   <a:rPr lang="zh-CN" altLang="en-US" dirty="0" smtClean="0"/>
-                  <a:t>指标：</a:t>
+                  <a:t>（*）</a:t>
                 </a:r>
                 <a:r>
                   <a:rPr lang="en-US" altLang="zh-CN" dirty="0" smtClean="0"/>
@@ -17225,7 +17236,7 @@
             </p:txBody>
           </p:sp>
         </mc:Choice>
-        <mc:Fallback>
+        <mc:Fallback xmlns="">
           <p:sp>
             <p:nvSpPr>
               <p:cNvPr id="3" name="内容占位符 2"/>
@@ -17276,7 +17287,7 @@
           <a:p>
             <a:fld id="{CB6718E4-7406-45F3-BB60-A335F7C1373F}" type="datetime1">
               <a:rPr lang="zh-CN" altLang="en-US" smtClean="0"/>
-              <a:t>2016/4/13</a:t>
+              <a:t>2016/4/14</a:t>
             </a:fld>
             <a:endParaRPr lang="zh-CN" altLang="en-US"/>
           </a:p>
@@ -17387,8 +17398,8 @@
           </a:p>
         </p:txBody>
       </p:sp>
-      <mc:AlternateContent xmlns:mc="http://schemas.openxmlformats.org/markup-compatibility/2006">
-        <mc:Choice xmlns:a14="http://schemas.microsoft.com/office/drawing/2010/main" Requires="a14">
+      <mc:AlternateContent xmlns:mc="http://schemas.openxmlformats.org/markup-compatibility/2006" xmlns:a14="http://schemas.microsoft.com/office/drawing/2010/main">
+        <mc:Choice Requires="a14">
           <p:sp>
             <p:nvSpPr>
               <p:cNvPr id="3" name="内容占位符 2"/>
@@ -17444,16 +17455,926 @@
                   </a:lnSpc>
                 </a:pPr>
                 <a:r>
+                  <a:rPr lang="zh-CN" altLang="en-US" dirty="0"/>
+                  <a:t>量化指标</a:t>
+                </a:r>
+                <a:r>
+                  <a:rPr lang="en-US" altLang="zh-CN" dirty="0"/>
+                  <a:t>——</a:t>
+                </a:r>
+                <a:r>
+                  <a:rPr lang="zh-CN" altLang="en-US" dirty="0"/>
+                  <a:t>统计特性</a:t>
+                </a:r>
+                <a:r>
+                  <a:rPr lang="en-US" altLang="zh-CN" dirty="0"/>
+                  <a:t>——</a:t>
+                </a:r>
+                <a:r>
+                  <a:rPr lang="zh-CN" altLang="en-US" dirty="0"/>
+                  <a:t>安全性必要条件</a:t>
+                </a:r>
+                <a:endParaRPr lang="en-US" altLang="zh-CN" dirty="0"/>
+              </a:p>
+              <a:p>
+                <a:pPr marL="1028700" lvl="2" indent="-342900">
+                  <a:lnSpc>
+                    <a:spcPct val="100000"/>
+                  </a:lnSpc>
+                  <a:buFont typeface="+mj-lt"/>
+                  <a:buAutoNum type="arabicPeriod"/>
+                </a:pPr>
+                <a:r>
                   <a:rPr lang="zh-CN" altLang="en-US" dirty="0" smtClean="0"/>
-                  <a:t>必要性量化指标</a:t>
+                  <a:t>（片内）随机性：</a:t>
+                </a:r>
+                <a14:m>
+                  <m:oMath xmlns:m="http://schemas.openxmlformats.org/officeDocument/2006/math">
+                    <m:r>
+                      <a:rPr lang="en-US" altLang="zh-CN" i="1">
+                        <a:latin typeface="Cambria Math" panose="02040503050406030204" pitchFamily="18" charset="0"/>
+                      </a:rPr>
+                      <m:t>𝑅𝑎𝑛𝑑</m:t>
+                    </m:r>
+                    <m:r>
+                      <a:rPr lang="en-US" altLang="zh-CN">
+                        <a:latin typeface="Cambria Math" panose="02040503050406030204" pitchFamily="18" charset="0"/>
+                      </a:rPr>
+                      <m:t>=</m:t>
+                    </m:r>
+                    <m:f>
+                      <m:fPr>
+                        <m:ctrlPr>
+                          <a:rPr lang="zh-CN" altLang="zh-CN" i="1">
+                            <a:latin typeface="Cambria Math" panose="02040503050406030204" pitchFamily="18" charset="0"/>
+                          </a:rPr>
+                        </m:ctrlPr>
+                      </m:fPr>
+                      <m:num>
+                        <m:r>
+                          <a:rPr lang="en-US" altLang="zh-CN" i="1">
+                            <a:latin typeface="Cambria Math" panose="02040503050406030204" pitchFamily="18" charset="0"/>
+                          </a:rPr>
+                          <m:t>1</m:t>
+                        </m:r>
+                      </m:num>
+                      <m:den>
+                        <m:r>
+                          <a:rPr lang="en-US" altLang="zh-CN" i="1">
+                            <a:latin typeface="Cambria Math" panose="02040503050406030204" pitchFamily="18" charset="0"/>
+                          </a:rPr>
+                          <m:t>𝑁</m:t>
+                        </m:r>
+                      </m:den>
+                    </m:f>
+                    <m:r>
+                      <a:rPr lang="en-US" altLang="zh-CN" i="1">
+                        <a:latin typeface="Cambria Math" panose="02040503050406030204" pitchFamily="18" charset="0"/>
+                      </a:rPr>
+                      <m:t>⋅</m:t>
+                    </m:r>
+                    <m:nary>
+                      <m:naryPr>
+                        <m:chr m:val="∑"/>
+                        <m:subHide m:val="on"/>
+                        <m:ctrlPr>
+                          <a:rPr lang="zh-CN" altLang="zh-CN" i="1">
+                            <a:latin typeface="Cambria Math" panose="02040503050406030204" pitchFamily="18" charset="0"/>
+                          </a:rPr>
+                        </m:ctrlPr>
+                      </m:naryPr>
+                      <m:sub/>
+                      <m:sup>
+                        <m:r>
+                          <a:rPr lang="en-US" altLang="zh-CN" i="1">
+                            <a:latin typeface="Cambria Math" panose="02040503050406030204" pitchFamily="18" charset="0"/>
+                          </a:rPr>
+                          <m:t>𝑁</m:t>
+                        </m:r>
+                      </m:sup>
+                      <m:e>
+                        <m:sSub>
+                          <m:sSubPr>
+                            <m:ctrlPr>
+                              <a:rPr lang="zh-CN" altLang="zh-CN" i="1">
+                                <a:latin typeface="Cambria Math" panose="02040503050406030204" pitchFamily="18" charset="0"/>
+                              </a:rPr>
+                            </m:ctrlPr>
+                          </m:sSubPr>
+                          <m:e>
+                            <m:r>
+                              <a:rPr lang="en-US" altLang="zh-CN" i="1">
+                                <a:latin typeface="Cambria Math" panose="02040503050406030204" pitchFamily="18" charset="0"/>
+                              </a:rPr>
+                              <m:t>𝑓</m:t>
+                            </m:r>
+                            <m:r>
+                              <a:rPr lang="en-US" altLang="zh-CN" i="1">
+                                <a:latin typeface="Cambria Math" panose="02040503050406030204" pitchFamily="18" charset="0"/>
+                              </a:rPr>
+                              <m:t>(</m:t>
+                            </m:r>
+                            <m:r>
+                              <a:rPr lang="en-US" altLang="zh-CN" i="1">
+                                <a:latin typeface="Cambria Math" panose="02040503050406030204" pitchFamily="18" charset="0"/>
+                              </a:rPr>
+                              <m:t>𝑐</m:t>
+                            </m:r>
+                          </m:e>
+                          <m:sub>
+                            <m:r>
+                              <a:rPr lang="en-US" altLang="zh-CN" i="1">
+                                <a:latin typeface="Cambria Math" panose="02040503050406030204" pitchFamily="18" charset="0"/>
+                              </a:rPr>
+                              <m:t>𝑖</m:t>
+                            </m:r>
+                          </m:sub>
+                        </m:sSub>
+                        <m:r>
+                          <a:rPr lang="en-US" altLang="zh-CN" i="1">
+                            <a:latin typeface="Cambria Math" panose="02040503050406030204" pitchFamily="18" charset="0"/>
+                          </a:rPr>
+                          <m:t>)</m:t>
+                        </m:r>
+                      </m:e>
+                    </m:nary>
+                  </m:oMath>
+                </a14:m>
+                <a:endParaRPr lang="en-US" altLang="zh-CN" dirty="0" smtClean="0"/>
+              </a:p>
+              <a:p>
+                <a:pPr marL="1028700" lvl="2" indent="-342900">
+                  <a:lnSpc>
+                    <a:spcPct val="100000"/>
+                  </a:lnSpc>
+                  <a:buFont typeface="+mj-lt"/>
+                  <a:buAutoNum type="arabicPeriod"/>
+                </a:pPr>
+                <a:r>
+                  <a:rPr lang="zh-CN" altLang="en-US" dirty="0" smtClean="0"/>
+                  <a:t>（片间）独特性：</a:t>
+                </a:r>
+                <a14:m>
+                  <m:oMath xmlns:m="http://schemas.openxmlformats.org/officeDocument/2006/math">
+                    <m:r>
+                      <a:rPr lang="en-US" altLang="zh-CN" i="1">
+                        <a:latin typeface="Cambria Math" panose="02040503050406030204" pitchFamily="18" charset="0"/>
+                      </a:rPr>
+                      <m:t>𝑈𝑛𝑖𝑞</m:t>
+                    </m:r>
+                    <m:r>
+                      <a:rPr lang="en-US" altLang="zh-CN" i="1">
+                        <a:latin typeface="Cambria Math" panose="02040503050406030204" pitchFamily="18" charset="0"/>
+                      </a:rPr>
+                      <m:t>=</m:t>
+                    </m:r>
+                    <m:f>
+                      <m:fPr>
+                        <m:ctrlPr>
+                          <a:rPr lang="zh-CN" altLang="zh-CN" i="1">
+                            <a:latin typeface="Cambria Math" panose="02040503050406030204" pitchFamily="18" charset="0"/>
+                          </a:rPr>
+                        </m:ctrlPr>
+                      </m:fPr>
+                      <m:num>
+                        <m:r>
+                          <a:rPr lang="en-US" altLang="zh-CN" i="1">
+                            <a:latin typeface="Cambria Math" panose="02040503050406030204" pitchFamily="18" charset="0"/>
+                          </a:rPr>
+                          <m:t>2</m:t>
+                        </m:r>
+                      </m:num>
+                      <m:den>
+                        <m:r>
+                          <a:rPr lang="en-US" altLang="zh-CN" i="1">
+                            <a:latin typeface="Cambria Math" panose="02040503050406030204" pitchFamily="18" charset="0"/>
+                          </a:rPr>
+                          <m:t>𝑀</m:t>
+                        </m:r>
+                        <m:r>
+                          <a:rPr lang="en-US" altLang="zh-CN" i="1">
+                            <a:latin typeface="Cambria Math" panose="02040503050406030204" pitchFamily="18" charset="0"/>
+                          </a:rPr>
+                          <m:t>(</m:t>
+                        </m:r>
+                        <m:r>
+                          <a:rPr lang="en-US" altLang="zh-CN" i="1">
+                            <a:latin typeface="Cambria Math" panose="02040503050406030204" pitchFamily="18" charset="0"/>
+                          </a:rPr>
+                          <m:t>𝑀</m:t>
+                        </m:r>
+                        <m:r>
+                          <a:rPr lang="en-US" altLang="zh-CN" i="1">
+                            <a:latin typeface="Cambria Math" panose="02040503050406030204" pitchFamily="18" charset="0"/>
+                          </a:rPr>
+                          <m:t>−1)</m:t>
+                        </m:r>
+                      </m:den>
+                    </m:f>
+                    <m:nary>
+                      <m:naryPr>
+                        <m:chr m:val="∑"/>
+                        <m:ctrlPr>
+                          <a:rPr lang="zh-CN" altLang="zh-CN" i="1">
+                            <a:latin typeface="Cambria Math" panose="02040503050406030204" pitchFamily="18" charset="0"/>
+                          </a:rPr>
+                        </m:ctrlPr>
+                      </m:naryPr>
+                      <m:sub>
+                        <m:r>
+                          <a:rPr lang="en-US" altLang="zh-CN" i="1">
+                            <a:latin typeface="Cambria Math" panose="02040503050406030204" pitchFamily="18" charset="0"/>
+                          </a:rPr>
+                          <m:t>𝑖</m:t>
+                        </m:r>
+                        <m:r>
+                          <a:rPr lang="en-US" altLang="zh-CN" i="1">
+                            <a:latin typeface="Cambria Math" panose="02040503050406030204" pitchFamily="18" charset="0"/>
+                          </a:rPr>
+                          <m:t>=1</m:t>
+                        </m:r>
+                      </m:sub>
+                      <m:sup>
+                        <m:r>
+                          <a:rPr lang="en-US" altLang="zh-CN" i="1">
+                            <a:latin typeface="Cambria Math" panose="02040503050406030204" pitchFamily="18" charset="0"/>
+                          </a:rPr>
+                          <m:t>𝑀</m:t>
+                        </m:r>
+                      </m:sup>
+                      <m:e>
+                        <m:nary>
+                          <m:naryPr>
+                            <m:chr m:val="∑"/>
+                            <m:ctrlPr>
+                              <a:rPr lang="zh-CN" altLang="zh-CN" i="1">
+                                <a:latin typeface="Cambria Math" panose="02040503050406030204" pitchFamily="18" charset="0"/>
+                              </a:rPr>
+                            </m:ctrlPr>
+                          </m:naryPr>
+                          <m:sub>
+                            <m:r>
+                              <a:rPr lang="en-US" altLang="zh-CN" i="1">
+                                <a:latin typeface="Cambria Math" panose="02040503050406030204" pitchFamily="18" charset="0"/>
+                              </a:rPr>
+                              <m:t>𝑗</m:t>
+                            </m:r>
+                            <m:r>
+                              <a:rPr lang="en-US" altLang="zh-CN" i="1">
+                                <a:latin typeface="Cambria Math" panose="02040503050406030204" pitchFamily="18" charset="0"/>
+                              </a:rPr>
+                              <m:t>=</m:t>
+                            </m:r>
+                            <m:r>
+                              <a:rPr lang="en-US" altLang="zh-CN" i="1">
+                                <a:latin typeface="Cambria Math" panose="02040503050406030204" pitchFamily="18" charset="0"/>
+                              </a:rPr>
+                              <m:t>𝑖</m:t>
+                            </m:r>
+                            <m:r>
+                              <a:rPr lang="en-US" altLang="zh-CN" i="1">
+                                <a:latin typeface="Cambria Math" panose="02040503050406030204" pitchFamily="18" charset="0"/>
+                              </a:rPr>
+                              <m:t>+1</m:t>
+                            </m:r>
+                          </m:sub>
+                          <m:sup>
+                            <m:r>
+                              <a:rPr lang="en-US" altLang="zh-CN" i="1">
+                                <a:latin typeface="Cambria Math" panose="02040503050406030204" pitchFamily="18" charset="0"/>
+                              </a:rPr>
+                              <m:t>𝑀</m:t>
+                            </m:r>
+                          </m:sup>
+                          <m:e>
+                            <m:f>
+                              <m:fPr>
+                                <m:ctrlPr>
+                                  <a:rPr lang="zh-CN" altLang="zh-CN" i="1">
+                                    <a:latin typeface="Cambria Math" panose="02040503050406030204" pitchFamily="18" charset="0"/>
+                                  </a:rPr>
+                                </m:ctrlPr>
+                              </m:fPr>
+                              <m:num>
+                                <m:r>
+                                  <a:rPr lang="en-US" altLang="zh-CN" i="1">
+                                    <a:latin typeface="Cambria Math" panose="02040503050406030204" pitchFamily="18" charset="0"/>
+                                  </a:rPr>
+                                  <m:t>𝐻𝐷</m:t>
+                                </m:r>
+                                <m:d>
+                                  <m:dPr>
+                                    <m:ctrlPr>
+                                      <a:rPr lang="zh-CN" altLang="zh-CN" i="1">
+                                        <a:latin typeface="Cambria Math" panose="02040503050406030204" pitchFamily="18" charset="0"/>
+                                      </a:rPr>
+                                    </m:ctrlPr>
+                                  </m:dPr>
+                                  <m:e>
+                                    <m:sSub>
+                                      <m:sSubPr>
+                                        <m:ctrlPr>
+                                          <a:rPr lang="zh-CN" altLang="zh-CN" i="1">
+                                            <a:latin typeface="Cambria Math" panose="02040503050406030204" pitchFamily="18" charset="0"/>
+                                          </a:rPr>
+                                        </m:ctrlPr>
+                                      </m:sSubPr>
+                                      <m:e>
+                                        <m:r>
+                                          <a:rPr lang="en-US" altLang="zh-CN" i="1">
+                                            <a:latin typeface="Cambria Math" panose="02040503050406030204" pitchFamily="18" charset="0"/>
+                                          </a:rPr>
+                                          <m:t>𝑃</m:t>
+                                        </m:r>
+                                      </m:e>
+                                      <m:sub>
+                                        <m:r>
+                                          <a:rPr lang="en-US" altLang="zh-CN" i="1">
+                                            <a:latin typeface="Cambria Math" panose="02040503050406030204" pitchFamily="18" charset="0"/>
+                                          </a:rPr>
+                                          <m:t>𝑖</m:t>
+                                        </m:r>
+                                      </m:sub>
+                                    </m:sSub>
+                                    <m:r>
+                                      <a:rPr lang="en-US" altLang="zh-CN" i="1">
+                                        <a:latin typeface="Cambria Math" panose="02040503050406030204" pitchFamily="18" charset="0"/>
+                                      </a:rPr>
+                                      <m:t>,</m:t>
+                                    </m:r>
+                                    <m:sSub>
+                                      <m:sSubPr>
+                                        <m:ctrlPr>
+                                          <a:rPr lang="zh-CN" altLang="zh-CN" i="1">
+                                            <a:latin typeface="Cambria Math" panose="02040503050406030204" pitchFamily="18" charset="0"/>
+                                          </a:rPr>
+                                        </m:ctrlPr>
+                                      </m:sSubPr>
+                                      <m:e>
+                                        <m:r>
+                                          <a:rPr lang="en-US" altLang="zh-CN" i="1">
+                                            <a:latin typeface="Cambria Math" panose="02040503050406030204" pitchFamily="18" charset="0"/>
+                                          </a:rPr>
+                                          <m:t>𝑃</m:t>
+                                        </m:r>
+                                      </m:e>
+                                      <m:sub>
+                                        <m:r>
+                                          <a:rPr lang="en-US" altLang="zh-CN" i="1">
+                                            <a:latin typeface="Cambria Math" panose="02040503050406030204" pitchFamily="18" charset="0"/>
+                                          </a:rPr>
+                                          <m:t>𝑗</m:t>
+                                        </m:r>
+                                      </m:sub>
+                                    </m:sSub>
+                                  </m:e>
+                                </m:d>
+                              </m:num>
+                              <m:den>
+                                <m:r>
+                                  <a:rPr lang="en-US" altLang="zh-CN" i="1">
+                                    <a:latin typeface="Cambria Math" panose="02040503050406030204" pitchFamily="18" charset="0"/>
+                                  </a:rPr>
+                                  <m:t>𝑁</m:t>
+                                </m:r>
+                              </m:den>
+                            </m:f>
+                          </m:e>
+                        </m:nary>
+                      </m:e>
+                    </m:nary>
+                  </m:oMath>
+                </a14:m>
+                <a:endParaRPr lang="en-US" altLang="zh-CN" dirty="0" smtClean="0"/>
+              </a:p>
+              <a:p>
+                <a:pPr marL="1028700" lvl="2" indent="-342900">
+                  <a:lnSpc>
+                    <a:spcPct val="100000"/>
+                  </a:lnSpc>
+                  <a:buFont typeface="+mj-lt"/>
+                  <a:buAutoNum type="arabicPeriod"/>
+                </a:pPr>
+                <a:r>
+                  <a:rPr lang="zh-CN" altLang="en-US" dirty="0" smtClean="0"/>
+                  <a:t>可靠性（可重复性）：</a:t>
+                </a:r>
+                <a14:m>
+                  <m:oMath xmlns:m="http://schemas.openxmlformats.org/officeDocument/2006/math">
+                    <m:r>
+                      <a:rPr lang="en-US" altLang="zh-CN" i="1">
+                        <a:latin typeface="Cambria Math" panose="02040503050406030204" pitchFamily="18" charset="0"/>
+                      </a:rPr>
+                      <m:t>𝑅𝑒𝑙𝑖𝑎𝑏𝑖𝑙𝑖𝑡𝑦</m:t>
+                    </m:r>
+                    <m:r>
+                      <a:rPr lang="en-US" altLang="zh-CN" i="1">
+                        <a:latin typeface="Cambria Math" panose="02040503050406030204" pitchFamily="18" charset="0"/>
+                      </a:rPr>
+                      <m:t>=</m:t>
+                    </m:r>
+                    <m:f>
+                      <m:fPr>
+                        <m:ctrlPr>
+                          <a:rPr lang="zh-CN" altLang="zh-CN" i="1">
+                            <a:latin typeface="Cambria Math" panose="02040503050406030204" pitchFamily="18" charset="0"/>
+                          </a:rPr>
+                        </m:ctrlPr>
+                      </m:fPr>
+                      <m:num>
+                        <m:r>
+                          <a:rPr lang="en-US" altLang="zh-CN" i="1">
+                            <a:latin typeface="Cambria Math" panose="02040503050406030204" pitchFamily="18" charset="0"/>
+                          </a:rPr>
+                          <m:t>1</m:t>
+                        </m:r>
+                      </m:num>
+                      <m:den>
+                        <m:r>
+                          <a:rPr lang="en-US" altLang="zh-CN" i="1">
+                            <a:latin typeface="Cambria Math" panose="02040503050406030204" pitchFamily="18" charset="0"/>
+                          </a:rPr>
+                          <m:t>𝑀𝑁</m:t>
+                        </m:r>
+                      </m:den>
+                    </m:f>
+                    <m:nary>
+                      <m:naryPr>
+                        <m:chr m:val="∑"/>
+                        <m:ctrlPr>
+                          <a:rPr lang="zh-CN" altLang="zh-CN" i="1">
+                            <a:latin typeface="Cambria Math" panose="02040503050406030204" pitchFamily="18" charset="0"/>
+                          </a:rPr>
+                        </m:ctrlPr>
+                      </m:naryPr>
+                      <m:sub>
+                        <m:r>
+                          <a:rPr lang="en-US" altLang="zh-CN" i="1">
+                            <a:latin typeface="Cambria Math" panose="02040503050406030204" pitchFamily="18" charset="0"/>
+                          </a:rPr>
+                          <m:t>𝑗</m:t>
+                        </m:r>
+                      </m:sub>
+                      <m:sup>
+                        <m:r>
+                          <a:rPr lang="en-US" altLang="zh-CN" i="1">
+                            <a:latin typeface="Cambria Math" panose="02040503050406030204" pitchFamily="18" charset="0"/>
+                          </a:rPr>
+                          <m:t>𝑀</m:t>
+                        </m:r>
+                      </m:sup>
+                      <m:e>
+                        <m:nary>
+                          <m:naryPr>
+                            <m:chr m:val="∑"/>
+                            <m:ctrlPr>
+                              <a:rPr lang="zh-CN" altLang="zh-CN" i="1">
+                                <a:latin typeface="Cambria Math" panose="02040503050406030204" pitchFamily="18" charset="0"/>
+                              </a:rPr>
+                            </m:ctrlPr>
+                          </m:naryPr>
+                          <m:sub>
+                            <m:r>
+                              <a:rPr lang="en-US" altLang="zh-CN" i="1">
+                                <a:latin typeface="Cambria Math" panose="02040503050406030204" pitchFamily="18" charset="0"/>
+                              </a:rPr>
+                              <m:t>𝑖</m:t>
+                            </m:r>
+                          </m:sub>
+                          <m:sup>
+                            <m:r>
+                              <a:rPr lang="en-US" altLang="zh-CN" i="1">
+                                <a:latin typeface="Cambria Math" panose="02040503050406030204" pitchFamily="18" charset="0"/>
+                              </a:rPr>
+                              <m:t>𝑁</m:t>
+                            </m:r>
+                          </m:sup>
+                          <m:e>
+                            <m:d>
+                              <m:dPr>
+                                <m:begChr m:val="|"/>
+                                <m:endChr m:val="|"/>
+                                <m:ctrlPr>
+                                  <a:rPr lang="zh-CN" altLang="zh-CN" i="1">
+                                    <a:latin typeface="Cambria Math" panose="02040503050406030204" pitchFamily="18" charset="0"/>
+                                  </a:rPr>
+                                </m:ctrlPr>
+                              </m:dPr>
+                              <m:e>
+                                <m:r>
+                                  <a:rPr lang="en-US" altLang="zh-CN" i="1">
+                                    <a:latin typeface="Cambria Math" panose="02040503050406030204" pitchFamily="18" charset="0"/>
+                                  </a:rPr>
+                                  <m:t>𝑓</m:t>
+                                </m:r>
+                                <m:d>
+                                  <m:dPr>
+                                    <m:ctrlPr>
+                                      <a:rPr lang="zh-CN" altLang="zh-CN" i="1">
+                                        <a:latin typeface="Cambria Math" panose="02040503050406030204" pitchFamily="18" charset="0"/>
+                                      </a:rPr>
+                                    </m:ctrlPr>
+                                  </m:dPr>
+                                  <m:e>
+                                    <m:sSup>
+                                      <m:sSupPr>
+                                        <m:ctrlPr>
+                                          <a:rPr lang="zh-CN" altLang="zh-CN" i="1">
+                                            <a:latin typeface="Cambria Math" panose="02040503050406030204" pitchFamily="18" charset="0"/>
+                                          </a:rPr>
+                                        </m:ctrlPr>
+                                      </m:sSupPr>
+                                      <m:e>
+                                        <m:r>
+                                          <a:rPr lang="en-US" altLang="zh-CN" i="1">
+                                            <a:latin typeface="Cambria Math" panose="02040503050406030204" pitchFamily="18" charset="0"/>
+                                          </a:rPr>
+                                          <m:t>𝑐</m:t>
+                                        </m:r>
+                                      </m:e>
+                                      <m:sup>
+                                        <m:r>
+                                          <a:rPr lang="en-US" altLang="zh-CN" i="1">
+                                            <a:latin typeface="Cambria Math" panose="02040503050406030204" pitchFamily="18" charset="0"/>
+                                          </a:rPr>
+                                          <m:t>′</m:t>
+                                        </m:r>
+                                      </m:sup>
+                                    </m:sSup>
+                                  </m:e>
+                                </m:d>
+                                <m:r>
+                                  <a:rPr lang="en-US" altLang="zh-CN" i="1">
+                                    <a:latin typeface="Cambria Math" panose="02040503050406030204" pitchFamily="18" charset="0"/>
+                                  </a:rPr>
+                                  <m:t>−</m:t>
+                                </m:r>
+                                <m:r>
+                                  <a:rPr lang="en-US" altLang="zh-CN" i="1">
+                                    <a:latin typeface="Cambria Math" panose="02040503050406030204" pitchFamily="18" charset="0"/>
+                                  </a:rPr>
+                                  <m:t>𝑓</m:t>
+                                </m:r>
+                                <m:d>
+                                  <m:dPr>
+                                    <m:ctrlPr>
+                                      <a:rPr lang="zh-CN" altLang="zh-CN" i="1">
+                                        <a:latin typeface="Cambria Math" panose="02040503050406030204" pitchFamily="18" charset="0"/>
+                                      </a:rPr>
+                                    </m:ctrlPr>
+                                  </m:dPr>
+                                  <m:e>
+                                    <m:sSub>
+                                      <m:sSubPr>
+                                        <m:ctrlPr>
+                                          <a:rPr lang="zh-CN" altLang="zh-CN" i="1">
+                                            <a:latin typeface="Cambria Math" panose="02040503050406030204" pitchFamily="18" charset="0"/>
+                                          </a:rPr>
+                                        </m:ctrlPr>
+                                      </m:sSubPr>
+                                      <m:e>
+                                        <m:r>
+                                          <a:rPr lang="en-US" altLang="zh-CN" i="1">
+                                            <a:latin typeface="Cambria Math" panose="02040503050406030204" pitchFamily="18" charset="0"/>
+                                          </a:rPr>
+                                          <m:t>𝑐</m:t>
+                                        </m:r>
+                                      </m:e>
+                                      <m:sub>
+                                        <m:r>
+                                          <a:rPr lang="en-US" altLang="zh-CN" i="1">
+                                            <a:latin typeface="Cambria Math" panose="02040503050406030204" pitchFamily="18" charset="0"/>
+                                          </a:rPr>
+                                          <m:t>𝑖</m:t>
+                                        </m:r>
+                                      </m:sub>
+                                    </m:sSub>
+                                  </m:e>
+                                </m:d>
+                              </m:e>
+                            </m:d>
+                          </m:e>
+                        </m:nary>
+                      </m:e>
+                    </m:nary>
+                  </m:oMath>
+                </a14:m>
+                <a:endParaRPr lang="en-US" altLang="zh-CN" dirty="0" smtClean="0"/>
+              </a:p>
+              <a:p>
+                <a:pPr marL="1028700" lvl="2" indent="-342900">
+                  <a:lnSpc>
+                    <a:spcPct val="100000"/>
+                  </a:lnSpc>
+                  <a:buFont typeface="+mj-lt"/>
+                  <a:buAutoNum type="arabicPeriod"/>
+                </a:pPr>
+                <a:r>
+                  <a:rPr lang="zh-CN" altLang="en-US" dirty="0" smtClean="0"/>
+                  <a:t>（*）</a:t>
+                </a:r>
+                <a:r>
+                  <a:rPr lang="en-US" altLang="zh-CN" dirty="0" smtClean="0"/>
+                  <a:t>NIST</a:t>
+                </a:r>
+                <a:r>
+                  <a:rPr lang="zh-CN" altLang="en-US" dirty="0" smtClean="0"/>
+                  <a:t>测试（随机数测试</a:t>
+                </a:r>
+                <a:r>
+                  <a:rPr lang="zh-CN" altLang="en-US" dirty="0"/>
+                  <a:t>标准</a:t>
+                </a:r>
+                <a:r>
+                  <a:rPr lang="zh-CN" altLang="en-US" dirty="0" smtClean="0"/>
+                  <a:t>）</a:t>
+                </a:r>
+                <a:endParaRPr lang="en-US" altLang="zh-CN" dirty="0" smtClean="0"/>
+              </a:p>
+              <a:p>
+                <a:pPr>
+                  <a:lnSpc>
+                    <a:spcPct val="100000"/>
+                  </a:lnSpc>
+                </a:pPr>
+                <a:r>
+                  <a:rPr lang="en-US" altLang="zh-CN" dirty="0" smtClean="0"/>
+                  <a:t>Strong PUF</a:t>
+                </a:r>
+                <a:r>
+                  <a:rPr lang="zh-CN" altLang="en-US" dirty="0" smtClean="0"/>
+                  <a:t>的</a:t>
+                </a:r>
+                <a:r>
+                  <a:rPr lang="zh-CN" altLang="en-US" b="1" dirty="0" smtClean="0"/>
+                  <a:t>不可预测性</a:t>
+                </a:r>
+                <a:endParaRPr lang="en-US" altLang="zh-CN" b="1" dirty="0" smtClean="0"/>
+              </a:p>
+              <a:p>
+                <a:pPr lvl="1">
+                  <a:lnSpc>
+                    <a:spcPct val="100000"/>
+                  </a:lnSpc>
+                </a:pPr>
+                <a:r>
+                  <a:rPr lang="zh-CN" altLang="en-US" dirty="0" smtClean="0"/>
+                  <a:t>不能根据</a:t>
+                </a:r>
+                <a:r>
+                  <a:rPr lang="en-US" altLang="zh-CN" dirty="0" smtClean="0"/>
+                  <a:t>CRP</a:t>
+                </a:r>
+                <a:r>
+                  <a:rPr lang="zh-CN" altLang="en-US" dirty="0" smtClean="0"/>
+                  <a:t>某一子集推算出其他子集或全集</a:t>
+                </a:r>
+                <a:endParaRPr lang="en-US" altLang="zh-CN" dirty="0" smtClean="0"/>
+              </a:p>
+            </p:txBody>
+          </p:sp>
+        </mc:Choice>
+        <mc:Fallback xmlns="">
+          <p:sp>
+            <p:nvSpPr>
+              <p:cNvPr id="3" name="内容占位符 2"/>
+              <p:cNvSpPr>
+                <a:spLocks noGrp="1" noRot="1" noChangeAspect="1" noMove="1" noResize="1" noEditPoints="1" noAdjustHandles="1" noChangeArrowheads="1" noChangeShapeType="1" noTextEdit="1"/>
+              </p:cNvSpPr>
+              <p:nvPr>
+                <p:ph idx="1"/>
+              </p:nvPr>
+            </p:nvSpPr>
+            <p:spPr>
+              <a:blipFill rotWithShape="0">
+                <a:blip r:embed="rId2"/>
+                <a:stretch>
+                  <a:fillRect l="-773" t="-1401"/>
+                </a:stretch>
+              </a:blipFill>
+            </p:spPr>
+            <p:txBody>
+              <a:bodyPr/>
+              <a:lstStyle/>
+              <a:p>
+                <a:r>
+                  <a:rPr lang="zh-CN" altLang="en-US">
+                    <a:noFill/>
+                  </a:rPr>
+                  <a:t> </a:t>
+                </a:r>
+              </a:p>
+            </p:txBody>
+          </p:sp>
+        </mc:Fallback>
+      </mc:AlternateContent>
+      <p:sp>
+        <p:nvSpPr>
+          <p:cNvPr id="4" name="日期占位符 3"/>
+          <p:cNvSpPr>
+            <a:spLocks noGrp="1"/>
+          </p:cNvSpPr>
+          <p:nvPr>
+            <p:ph type="dt" sz="half" idx="10"/>
+          </p:nvPr>
+        </p:nvSpPr>
+        <p:spPr/>
+        <p:txBody>
+          <a:bodyPr/>
+          <a:lstStyle/>
+          <a:p>
+            <a:fld id="{CB6718E4-7406-45F3-BB60-A335F7C1373F}" type="datetime1">
+              <a:rPr lang="zh-CN" altLang="en-US" smtClean="0"/>
+              <a:t>2016/4/14</a:t>
+            </a:fld>
+            <a:endParaRPr lang="zh-CN" altLang="en-US"/>
+          </a:p>
+        </p:txBody>
+      </p:sp>
+      <p:sp>
+        <p:nvSpPr>
+          <p:cNvPr id="5" name="页脚占位符 4"/>
+          <p:cNvSpPr>
+            <a:spLocks noGrp="1"/>
+          </p:cNvSpPr>
+          <p:nvPr>
+            <p:ph type="ftr" sz="quarter" idx="11"/>
+          </p:nvPr>
+        </p:nvSpPr>
+        <p:spPr/>
+        <p:txBody>
+          <a:bodyPr/>
+          <a:lstStyle/>
+          <a:p>
+            <a:r>
+              <a:rPr lang="zh-CN" altLang="en-US" dirty="0" smtClean="0"/>
+              <a:t>背景介绍</a:t>
+            </a:r>
+            <a:endParaRPr lang="zh-CN" altLang="en-US" dirty="0"/>
+          </a:p>
+        </p:txBody>
+      </p:sp>
+      <p:sp>
+        <p:nvSpPr>
+          <p:cNvPr id="6" name="灯片编号占位符 5"/>
+          <p:cNvSpPr>
+            <a:spLocks noGrp="1"/>
+          </p:cNvSpPr>
+          <p:nvPr>
+            <p:ph type="sldNum" sz="quarter" idx="12"/>
+          </p:nvPr>
+        </p:nvSpPr>
+        <p:spPr/>
+        <p:txBody>
+          <a:bodyPr/>
+          <a:lstStyle/>
+          <a:p>
+            <a:fld id="{ED34C3B6-DCD7-4A30-8693-C31ECCFCB39D}" type="slidenum">
+              <a:rPr lang="zh-CN" altLang="en-US" smtClean="0"/>
+              <a:t>17</a:t>
+            </a:fld>
+            <a:endParaRPr lang="zh-CN" altLang="en-US"/>
+          </a:p>
+        </p:txBody>
+      </p:sp>
+    </p:spTree>
+    <p:extLst>
+      <p:ext uri="{BB962C8B-B14F-4D97-AF65-F5344CB8AC3E}">
+        <p14:creationId xmlns:p14="http://schemas.microsoft.com/office/powerpoint/2010/main" val="275140793"/>
+      </p:ext>
+    </p:extLst>
+  </p:cSld>
+  <p:clrMapOvr>
+    <a:masterClrMapping/>
+  </p:clrMapOvr>
+  <p:timing>
+    <p:tnLst>
+      <p:par>
+        <p:cTn id="1" dur="indefinite" restart="never" nodeType="tmRoot"/>
+      </p:par>
+    </p:tnLst>
+  </p:timing>
+</p:sld>
+</file>
+
+<file path=ppt/slides/slide18.xml><?xml version="1.0" encoding="utf-8"?>
+<p:sld xmlns:a="http://schemas.openxmlformats.org/drawingml/2006/main" xmlns:r="http://schemas.openxmlformats.org/officeDocument/2006/relationships" xmlns:p="http://schemas.openxmlformats.org/presentationml/2006/main">
+  <p:cSld>
+    <p:spTree>
+      <p:nvGrpSpPr>
+        <p:cNvPr id="1" name=""/>
+        <p:cNvGrpSpPr/>
+        <p:nvPr/>
+      </p:nvGrpSpPr>
+      <p:grpSpPr>
+        <a:xfrm>
+          <a:off x="0" y="0"/>
+          <a:ext cx="0" cy="0"/>
+          <a:chOff x="0" y="0"/>
+          <a:chExt cx="0" cy="0"/>
+        </a:xfrm>
+      </p:grpSpPr>
+      <p:sp>
+        <p:nvSpPr>
+          <p:cNvPr id="2" name="标题 1"/>
+          <p:cNvSpPr>
+            <a:spLocks noGrp="1"/>
+          </p:cNvSpPr>
+          <p:nvPr>
+            <p:ph type="title"/>
+          </p:nvPr>
+        </p:nvSpPr>
+        <p:spPr/>
+        <p:txBody>
+          <a:bodyPr/>
+          <a:lstStyle/>
+          <a:p>
+            <a:r>
+              <a:rPr lang="zh-CN" altLang="en-US" dirty="0"/>
+              <a:t>评价指标</a:t>
+            </a:r>
+          </a:p>
+        </p:txBody>
+      </p:sp>
+      <mc:AlternateContent xmlns:mc="http://schemas.openxmlformats.org/markup-compatibility/2006" xmlns:a14="http://schemas.microsoft.com/office/drawing/2010/main">
+        <mc:Choice Requires="a14">
+          <p:sp>
+            <p:nvSpPr>
+              <p:cNvPr id="3" name="内容占位符 2"/>
+              <p:cNvSpPr>
+                <a:spLocks noGrp="1"/>
+              </p:cNvSpPr>
+              <p:nvPr>
+                <p:ph idx="1"/>
+              </p:nvPr>
+            </p:nvSpPr>
+            <p:spPr/>
+            <p:txBody>
+              <a:bodyPr>
+                <a:normAutofit lnSpcReduction="10000"/>
+              </a:bodyPr>
+              <a:lstStyle/>
+              <a:p>
+                <a:pPr>
+                  <a:lnSpc>
+                    <a:spcPct val="100000"/>
+                  </a:lnSpc>
+                </a:pPr>
+                <a:r>
+                  <a:rPr lang="zh-CN" altLang="en-US" dirty="0" smtClean="0"/>
+                  <a:t>唯一指标</a:t>
                 </a:r>
                 <a:r>
                   <a:rPr lang="en-US" altLang="zh-CN" dirty="0" smtClean="0"/>
                   <a:t>——</a:t>
                 </a:r>
                 <a:r>
+                  <a:rPr lang="zh-CN" altLang="en-US" b="1" dirty="0" smtClean="0"/>
+                  <a:t>安全性</a:t>
+                </a:r>
+                <a:endParaRPr lang="en-US" altLang="zh-CN" b="1" dirty="0" smtClean="0"/>
+              </a:p>
+              <a:p>
+                <a:pPr lvl="1">
+                  <a:lnSpc>
+                    <a:spcPct val="100000"/>
+                  </a:lnSpc>
+                </a:pPr>
+                <a:r>
+                  <a:rPr lang="zh-CN" altLang="en-US" i="1" dirty="0" smtClean="0"/>
+                  <a:t>直观？量化？充要性？</a:t>
+                </a:r>
+                <a:endParaRPr lang="en-US" altLang="zh-CN" i="1" dirty="0" smtClean="0"/>
+              </a:p>
+              <a:p>
+                <a:pPr lvl="1">
+                  <a:lnSpc>
+                    <a:spcPct val="100000"/>
+                  </a:lnSpc>
+                </a:pPr>
+                <a:r>
+                  <a:rPr lang="zh-CN" altLang="en-US" dirty="0"/>
+                  <a:t>量化指标</a:t>
+                </a:r>
+                <a:r>
+                  <a:rPr lang="en-US" altLang="zh-CN" dirty="0"/>
+                  <a:t>——</a:t>
+                </a:r>
+                <a:r>
+                  <a:rPr lang="zh-CN" altLang="en-US" dirty="0"/>
+                  <a:t>统计特性</a:t>
+                </a:r>
+                <a:r>
+                  <a:rPr lang="en-US" altLang="zh-CN" dirty="0"/>
+                  <a:t>——</a:t>
+                </a:r>
+                <a:r>
+                  <a:rPr lang="zh-CN" altLang="en-US" dirty="0"/>
+                  <a:t>安全性</a:t>
+                </a:r>
+                <a:r>
                   <a:rPr lang="zh-CN" altLang="en-US" dirty="0" smtClean="0"/>
-                  <a:t>统计特性</a:t>
+                  <a:t>必要条件</a:t>
                 </a:r>
                 <a:endParaRPr lang="en-US" altLang="zh-CN" dirty="0" smtClean="0"/>
               </a:p>
@@ -18043,317 +18964,6 @@
                 <a:endParaRPr lang="en-US" altLang="zh-CN" dirty="0" smtClean="0"/>
               </a:p>
               <a:p>
-                <a:pPr lvl="1">
-                  <a:lnSpc>
-                    <a:spcPct val="100000"/>
-                  </a:lnSpc>
-                </a:pPr>
-                <a:r>
-                  <a:rPr lang="zh-CN" altLang="en-US" dirty="0"/>
-                  <a:t>泛化</a:t>
-                </a:r>
-                <a:r>
-                  <a:rPr lang="zh-CN" altLang="en-US" dirty="0" smtClean="0"/>
-                  <a:t>指标：</a:t>
-                </a:r>
-                <a:r>
-                  <a:rPr lang="en-US" altLang="zh-CN" dirty="0" smtClean="0"/>
-                  <a:t>NIST</a:t>
-                </a:r>
-                <a:r>
-                  <a:rPr lang="zh-CN" altLang="en-US" dirty="0" smtClean="0"/>
-                  <a:t>测试（随机数测试</a:t>
-                </a:r>
-                <a:r>
-                  <a:rPr lang="zh-CN" altLang="en-US" dirty="0"/>
-                  <a:t>标准</a:t>
-                </a:r>
-                <a:r>
-                  <a:rPr lang="zh-CN" altLang="en-US" dirty="0" smtClean="0"/>
-                  <a:t>）</a:t>
-                </a:r>
-                <a:endParaRPr lang="en-US" altLang="zh-CN" dirty="0" smtClean="0"/>
-              </a:p>
-              <a:p>
-                <a:pPr>
-                  <a:lnSpc>
-                    <a:spcPct val="100000"/>
-                  </a:lnSpc>
-                </a:pPr>
-                <a:r>
-                  <a:rPr lang="en-US" altLang="zh-CN" dirty="0" smtClean="0"/>
-                  <a:t>Strong PUF</a:t>
-                </a:r>
-                <a:r>
-                  <a:rPr lang="zh-CN" altLang="en-US" dirty="0" smtClean="0"/>
-                  <a:t>的</a:t>
-                </a:r>
-                <a:r>
-                  <a:rPr lang="zh-CN" altLang="en-US" b="1" dirty="0" smtClean="0"/>
-                  <a:t>不可预测性</a:t>
-                </a:r>
-                <a:endParaRPr lang="en-US" altLang="zh-CN" b="1" dirty="0" smtClean="0"/>
-              </a:p>
-              <a:p>
-                <a:pPr lvl="1">
-                  <a:lnSpc>
-                    <a:spcPct val="100000"/>
-                  </a:lnSpc>
-                </a:pPr>
-                <a:r>
-                  <a:rPr lang="zh-CN" altLang="en-US" dirty="0" smtClean="0"/>
-                  <a:t>不能根据</a:t>
-                </a:r>
-                <a:r>
-                  <a:rPr lang="en-US" altLang="zh-CN" dirty="0" smtClean="0"/>
-                  <a:t>CRP</a:t>
-                </a:r>
-                <a:r>
-                  <a:rPr lang="zh-CN" altLang="en-US" dirty="0" smtClean="0"/>
-                  <a:t>某一子集推算出其他子集或</a:t>
-                </a:r>
-                <a:r>
-                  <a:rPr lang="zh-CN" altLang="en-US" dirty="0" smtClean="0"/>
-                  <a:t>全集</a:t>
-                </a:r>
-                <a:endParaRPr lang="en-US" altLang="zh-CN" dirty="0" smtClean="0"/>
-              </a:p>
-            </p:txBody>
-          </p:sp>
-        </mc:Choice>
-        <mc:Fallback>
-          <p:sp>
-            <p:nvSpPr>
-              <p:cNvPr id="3" name="内容占位符 2"/>
-              <p:cNvSpPr>
-                <a:spLocks noGrp="1" noRot="1" noChangeAspect="1" noMove="1" noResize="1" noEditPoints="1" noAdjustHandles="1" noChangeArrowheads="1" noChangeShapeType="1" noTextEdit="1"/>
-              </p:cNvSpPr>
-              <p:nvPr>
-                <p:ph idx="1"/>
-              </p:nvPr>
-            </p:nvSpPr>
-            <p:spPr>
-              <a:blipFill rotWithShape="0">
-                <a:blip r:embed="rId2"/>
-                <a:stretch>
-                  <a:fillRect l="-773" t="-1401"/>
-                </a:stretch>
-              </a:blipFill>
-            </p:spPr>
-            <p:txBody>
-              <a:bodyPr/>
-              <a:lstStyle/>
-              <a:p>
-                <a:r>
-                  <a:rPr lang="zh-CN" altLang="en-US">
-                    <a:noFill/>
-                  </a:rPr>
-                  <a:t> </a:t>
-                </a:r>
-              </a:p>
-            </p:txBody>
-          </p:sp>
-        </mc:Fallback>
-      </mc:AlternateContent>
-      <p:sp>
-        <p:nvSpPr>
-          <p:cNvPr id="4" name="日期占位符 3"/>
-          <p:cNvSpPr>
-            <a:spLocks noGrp="1"/>
-          </p:cNvSpPr>
-          <p:nvPr>
-            <p:ph type="dt" sz="half" idx="10"/>
-          </p:nvPr>
-        </p:nvSpPr>
-        <p:spPr/>
-        <p:txBody>
-          <a:bodyPr/>
-          <a:lstStyle/>
-          <a:p>
-            <a:fld id="{CB6718E4-7406-45F3-BB60-A335F7C1373F}" type="datetime1">
-              <a:rPr lang="zh-CN" altLang="en-US" smtClean="0"/>
-              <a:t>2016/4/13</a:t>
-            </a:fld>
-            <a:endParaRPr lang="zh-CN" altLang="en-US"/>
-          </a:p>
-        </p:txBody>
-      </p:sp>
-      <p:sp>
-        <p:nvSpPr>
-          <p:cNvPr id="5" name="页脚占位符 4"/>
-          <p:cNvSpPr>
-            <a:spLocks noGrp="1"/>
-          </p:cNvSpPr>
-          <p:nvPr>
-            <p:ph type="ftr" sz="quarter" idx="11"/>
-          </p:nvPr>
-        </p:nvSpPr>
-        <p:spPr/>
-        <p:txBody>
-          <a:bodyPr/>
-          <a:lstStyle/>
-          <a:p>
-            <a:r>
-              <a:rPr lang="zh-CN" altLang="en-US" dirty="0" smtClean="0"/>
-              <a:t>背景介绍</a:t>
-            </a:r>
-            <a:endParaRPr lang="zh-CN" altLang="en-US" dirty="0"/>
-          </a:p>
-        </p:txBody>
-      </p:sp>
-      <p:sp>
-        <p:nvSpPr>
-          <p:cNvPr id="6" name="灯片编号占位符 5"/>
-          <p:cNvSpPr>
-            <a:spLocks noGrp="1"/>
-          </p:cNvSpPr>
-          <p:nvPr>
-            <p:ph type="sldNum" sz="quarter" idx="12"/>
-          </p:nvPr>
-        </p:nvSpPr>
-        <p:spPr/>
-        <p:txBody>
-          <a:bodyPr/>
-          <a:lstStyle/>
-          <a:p>
-            <a:fld id="{ED34C3B6-DCD7-4A30-8693-C31ECCFCB39D}" type="slidenum">
-              <a:rPr lang="zh-CN" altLang="en-US" smtClean="0"/>
-              <a:t>17</a:t>
-            </a:fld>
-            <a:endParaRPr lang="zh-CN" altLang="en-US"/>
-          </a:p>
-        </p:txBody>
-      </p:sp>
-    </p:spTree>
-    <p:extLst>
-      <p:ext uri="{BB962C8B-B14F-4D97-AF65-F5344CB8AC3E}">
-        <p14:creationId xmlns:p14="http://schemas.microsoft.com/office/powerpoint/2010/main" val="275140793"/>
-      </p:ext>
-    </p:extLst>
-  </p:cSld>
-  <p:clrMapOvr>
-    <a:masterClrMapping/>
-  </p:clrMapOvr>
-  <p:timing>
-    <p:tnLst>
-      <p:par>
-        <p:cTn id="1" dur="indefinite" restart="never" nodeType="tmRoot"/>
-      </p:par>
-    </p:tnLst>
-  </p:timing>
-</p:sld>
-</file>
-
-<file path=ppt/slides/slide18.xml><?xml version="1.0" encoding="utf-8"?>
-<p:sld xmlns:a="http://schemas.openxmlformats.org/drawingml/2006/main" xmlns:r="http://schemas.openxmlformats.org/officeDocument/2006/relationships" xmlns:p="http://schemas.openxmlformats.org/presentationml/2006/main">
-  <p:cSld>
-    <p:spTree>
-      <p:nvGrpSpPr>
-        <p:cNvPr id="1" name=""/>
-        <p:cNvGrpSpPr/>
-        <p:nvPr/>
-      </p:nvGrpSpPr>
-      <p:grpSpPr>
-        <a:xfrm>
-          <a:off x="0" y="0"/>
-          <a:ext cx="0" cy="0"/>
-          <a:chOff x="0" y="0"/>
-          <a:chExt cx="0" cy="0"/>
-        </a:xfrm>
-      </p:grpSpPr>
-      <p:sp>
-        <p:nvSpPr>
-          <p:cNvPr id="2" name="标题 1"/>
-          <p:cNvSpPr>
-            <a:spLocks noGrp="1"/>
-          </p:cNvSpPr>
-          <p:nvPr>
-            <p:ph type="title"/>
-          </p:nvPr>
-        </p:nvSpPr>
-        <p:spPr/>
-        <p:txBody>
-          <a:bodyPr/>
-          <a:lstStyle/>
-          <a:p>
-            <a:r>
-              <a:rPr lang="zh-CN" altLang="en-US" dirty="0"/>
-              <a:t>评价指标</a:t>
-            </a:r>
-          </a:p>
-        </p:txBody>
-      </p:sp>
-      <mc:AlternateContent xmlns:mc="http://schemas.openxmlformats.org/markup-compatibility/2006" xmlns:a14="http://schemas.microsoft.com/office/drawing/2010/main">
-        <mc:Choice Requires="a14">
-          <p:sp>
-            <p:nvSpPr>
-              <p:cNvPr id="3" name="内容占位符 2"/>
-              <p:cNvSpPr>
-                <a:spLocks noGrp="1"/>
-              </p:cNvSpPr>
-              <p:nvPr>
-                <p:ph idx="1"/>
-              </p:nvPr>
-            </p:nvSpPr>
-            <p:spPr/>
-            <p:txBody>
-              <a:bodyPr>
-                <a:normAutofit lnSpcReduction="10000"/>
-              </a:bodyPr>
-              <a:lstStyle/>
-              <a:p>
-                <a:pPr>
-                  <a:lnSpc>
-                    <a:spcPct val="100000"/>
-                  </a:lnSpc>
-                </a:pPr>
-                <a:r>
-                  <a:rPr lang="zh-CN" altLang="en-US" dirty="0" smtClean="0"/>
-                  <a:t>唯一指标</a:t>
-                </a:r>
-                <a:r>
-                  <a:rPr lang="en-US" altLang="zh-CN" dirty="0" smtClean="0"/>
-                  <a:t>——</a:t>
-                </a:r>
-                <a:r>
-                  <a:rPr lang="zh-CN" altLang="en-US" b="1" dirty="0" smtClean="0"/>
-                  <a:t>安全性</a:t>
-                </a:r>
-                <a:endParaRPr lang="en-US" altLang="zh-CN" b="1" dirty="0" smtClean="0"/>
-              </a:p>
-              <a:p>
-                <a:pPr lvl="1">
-                  <a:lnSpc>
-                    <a:spcPct val="100000"/>
-                  </a:lnSpc>
-                </a:pPr>
-                <a:r>
-                  <a:rPr lang="zh-CN" altLang="en-US" i="1" dirty="0" smtClean="0"/>
-                  <a:t>直观？量化？充要性？</a:t>
-                </a:r>
-                <a:endParaRPr lang="en-US" altLang="zh-CN" i="1" dirty="0" smtClean="0"/>
-              </a:p>
-              <a:p>
-                <a:pPr lvl="1">
-                  <a:lnSpc>
-                    <a:spcPct val="100000"/>
-                  </a:lnSpc>
-                </a:pPr>
-                <a:r>
-                  <a:rPr lang="zh-CN" altLang="en-US" dirty="0" smtClean="0"/>
-                  <a:t>必要性量化指标</a:t>
-                </a:r>
-                <a:r>
-                  <a:rPr lang="en-US" altLang="zh-CN" dirty="0" smtClean="0"/>
-                  <a:t>——</a:t>
-                </a:r>
-                <a:r>
-                  <a:rPr lang="zh-CN" altLang="en-US" dirty="0" smtClean="0"/>
-                  <a:t>统计特性</a:t>
-                </a:r>
-                <a:endParaRPr lang="en-US" altLang="zh-CN" dirty="0" smtClean="0"/>
-              </a:p>
-              <a:p>
                 <a:pPr marL="1028700" lvl="2" indent="-342900">
                   <a:lnSpc>
                     <a:spcPct val="100000"/>
@@ -18363,594 +18973,7 @@
                 </a:pPr>
                 <a:r>
                   <a:rPr lang="zh-CN" altLang="en-US" dirty="0" smtClean="0"/>
-                  <a:t>（片内）随机性：</a:t>
-                </a:r>
-                <a14:m>
-                  <m:oMath xmlns:m="http://schemas.openxmlformats.org/officeDocument/2006/math">
-                    <m:r>
-                      <a:rPr lang="en-US" altLang="zh-CN" i="1">
-                        <a:latin typeface="Cambria Math" panose="02040503050406030204" pitchFamily="18" charset="0"/>
-                      </a:rPr>
-                      <m:t>𝑅𝑎𝑛𝑑</m:t>
-                    </m:r>
-                    <m:r>
-                      <a:rPr lang="en-US" altLang="zh-CN">
-                        <a:latin typeface="Cambria Math" panose="02040503050406030204" pitchFamily="18" charset="0"/>
-                      </a:rPr>
-                      <m:t>=</m:t>
-                    </m:r>
-                    <m:f>
-                      <m:fPr>
-                        <m:ctrlPr>
-                          <a:rPr lang="zh-CN" altLang="zh-CN" i="1">
-                            <a:latin typeface="Cambria Math" panose="02040503050406030204" pitchFamily="18" charset="0"/>
-                          </a:rPr>
-                        </m:ctrlPr>
-                      </m:fPr>
-                      <m:num>
-                        <m:r>
-                          <a:rPr lang="en-US" altLang="zh-CN" i="1">
-                            <a:latin typeface="Cambria Math" panose="02040503050406030204" pitchFamily="18" charset="0"/>
-                          </a:rPr>
-                          <m:t>1</m:t>
-                        </m:r>
-                      </m:num>
-                      <m:den>
-                        <m:r>
-                          <a:rPr lang="en-US" altLang="zh-CN" i="1">
-                            <a:latin typeface="Cambria Math" panose="02040503050406030204" pitchFamily="18" charset="0"/>
-                          </a:rPr>
-                          <m:t>𝑁</m:t>
-                        </m:r>
-                      </m:den>
-                    </m:f>
-                    <m:r>
-                      <a:rPr lang="en-US" altLang="zh-CN" i="1">
-                        <a:latin typeface="Cambria Math" panose="02040503050406030204" pitchFamily="18" charset="0"/>
-                      </a:rPr>
-                      <m:t>⋅</m:t>
-                    </m:r>
-                    <m:nary>
-                      <m:naryPr>
-                        <m:chr m:val="∑"/>
-                        <m:subHide m:val="on"/>
-                        <m:ctrlPr>
-                          <a:rPr lang="zh-CN" altLang="zh-CN" i="1">
-                            <a:latin typeface="Cambria Math" panose="02040503050406030204" pitchFamily="18" charset="0"/>
-                          </a:rPr>
-                        </m:ctrlPr>
-                      </m:naryPr>
-                      <m:sub/>
-                      <m:sup>
-                        <m:r>
-                          <a:rPr lang="en-US" altLang="zh-CN" i="1">
-                            <a:latin typeface="Cambria Math" panose="02040503050406030204" pitchFamily="18" charset="0"/>
-                          </a:rPr>
-                          <m:t>𝑁</m:t>
-                        </m:r>
-                      </m:sup>
-                      <m:e>
-                        <m:sSub>
-                          <m:sSubPr>
-                            <m:ctrlPr>
-                              <a:rPr lang="zh-CN" altLang="zh-CN" i="1">
-                                <a:latin typeface="Cambria Math" panose="02040503050406030204" pitchFamily="18" charset="0"/>
-                              </a:rPr>
-                            </m:ctrlPr>
-                          </m:sSubPr>
-                          <m:e>
-                            <m:r>
-                              <a:rPr lang="en-US" altLang="zh-CN" i="1">
-                                <a:latin typeface="Cambria Math" panose="02040503050406030204" pitchFamily="18" charset="0"/>
-                              </a:rPr>
-                              <m:t>𝑓</m:t>
-                            </m:r>
-                            <m:r>
-                              <a:rPr lang="en-US" altLang="zh-CN" i="1">
-                                <a:latin typeface="Cambria Math" panose="02040503050406030204" pitchFamily="18" charset="0"/>
-                              </a:rPr>
-                              <m:t>(</m:t>
-                            </m:r>
-                            <m:r>
-                              <a:rPr lang="en-US" altLang="zh-CN" i="1">
-                                <a:latin typeface="Cambria Math" panose="02040503050406030204" pitchFamily="18" charset="0"/>
-                              </a:rPr>
-                              <m:t>𝑐</m:t>
-                            </m:r>
-                          </m:e>
-                          <m:sub>
-                            <m:r>
-                              <a:rPr lang="en-US" altLang="zh-CN" i="1">
-                                <a:latin typeface="Cambria Math" panose="02040503050406030204" pitchFamily="18" charset="0"/>
-                              </a:rPr>
-                              <m:t>𝑖</m:t>
-                            </m:r>
-                          </m:sub>
-                        </m:sSub>
-                        <m:r>
-                          <a:rPr lang="en-US" altLang="zh-CN" i="1">
-                            <a:latin typeface="Cambria Math" panose="02040503050406030204" pitchFamily="18" charset="0"/>
-                          </a:rPr>
-                          <m:t>)</m:t>
-                        </m:r>
-                      </m:e>
-                    </m:nary>
-                  </m:oMath>
-                </a14:m>
-                <a:endParaRPr lang="en-US" altLang="zh-CN" dirty="0" smtClean="0"/>
-              </a:p>
-              <a:p>
-                <a:pPr marL="1028700" lvl="2" indent="-342900">
-                  <a:lnSpc>
-                    <a:spcPct val="100000"/>
-                  </a:lnSpc>
-                  <a:buFont typeface="+mj-lt"/>
-                  <a:buAutoNum type="arabicPeriod"/>
-                </a:pPr>
-                <a:r>
-                  <a:rPr lang="zh-CN" altLang="en-US" dirty="0" smtClean="0"/>
-                  <a:t>（片间）独特性：</a:t>
-                </a:r>
-                <a14:m>
-                  <m:oMath xmlns:m="http://schemas.openxmlformats.org/officeDocument/2006/math">
-                    <m:r>
-                      <a:rPr lang="en-US" altLang="zh-CN" i="1">
-                        <a:latin typeface="Cambria Math" panose="02040503050406030204" pitchFamily="18" charset="0"/>
-                      </a:rPr>
-                      <m:t>𝑈𝑛𝑖𝑞</m:t>
-                    </m:r>
-                    <m:r>
-                      <a:rPr lang="en-US" altLang="zh-CN" i="1">
-                        <a:latin typeface="Cambria Math" panose="02040503050406030204" pitchFamily="18" charset="0"/>
-                      </a:rPr>
-                      <m:t>=</m:t>
-                    </m:r>
-                    <m:f>
-                      <m:fPr>
-                        <m:ctrlPr>
-                          <a:rPr lang="zh-CN" altLang="zh-CN" i="1">
-                            <a:latin typeface="Cambria Math" panose="02040503050406030204" pitchFamily="18" charset="0"/>
-                          </a:rPr>
-                        </m:ctrlPr>
-                      </m:fPr>
-                      <m:num>
-                        <m:r>
-                          <a:rPr lang="en-US" altLang="zh-CN" i="1">
-                            <a:latin typeface="Cambria Math" panose="02040503050406030204" pitchFamily="18" charset="0"/>
-                          </a:rPr>
-                          <m:t>2</m:t>
-                        </m:r>
-                      </m:num>
-                      <m:den>
-                        <m:r>
-                          <a:rPr lang="en-US" altLang="zh-CN" i="1">
-                            <a:latin typeface="Cambria Math" panose="02040503050406030204" pitchFamily="18" charset="0"/>
-                          </a:rPr>
-                          <m:t>𝑀</m:t>
-                        </m:r>
-                        <m:r>
-                          <a:rPr lang="en-US" altLang="zh-CN" i="1">
-                            <a:latin typeface="Cambria Math" panose="02040503050406030204" pitchFamily="18" charset="0"/>
-                          </a:rPr>
-                          <m:t>(</m:t>
-                        </m:r>
-                        <m:r>
-                          <a:rPr lang="en-US" altLang="zh-CN" i="1">
-                            <a:latin typeface="Cambria Math" panose="02040503050406030204" pitchFamily="18" charset="0"/>
-                          </a:rPr>
-                          <m:t>𝑀</m:t>
-                        </m:r>
-                        <m:r>
-                          <a:rPr lang="en-US" altLang="zh-CN" i="1">
-                            <a:latin typeface="Cambria Math" panose="02040503050406030204" pitchFamily="18" charset="0"/>
-                          </a:rPr>
-                          <m:t>−1)</m:t>
-                        </m:r>
-                      </m:den>
-                    </m:f>
-                    <m:nary>
-                      <m:naryPr>
-                        <m:chr m:val="∑"/>
-                        <m:ctrlPr>
-                          <a:rPr lang="zh-CN" altLang="zh-CN" i="1">
-                            <a:latin typeface="Cambria Math" panose="02040503050406030204" pitchFamily="18" charset="0"/>
-                          </a:rPr>
-                        </m:ctrlPr>
-                      </m:naryPr>
-                      <m:sub>
-                        <m:r>
-                          <a:rPr lang="en-US" altLang="zh-CN" i="1">
-                            <a:latin typeface="Cambria Math" panose="02040503050406030204" pitchFamily="18" charset="0"/>
-                          </a:rPr>
-                          <m:t>𝑖</m:t>
-                        </m:r>
-                        <m:r>
-                          <a:rPr lang="en-US" altLang="zh-CN" i="1">
-                            <a:latin typeface="Cambria Math" panose="02040503050406030204" pitchFamily="18" charset="0"/>
-                          </a:rPr>
-                          <m:t>=1</m:t>
-                        </m:r>
-                      </m:sub>
-                      <m:sup>
-                        <m:r>
-                          <a:rPr lang="en-US" altLang="zh-CN" i="1">
-                            <a:latin typeface="Cambria Math" panose="02040503050406030204" pitchFamily="18" charset="0"/>
-                          </a:rPr>
-                          <m:t>𝑀</m:t>
-                        </m:r>
-                      </m:sup>
-                      <m:e>
-                        <m:nary>
-                          <m:naryPr>
-                            <m:chr m:val="∑"/>
-                            <m:ctrlPr>
-                              <a:rPr lang="zh-CN" altLang="zh-CN" i="1">
-                                <a:latin typeface="Cambria Math" panose="02040503050406030204" pitchFamily="18" charset="0"/>
-                              </a:rPr>
-                            </m:ctrlPr>
-                          </m:naryPr>
-                          <m:sub>
-                            <m:r>
-                              <a:rPr lang="en-US" altLang="zh-CN" i="1">
-                                <a:latin typeface="Cambria Math" panose="02040503050406030204" pitchFamily="18" charset="0"/>
-                              </a:rPr>
-                              <m:t>𝑗</m:t>
-                            </m:r>
-                            <m:r>
-                              <a:rPr lang="en-US" altLang="zh-CN" i="1">
-                                <a:latin typeface="Cambria Math" panose="02040503050406030204" pitchFamily="18" charset="0"/>
-                              </a:rPr>
-                              <m:t>=</m:t>
-                            </m:r>
-                            <m:r>
-                              <a:rPr lang="en-US" altLang="zh-CN" i="1">
-                                <a:latin typeface="Cambria Math" panose="02040503050406030204" pitchFamily="18" charset="0"/>
-                              </a:rPr>
-                              <m:t>𝑖</m:t>
-                            </m:r>
-                            <m:r>
-                              <a:rPr lang="en-US" altLang="zh-CN" i="1">
-                                <a:latin typeface="Cambria Math" panose="02040503050406030204" pitchFamily="18" charset="0"/>
-                              </a:rPr>
-                              <m:t>+1</m:t>
-                            </m:r>
-                          </m:sub>
-                          <m:sup>
-                            <m:r>
-                              <a:rPr lang="en-US" altLang="zh-CN" i="1">
-                                <a:latin typeface="Cambria Math" panose="02040503050406030204" pitchFamily="18" charset="0"/>
-                              </a:rPr>
-                              <m:t>𝑀</m:t>
-                            </m:r>
-                          </m:sup>
-                          <m:e>
-                            <m:f>
-                              <m:fPr>
-                                <m:ctrlPr>
-                                  <a:rPr lang="zh-CN" altLang="zh-CN" i="1">
-                                    <a:latin typeface="Cambria Math" panose="02040503050406030204" pitchFamily="18" charset="0"/>
-                                  </a:rPr>
-                                </m:ctrlPr>
-                              </m:fPr>
-                              <m:num>
-                                <m:r>
-                                  <a:rPr lang="en-US" altLang="zh-CN" i="1">
-                                    <a:latin typeface="Cambria Math" panose="02040503050406030204" pitchFamily="18" charset="0"/>
-                                  </a:rPr>
-                                  <m:t>𝐻𝐷</m:t>
-                                </m:r>
-                                <m:d>
-                                  <m:dPr>
-                                    <m:ctrlPr>
-                                      <a:rPr lang="zh-CN" altLang="zh-CN" i="1">
-                                        <a:latin typeface="Cambria Math" panose="02040503050406030204" pitchFamily="18" charset="0"/>
-                                      </a:rPr>
-                                    </m:ctrlPr>
-                                  </m:dPr>
-                                  <m:e>
-                                    <m:sSub>
-                                      <m:sSubPr>
-                                        <m:ctrlPr>
-                                          <a:rPr lang="zh-CN" altLang="zh-CN" i="1">
-                                            <a:latin typeface="Cambria Math" panose="02040503050406030204" pitchFamily="18" charset="0"/>
-                                          </a:rPr>
-                                        </m:ctrlPr>
-                                      </m:sSubPr>
-                                      <m:e>
-                                        <m:r>
-                                          <a:rPr lang="en-US" altLang="zh-CN" i="1">
-                                            <a:latin typeface="Cambria Math" panose="02040503050406030204" pitchFamily="18" charset="0"/>
-                                          </a:rPr>
-                                          <m:t>𝑃</m:t>
-                                        </m:r>
-                                      </m:e>
-                                      <m:sub>
-                                        <m:r>
-                                          <a:rPr lang="en-US" altLang="zh-CN" i="1">
-                                            <a:latin typeface="Cambria Math" panose="02040503050406030204" pitchFamily="18" charset="0"/>
-                                          </a:rPr>
-                                          <m:t>𝑖</m:t>
-                                        </m:r>
-                                      </m:sub>
-                                    </m:sSub>
-                                    <m:r>
-                                      <a:rPr lang="en-US" altLang="zh-CN" i="1">
-                                        <a:latin typeface="Cambria Math" panose="02040503050406030204" pitchFamily="18" charset="0"/>
-                                      </a:rPr>
-                                      <m:t>,</m:t>
-                                    </m:r>
-                                    <m:sSub>
-                                      <m:sSubPr>
-                                        <m:ctrlPr>
-                                          <a:rPr lang="zh-CN" altLang="zh-CN" i="1">
-                                            <a:latin typeface="Cambria Math" panose="02040503050406030204" pitchFamily="18" charset="0"/>
-                                          </a:rPr>
-                                        </m:ctrlPr>
-                                      </m:sSubPr>
-                                      <m:e>
-                                        <m:r>
-                                          <a:rPr lang="en-US" altLang="zh-CN" i="1">
-                                            <a:latin typeface="Cambria Math" panose="02040503050406030204" pitchFamily="18" charset="0"/>
-                                          </a:rPr>
-                                          <m:t>𝑃</m:t>
-                                        </m:r>
-                                      </m:e>
-                                      <m:sub>
-                                        <m:r>
-                                          <a:rPr lang="en-US" altLang="zh-CN" i="1">
-                                            <a:latin typeface="Cambria Math" panose="02040503050406030204" pitchFamily="18" charset="0"/>
-                                          </a:rPr>
-                                          <m:t>𝑗</m:t>
-                                        </m:r>
-                                      </m:sub>
-                                    </m:sSub>
-                                  </m:e>
-                                </m:d>
-                              </m:num>
-                              <m:den>
-                                <m:r>
-                                  <a:rPr lang="en-US" altLang="zh-CN" i="1">
-                                    <a:latin typeface="Cambria Math" panose="02040503050406030204" pitchFamily="18" charset="0"/>
-                                  </a:rPr>
-                                  <m:t>𝑁</m:t>
-                                </m:r>
-                              </m:den>
-                            </m:f>
-                          </m:e>
-                        </m:nary>
-                      </m:e>
-                    </m:nary>
-                  </m:oMath>
-                </a14:m>
-                <a:endParaRPr lang="en-US" altLang="zh-CN" dirty="0" smtClean="0"/>
-              </a:p>
-              <a:p>
-                <a:pPr marL="1028700" lvl="2" indent="-342900">
-                  <a:lnSpc>
-                    <a:spcPct val="100000"/>
-                  </a:lnSpc>
-                  <a:buFont typeface="+mj-lt"/>
-                  <a:buAutoNum type="arabicPeriod"/>
-                </a:pPr>
-                <a:r>
-                  <a:rPr lang="zh-CN" altLang="en-US" dirty="0" smtClean="0"/>
-                  <a:t>可靠性（可重复性）：</a:t>
-                </a:r>
-                <a14:m>
-                  <m:oMath xmlns:m="http://schemas.openxmlformats.org/officeDocument/2006/math">
-                    <m:r>
-                      <a:rPr lang="en-US" altLang="zh-CN" i="1">
-                        <a:latin typeface="Cambria Math" panose="02040503050406030204" pitchFamily="18" charset="0"/>
-                      </a:rPr>
-                      <m:t>𝑅𝑒𝑙𝑖𝑎𝑏𝑖𝑙𝑖𝑡𝑦</m:t>
-                    </m:r>
-                    <m:r>
-                      <a:rPr lang="en-US" altLang="zh-CN" i="1">
-                        <a:latin typeface="Cambria Math" panose="02040503050406030204" pitchFamily="18" charset="0"/>
-                      </a:rPr>
-                      <m:t>=</m:t>
-                    </m:r>
-                    <m:f>
-                      <m:fPr>
-                        <m:ctrlPr>
-                          <a:rPr lang="zh-CN" altLang="zh-CN" i="1">
-                            <a:latin typeface="Cambria Math" panose="02040503050406030204" pitchFamily="18" charset="0"/>
-                          </a:rPr>
-                        </m:ctrlPr>
-                      </m:fPr>
-                      <m:num>
-                        <m:r>
-                          <a:rPr lang="en-US" altLang="zh-CN" i="1">
-                            <a:latin typeface="Cambria Math" panose="02040503050406030204" pitchFamily="18" charset="0"/>
-                          </a:rPr>
-                          <m:t>1</m:t>
-                        </m:r>
-                      </m:num>
-                      <m:den>
-                        <m:r>
-                          <a:rPr lang="en-US" altLang="zh-CN" i="1">
-                            <a:latin typeface="Cambria Math" panose="02040503050406030204" pitchFamily="18" charset="0"/>
-                          </a:rPr>
-                          <m:t>𝑀𝑁</m:t>
-                        </m:r>
-                      </m:den>
-                    </m:f>
-                    <m:nary>
-                      <m:naryPr>
-                        <m:chr m:val="∑"/>
-                        <m:ctrlPr>
-                          <a:rPr lang="zh-CN" altLang="zh-CN" i="1">
-                            <a:latin typeface="Cambria Math" panose="02040503050406030204" pitchFamily="18" charset="0"/>
-                          </a:rPr>
-                        </m:ctrlPr>
-                      </m:naryPr>
-                      <m:sub>
-                        <m:r>
-                          <a:rPr lang="en-US" altLang="zh-CN" i="1">
-                            <a:latin typeface="Cambria Math" panose="02040503050406030204" pitchFamily="18" charset="0"/>
-                          </a:rPr>
-                          <m:t>𝑗</m:t>
-                        </m:r>
-                      </m:sub>
-                      <m:sup>
-                        <m:r>
-                          <a:rPr lang="en-US" altLang="zh-CN" i="1">
-                            <a:latin typeface="Cambria Math" panose="02040503050406030204" pitchFamily="18" charset="0"/>
-                          </a:rPr>
-                          <m:t>𝑀</m:t>
-                        </m:r>
-                      </m:sup>
-                      <m:e>
-                        <m:nary>
-                          <m:naryPr>
-                            <m:chr m:val="∑"/>
-                            <m:ctrlPr>
-                              <a:rPr lang="zh-CN" altLang="zh-CN" i="1">
-                                <a:latin typeface="Cambria Math" panose="02040503050406030204" pitchFamily="18" charset="0"/>
-                              </a:rPr>
-                            </m:ctrlPr>
-                          </m:naryPr>
-                          <m:sub>
-                            <m:r>
-                              <a:rPr lang="en-US" altLang="zh-CN" i="1">
-                                <a:latin typeface="Cambria Math" panose="02040503050406030204" pitchFamily="18" charset="0"/>
-                              </a:rPr>
-                              <m:t>𝑖</m:t>
-                            </m:r>
-                          </m:sub>
-                          <m:sup>
-                            <m:r>
-                              <a:rPr lang="en-US" altLang="zh-CN" i="1">
-                                <a:latin typeface="Cambria Math" panose="02040503050406030204" pitchFamily="18" charset="0"/>
-                              </a:rPr>
-                              <m:t>𝑁</m:t>
-                            </m:r>
-                          </m:sup>
-                          <m:e>
-                            <m:d>
-                              <m:dPr>
-                                <m:begChr m:val="|"/>
-                                <m:endChr m:val="|"/>
-                                <m:ctrlPr>
-                                  <a:rPr lang="zh-CN" altLang="zh-CN" i="1">
-                                    <a:latin typeface="Cambria Math" panose="02040503050406030204" pitchFamily="18" charset="0"/>
-                                  </a:rPr>
-                                </m:ctrlPr>
-                              </m:dPr>
-                              <m:e>
-                                <m:r>
-                                  <a:rPr lang="en-US" altLang="zh-CN" i="1">
-                                    <a:latin typeface="Cambria Math" panose="02040503050406030204" pitchFamily="18" charset="0"/>
-                                  </a:rPr>
-                                  <m:t>𝑓</m:t>
-                                </m:r>
-                                <m:d>
-                                  <m:dPr>
-                                    <m:ctrlPr>
-                                      <a:rPr lang="zh-CN" altLang="zh-CN" i="1">
-                                        <a:latin typeface="Cambria Math" panose="02040503050406030204" pitchFamily="18" charset="0"/>
-                                      </a:rPr>
-                                    </m:ctrlPr>
-                                  </m:dPr>
-                                  <m:e>
-                                    <m:sSup>
-                                      <m:sSupPr>
-                                        <m:ctrlPr>
-                                          <a:rPr lang="zh-CN" altLang="zh-CN" i="1">
-                                            <a:latin typeface="Cambria Math" panose="02040503050406030204" pitchFamily="18" charset="0"/>
-                                          </a:rPr>
-                                        </m:ctrlPr>
-                                      </m:sSupPr>
-                                      <m:e>
-                                        <m:r>
-                                          <a:rPr lang="en-US" altLang="zh-CN" i="1">
-                                            <a:latin typeface="Cambria Math" panose="02040503050406030204" pitchFamily="18" charset="0"/>
-                                          </a:rPr>
-                                          <m:t>𝑐</m:t>
-                                        </m:r>
-                                      </m:e>
-                                      <m:sup>
-                                        <m:r>
-                                          <a:rPr lang="en-US" altLang="zh-CN" i="1">
-                                            <a:latin typeface="Cambria Math" panose="02040503050406030204" pitchFamily="18" charset="0"/>
-                                          </a:rPr>
-                                          <m:t>′</m:t>
-                                        </m:r>
-                                      </m:sup>
-                                    </m:sSup>
-                                  </m:e>
-                                </m:d>
-                                <m:r>
-                                  <a:rPr lang="en-US" altLang="zh-CN" i="1">
-                                    <a:latin typeface="Cambria Math" panose="02040503050406030204" pitchFamily="18" charset="0"/>
-                                  </a:rPr>
-                                  <m:t>−</m:t>
-                                </m:r>
-                                <m:r>
-                                  <a:rPr lang="en-US" altLang="zh-CN" i="1">
-                                    <a:latin typeface="Cambria Math" panose="02040503050406030204" pitchFamily="18" charset="0"/>
-                                  </a:rPr>
-                                  <m:t>𝑓</m:t>
-                                </m:r>
-                                <m:d>
-                                  <m:dPr>
-                                    <m:ctrlPr>
-                                      <a:rPr lang="zh-CN" altLang="zh-CN" i="1">
-                                        <a:latin typeface="Cambria Math" panose="02040503050406030204" pitchFamily="18" charset="0"/>
-                                      </a:rPr>
-                                    </m:ctrlPr>
-                                  </m:dPr>
-                                  <m:e>
-                                    <m:sSub>
-                                      <m:sSubPr>
-                                        <m:ctrlPr>
-                                          <a:rPr lang="zh-CN" altLang="zh-CN" i="1">
-                                            <a:latin typeface="Cambria Math" panose="02040503050406030204" pitchFamily="18" charset="0"/>
-                                          </a:rPr>
-                                        </m:ctrlPr>
-                                      </m:sSubPr>
-                                      <m:e>
-                                        <m:r>
-                                          <a:rPr lang="en-US" altLang="zh-CN" i="1">
-                                            <a:latin typeface="Cambria Math" panose="02040503050406030204" pitchFamily="18" charset="0"/>
-                                          </a:rPr>
-                                          <m:t>𝑐</m:t>
-                                        </m:r>
-                                      </m:e>
-                                      <m:sub>
-                                        <m:r>
-                                          <a:rPr lang="en-US" altLang="zh-CN" i="1">
-                                            <a:latin typeface="Cambria Math" panose="02040503050406030204" pitchFamily="18" charset="0"/>
-                                          </a:rPr>
-                                          <m:t>𝑖</m:t>
-                                        </m:r>
-                                      </m:sub>
-                                    </m:sSub>
-                                  </m:e>
-                                </m:d>
-                              </m:e>
-                            </m:d>
-                          </m:e>
-                        </m:nary>
-                      </m:e>
-                    </m:nary>
-                  </m:oMath>
-                </a14:m>
-                <a:endParaRPr lang="en-US" altLang="zh-CN" dirty="0" smtClean="0"/>
-              </a:p>
-              <a:p>
-                <a:pPr lvl="1">
-                  <a:lnSpc>
-                    <a:spcPct val="100000"/>
-                  </a:lnSpc>
-                </a:pPr>
-                <a:r>
-                  <a:rPr lang="zh-CN" altLang="en-US" dirty="0"/>
-                  <a:t>泛化</a:t>
-                </a:r>
-                <a:r>
-                  <a:rPr lang="zh-CN" altLang="en-US" dirty="0" smtClean="0"/>
-                  <a:t>指标：</a:t>
+                  <a:t>（*）</a:t>
                 </a:r>
                 <a:r>
                   <a:rPr lang="en-US" altLang="zh-CN" dirty="0" smtClean="0"/>
@@ -19144,7 +19167,7 @@
           <a:p>
             <a:fld id="{CB6718E4-7406-45F3-BB60-A335F7C1373F}" type="datetime1">
               <a:rPr lang="zh-CN" altLang="en-US" smtClean="0"/>
-              <a:t>2016/4/13</a:t>
+              <a:t>2016/4/14</a:t>
             </a:fld>
             <a:endParaRPr lang="zh-CN" altLang="en-US"/>
           </a:p>
@@ -19382,7 +19405,7 @@
           <a:p>
             <a:fld id="{CB6718E4-7406-45F3-BB60-A335F7C1373F}" type="datetime1">
               <a:rPr lang="zh-CN" altLang="en-US" smtClean="0"/>
-              <a:t>2016/4/13</a:t>
+              <a:t>2016/4/14</a:t>
             </a:fld>
             <a:endParaRPr lang="zh-CN" altLang="en-US"/>
           </a:p>
@@ -19489,7 +19512,7 @@
             <a:fld id="{CB6718E4-7406-45F3-BB60-A335F7C1373F}" type="datetime1">
               <a:rPr lang="zh-CN" altLang="en-US" smtClean="0"/>
               <a:pPr/>
-              <a:t>2016/4/13</a:t>
+              <a:t>2016/4/14</a:t>
             </a:fld>
             <a:endParaRPr lang="zh-CN" altLang="en-US"/>
           </a:p>
@@ -19730,6 +19753,55 @@
               <a:rPr lang="en-US" altLang="zh-CN" dirty="0" smtClean="0"/>
               <a:t>——Bistable Ring PUF</a:t>
             </a:r>
+          </a:p>
+          <a:p>
+            <a:endParaRPr lang="en-US" altLang="zh-CN" dirty="0"/>
+          </a:p>
+          <a:p>
+            <a:pPr marL="0" indent="0">
+              <a:buNone/>
+            </a:pPr>
+            <a:r>
+              <a:rPr lang="zh-CN" altLang="en-US" b="1" dirty="0"/>
+              <a:t>本文主要贡献：</a:t>
+            </a:r>
+            <a:endParaRPr lang="en-US" altLang="zh-CN" b="1" dirty="0"/>
+          </a:p>
+          <a:p>
+            <a:pPr marL="342900" indent="-342900"/>
+            <a:r>
+              <a:rPr lang="zh-CN" altLang="en-US" dirty="0"/>
+              <a:t>建立</a:t>
+            </a:r>
+            <a:r>
+              <a:rPr lang="en-US" altLang="zh-CN" dirty="0"/>
+              <a:t>BRPUF</a:t>
+            </a:r>
+            <a:r>
+              <a:rPr lang="zh-CN" altLang="en-US" dirty="0"/>
+              <a:t>模型，成功实行对其建模攻击；</a:t>
+            </a:r>
+            <a:endParaRPr lang="en-US" altLang="zh-CN" dirty="0"/>
+          </a:p>
+          <a:p>
+            <a:pPr marL="342900" indent="-342900"/>
+            <a:r>
+              <a:rPr lang="zh-CN" altLang="en-US" dirty="0"/>
+              <a:t>设计新型</a:t>
+            </a:r>
+            <a:r>
+              <a:rPr lang="en-US" altLang="zh-CN" dirty="0"/>
+              <a:t>Strong PUF</a:t>
+            </a:r>
+            <a:r>
+              <a:rPr lang="zh-CN" altLang="en-US" dirty="0"/>
+              <a:t>方案，使其能够抵御建模攻击。</a:t>
+            </a:r>
+          </a:p>
+          <a:p>
+            <a:pPr marL="0" indent="0">
+              <a:buNone/>
+            </a:pPr>
             <a:endParaRPr lang="zh-CN" altLang="en-US" dirty="0"/>
           </a:p>
         </p:txBody>
@@ -19751,7 +19823,7 @@
           <a:p>
             <a:fld id="{CB6718E4-7406-45F3-BB60-A335F7C1373F}" type="datetime1">
               <a:rPr lang="zh-CN" altLang="en-US" smtClean="0"/>
-              <a:t>2016/4/13</a:t>
+              <a:t>2016/4/14</a:t>
             </a:fld>
             <a:endParaRPr lang="zh-CN" altLang="en-US"/>
           </a:p>
@@ -19803,34 +19875,6 @@
           </a:p>
         </p:txBody>
       </p:sp>
-      <p:pic>
-        <p:nvPicPr>
-          <p:cNvPr id="7" name="图片 6"/>
-          <p:cNvPicPr/>
-          <p:nvPr/>
-        </p:nvPicPr>
-        <p:blipFill>
-          <a:blip r:embed="rId2" cstate="print">
-            <a:extLst>
-              <a:ext uri="{28A0092B-C50C-407E-A947-70E740481C1C}">
-                <a14:useLocalDpi xmlns:a14="http://schemas.microsoft.com/office/drawing/2010/main" val="0"/>
-              </a:ext>
-            </a:extLst>
-          </a:blip>
-          <a:stretch>
-            <a:fillRect/>
-          </a:stretch>
-        </p:blipFill>
-        <p:spPr>
-          <a:xfrm>
-            <a:off x="2105782" y="3492363"/>
-            <a:ext cx="4898867" cy="2603651"/>
-          </a:xfrm>
-          <a:prstGeom prst="rect">
-            <a:avLst/>
-          </a:prstGeom>
-        </p:spPr>
-      </p:pic>
     </p:spTree>
     <p:extLst>
       <p:ext uri="{BB962C8B-B14F-4D97-AF65-F5344CB8AC3E}">
@@ -19886,7 +19930,7 @@
             <a:fld id="{CB6718E4-7406-45F3-BB60-A335F7C1373F}" type="datetime1">
               <a:rPr lang="zh-CN" altLang="en-US" smtClean="0"/>
               <a:pPr/>
-              <a:t>2016/4/13</a:t>
+              <a:t>2016/4/14</a:t>
             </a:fld>
             <a:endParaRPr lang="zh-CN" altLang="en-US"/>
           </a:p>
@@ -19959,6 +20003,53 @@
               <a:t>原理分析</a:t>
             </a:r>
             <a:endParaRPr lang="zh-CN" altLang="en-US" dirty="0"/>
+          </a:p>
+        </p:txBody>
+      </p:sp>
+      <p:sp>
+        <p:nvSpPr>
+          <p:cNvPr id="7" name="矩形 6"/>
+          <p:cNvSpPr/>
+          <p:nvPr/>
+        </p:nvSpPr>
+        <p:spPr>
+          <a:xfrm>
+            <a:off x="2597874" y="1787017"/>
+            <a:ext cx="1947999" cy="1748663"/>
+          </a:xfrm>
+          <a:prstGeom prst="rect">
+            <a:avLst/>
+          </a:prstGeom>
+          <a:noFill/>
+          <a:ln w="28575">
+            <a:solidFill>
+              <a:srgbClr val="C00000"/>
+            </a:solidFill>
+            <a:prstDash val="solid"/>
+          </a:ln>
+        </p:spPr>
+        <p:style>
+          <a:lnRef idx="2">
+            <a:schemeClr val="accent1">
+              <a:shade val="50000"/>
+            </a:schemeClr>
+          </a:lnRef>
+          <a:fillRef idx="1">
+            <a:schemeClr val="accent1"/>
+          </a:fillRef>
+          <a:effectRef idx="0">
+            <a:schemeClr val="accent1"/>
+          </a:effectRef>
+          <a:fontRef idx="minor">
+            <a:schemeClr val="lt1"/>
+          </a:fontRef>
+        </p:style>
+        <p:txBody>
+          <a:bodyPr rtlCol="0" anchor="ctr"/>
+          <a:lstStyle/>
+          <a:p>
+            <a:pPr algn="ctr"/>
+            <a:endParaRPr lang="zh-CN" altLang="en-US"/>
           </a:p>
         </p:txBody>
       </p:sp>
@@ -19999,6 +20090,30 @@
           <a:chExt cx="0" cy="0"/>
         </a:xfrm>
       </p:grpSpPr>
+      <p:pic>
+        <p:nvPicPr>
+          <p:cNvPr id="14" name="图片 13"/>
+          <p:cNvPicPr>
+            <a:picLocks noChangeAspect="1"/>
+          </p:cNvPicPr>
+          <p:nvPr/>
+        </p:nvPicPr>
+        <p:blipFill>
+          <a:blip r:embed="rId2"/>
+          <a:stretch>
+            <a:fillRect/>
+          </a:stretch>
+        </p:blipFill>
+        <p:spPr>
+          <a:xfrm>
+            <a:off x="2308143" y="3975852"/>
+            <a:ext cx="4696506" cy="2237571"/>
+          </a:xfrm>
+          <a:prstGeom prst="rect">
+            <a:avLst/>
+          </a:prstGeom>
+        </p:spPr>
+      </p:pic>
       <p:sp>
         <p:nvSpPr>
           <p:cNvPr id="2" name="标题 1"/>
@@ -20090,7 +20205,7 @@
           <a:p>
             <a:fld id="{CB6718E4-7406-45F3-BB60-A335F7C1373F}" type="datetime1">
               <a:rPr lang="zh-CN" altLang="en-US" smtClean="0"/>
-              <a:t>2016/4/13</a:t>
+              <a:t>2016/4/14</a:t>
             </a:fld>
             <a:endParaRPr lang="zh-CN" altLang="en-US"/>
           </a:p>
@@ -20137,6 +20252,257 @@
             <a:fld id="{ED34C3B6-DCD7-4A30-8693-C31ECCFCB39D}" type="slidenum">
               <a:rPr lang="zh-CN" altLang="en-US" smtClean="0"/>
               <a:t>22</a:t>
+            </a:fld>
+            <a:endParaRPr lang="zh-CN" altLang="en-US"/>
+          </a:p>
+        </p:txBody>
+      </p:sp>
+      <p:pic>
+        <p:nvPicPr>
+          <p:cNvPr id="12" name="图片 11"/>
+          <p:cNvPicPr>
+            <a:picLocks noChangeAspect="1"/>
+          </p:cNvPicPr>
+          <p:nvPr/>
+        </p:nvPicPr>
+        <p:blipFill>
+          <a:blip r:embed="rId3"/>
+          <a:stretch>
+            <a:fillRect/>
+          </a:stretch>
+        </p:blipFill>
+        <p:spPr>
+          <a:xfrm>
+            <a:off x="1749164" y="2238704"/>
+            <a:ext cx="5645671" cy="1627767"/>
+          </a:xfrm>
+          <a:prstGeom prst="rect">
+            <a:avLst/>
+          </a:prstGeom>
+        </p:spPr>
+      </p:pic>
+      <p:sp>
+        <p:nvSpPr>
+          <p:cNvPr id="7" name="矩形 6"/>
+          <p:cNvSpPr/>
+          <p:nvPr/>
+        </p:nvSpPr>
+        <p:spPr>
+          <a:xfrm>
+            <a:off x="4149634" y="2212577"/>
+            <a:ext cx="844732" cy="1336323"/>
+          </a:xfrm>
+          <a:prstGeom prst="rect">
+            <a:avLst/>
+          </a:prstGeom>
+          <a:noFill/>
+          <a:ln w="28575">
+            <a:solidFill>
+              <a:srgbClr val="C00000"/>
+            </a:solidFill>
+            <a:prstDash val="dash"/>
+          </a:ln>
+        </p:spPr>
+        <p:style>
+          <a:lnRef idx="2">
+            <a:schemeClr val="accent1">
+              <a:shade val="50000"/>
+            </a:schemeClr>
+          </a:lnRef>
+          <a:fillRef idx="1">
+            <a:schemeClr val="accent1"/>
+          </a:fillRef>
+          <a:effectRef idx="0">
+            <a:schemeClr val="accent1"/>
+          </a:effectRef>
+          <a:fontRef idx="minor">
+            <a:schemeClr val="lt1"/>
+          </a:fontRef>
+        </p:style>
+        <p:txBody>
+          <a:bodyPr rtlCol="0" anchor="ctr"/>
+          <a:lstStyle/>
+          <a:p>
+            <a:pPr algn="ctr"/>
+            <a:endParaRPr lang="zh-CN" altLang="en-US"/>
+          </a:p>
+        </p:txBody>
+      </p:sp>
+    </p:spTree>
+    <p:extLst>
+      <p:ext uri="{BB962C8B-B14F-4D97-AF65-F5344CB8AC3E}">
+        <p14:creationId xmlns:p14="http://schemas.microsoft.com/office/powerpoint/2010/main" val="2689410300"/>
+      </p:ext>
+    </p:extLst>
+  </p:cSld>
+  <p:clrMapOvr>
+    <a:masterClrMapping/>
+  </p:clrMapOvr>
+  <p:timing>
+    <p:tnLst>
+      <p:par>
+        <p:cTn id="1" dur="indefinite" restart="never" nodeType="tmRoot"/>
+      </p:par>
+    </p:tnLst>
+  </p:timing>
+</p:sld>
+</file>
+
+<file path=ppt/slides/slide23.xml><?xml version="1.0" encoding="utf-8"?>
+<p:sld xmlns:a="http://schemas.openxmlformats.org/drawingml/2006/main" xmlns:r="http://schemas.openxmlformats.org/officeDocument/2006/relationships" xmlns:p="http://schemas.openxmlformats.org/presentationml/2006/main">
+  <p:cSld>
+    <p:spTree>
+      <p:nvGrpSpPr>
+        <p:cNvPr id="1" name=""/>
+        <p:cNvGrpSpPr/>
+        <p:nvPr/>
+      </p:nvGrpSpPr>
+      <p:grpSpPr>
+        <a:xfrm>
+          <a:off x="0" y="0"/>
+          <a:ext cx="0" cy="0"/>
+          <a:chOff x="0" y="0"/>
+          <a:chExt cx="0" cy="0"/>
+        </a:xfrm>
+      </p:grpSpPr>
+      <p:sp>
+        <p:nvSpPr>
+          <p:cNvPr id="2" name="标题 1"/>
+          <p:cNvSpPr>
+            <a:spLocks noGrp="1"/>
+          </p:cNvSpPr>
+          <p:nvPr>
+            <p:ph type="title"/>
+          </p:nvPr>
+        </p:nvSpPr>
+        <p:spPr/>
+        <p:txBody>
+          <a:bodyPr/>
+          <a:lstStyle/>
+          <a:p>
+            <a:r>
+              <a:rPr lang="en-US" altLang="zh-CN" dirty="0" smtClean="0"/>
+              <a:t>Arbiter PUF</a:t>
+            </a:r>
+            <a:r>
+              <a:rPr lang="zh-CN" altLang="en-US" dirty="0" smtClean="0"/>
+              <a:t>建模</a:t>
+            </a:r>
+            <a:endParaRPr lang="zh-CN" altLang="en-US" dirty="0"/>
+          </a:p>
+        </p:txBody>
+      </p:sp>
+      <p:sp>
+        <p:nvSpPr>
+          <p:cNvPr id="3" name="内容占位符 2"/>
+          <p:cNvSpPr>
+            <a:spLocks noGrp="1"/>
+          </p:cNvSpPr>
+          <p:nvPr>
+            <p:ph idx="1"/>
+          </p:nvPr>
+        </p:nvSpPr>
+        <p:spPr/>
+        <p:txBody>
+          <a:bodyPr/>
+          <a:lstStyle/>
+          <a:p>
+            <a:r>
+              <a:rPr lang="zh-CN" altLang="en-US" dirty="0" smtClean="0"/>
+              <a:t>一个交换器</a:t>
+            </a:r>
+            <a:r>
+              <a:rPr lang="en-US" altLang="zh-CN" dirty="0" smtClean="0"/>
+              <a:t>4</a:t>
+            </a:r>
+            <a:r>
+              <a:rPr lang="zh-CN" altLang="en-US" dirty="0"/>
+              <a:t>条路径</a:t>
+            </a:r>
+            <a:r>
+              <a:rPr lang="zh-CN" altLang="en-US" dirty="0" smtClean="0"/>
+              <a:t>延迟：</a:t>
+            </a:r>
+            <a:r>
+              <a:rPr lang="en-US" altLang="zh-CN" dirty="0" smtClean="0">
+                <a:solidFill>
+                  <a:srgbClr val="FF0000"/>
+                </a:solidFill>
+              </a:rPr>
+              <a:t>p, q, r, s</a:t>
+            </a:r>
+            <a:endParaRPr lang="zh-CN" altLang="en-US" dirty="0">
+              <a:solidFill>
+                <a:srgbClr val="FF0000"/>
+              </a:solidFill>
+            </a:endParaRPr>
+          </a:p>
+        </p:txBody>
+      </p:sp>
+      <p:sp>
+        <p:nvSpPr>
+          <p:cNvPr id="4" name="日期占位符 3"/>
+          <p:cNvSpPr>
+            <a:spLocks noGrp="1"/>
+          </p:cNvSpPr>
+          <p:nvPr>
+            <p:ph type="dt" sz="half" idx="10"/>
+          </p:nvPr>
+        </p:nvSpPr>
+        <p:spPr/>
+        <p:txBody>
+          <a:bodyPr/>
+          <a:lstStyle/>
+          <a:p>
+            <a:fld id="{CB6718E4-7406-45F3-BB60-A335F7C1373F}" type="datetime1">
+              <a:rPr lang="zh-CN" altLang="en-US" smtClean="0"/>
+              <a:t>2016/4/14</a:t>
+            </a:fld>
+            <a:endParaRPr lang="zh-CN" altLang="en-US"/>
+          </a:p>
+        </p:txBody>
+      </p:sp>
+      <p:sp>
+        <p:nvSpPr>
+          <p:cNvPr id="5" name="页脚占位符 4"/>
+          <p:cNvSpPr>
+            <a:spLocks noGrp="1"/>
+          </p:cNvSpPr>
+          <p:nvPr>
+            <p:ph type="ftr" sz="quarter" idx="11"/>
+          </p:nvPr>
+        </p:nvSpPr>
+        <p:spPr/>
+        <p:txBody>
+          <a:bodyPr/>
+          <a:lstStyle/>
+          <a:p>
+            <a:r>
+              <a:rPr lang="zh-CN" altLang="en-US" smtClean="0"/>
+              <a:t>原理分析</a:t>
+            </a:r>
+            <a:endParaRPr lang="en-US" altLang="zh-CN" dirty="0" smtClean="0"/>
+          </a:p>
+        </p:txBody>
+      </p:sp>
+      <p:sp>
+        <p:nvSpPr>
+          <p:cNvPr id="6" name="灯片编号占位符 5"/>
+          <p:cNvSpPr>
+            <a:spLocks noGrp="1"/>
+          </p:cNvSpPr>
+          <p:nvPr>
+            <p:ph type="sldNum" sz="quarter" idx="12"/>
+          </p:nvPr>
+        </p:nvSpPr>
+        <p:spPr/>
+        <p:txBody>
+          <a:bodyPr/>
+          <a:lstStyle/>
+          <a:p>
+            <a:fld id="{ED34C3B6-DCD7-4A30-8693-C31ECCFCB39D}" type="slidenum">
+              <a:rPr lang="zh-CN" altLang="en-US" smtClean="0"/>
+              <a:t>23</a:t>
             </a:fld>
             <a:endParaRPr lang="zh-CN" altLang="en-US"/>
           </a:p>
@@ -21353,7 +21719,7 @@
     </p:spTree>
     <p:extLst>
       <p:ext uri="{BB962C8B-B14F-4D97-AF65-F5344CB8AC3E}">
-        <p14:creationId xmlns:p14="http://schemas.microsoft.com/office/powerpoint/2010/main" val="2689410300"/>
+        <p14:creationId xmlns:p14="http://schemas.microsoft.com/office/powerpoint/2010/main" val="3755858866"/>
       </p:ext>
     </p:extLst>
   </p:cSld>
@@ -21370,7 +21736,7 @@
 </p:sld>
 </file>
 
-<file path=ppt/slides/slide23.xml><?xml version="1.0" encoding="utf-8"?>
+<file path=ppt/slides/slide24.xml><?xml version="1.0" encoding="utf-8"?>
 <p:sld xmlns:a="http://schemas.openxmlformats.org/drawingml/2006/main" xmlns:r="http://schemas.openxmlformats.org/officeDocument/2006/relationships" xmlns:p="http://schemas.openxmlformats.org/presentationml/2006/main">
   <p:cSld>
     <p:spTree>
@@ -21478,7 +21844,7 @@
           <a:p>
             <a:fld id="{CB6718E4-7406-45F3-BB60-A335F7C1373F}" type="datetime1">
               <a:rPr lang="zh-CN" altLang="en-US" smtClean="0"/>
-              <a:t>2016/4/13</a:t>
+              <a:t>2016/4/14</a:t>
             </a:fld>
             <a:endParaRPr lang="zh-CN" altLang="en-US"/>
           </a:p>
@@ -21524,7 +21890,7 @@
           <a:p>
             <a:fld id="{ED34C3B6-DCD7-4A30-8693-C31ECCFCB39D}" type="slidenum">
               <a:rPr lang="zh-CN" altLang="en-US" smtClean="0"/>
-              <a:t>23</a:t>
+              <a:t>24</a:t>
             </a:fld>
             <a:endParaRPr lang="zh-CN" altLang="en-US"/>
           </a:p>
@@ -21714,7 +22080,7 @@
 </p:sld>
 </file>
 
-<file path=ppt/slides/slide24.xml><?xml version="1.0" encoding="utf-8"?>
+<file path=ppt/slides/slide25.xml><?xml version="1.0" encoding="utf-8"?>
 <p:sld xmlns:a="http://schemas.openxmlformats.org/drawingml/2006/main" xmlns:r="http://schemas.openxmlformats.org/officeDocument/2006/relationships" xmlns:p="http://schemas.openxmlformats.org/presentationml/2006/main">
   <p:cSld>
     <p:spTree>
@@ -21748,13 +22114,60 @@
           <a:p>
             <a:r>
               <a:rPr lang="en-US" altLang="zh-CN" dirty="0" smtClean="0"/>
-              <a:t>SVM</a:t>
+              <a:t>Arbiter PUF</a:t>
             </a:r>
             <a:r>
               <a:rPr lang="zh-CN" altLang="en-US" dirty="0" smtClean="0"/>
-              <a:t>线性分类器</a:t>
+              <a:t>建模</a:t>
             </a:r>
             <a:endParaRPr lang="zh-CN" altLang="en-US" dirty="0"/>
+          </a:p>
+        </p:txBody>
+      </p:sp>
+      <p:sp>
+        <p:nvSpPr>
+          <p:cNvPr id="3" name="内容占位符 2"/>
+          <p:cNvSpPr>
+            <a:spLocks noGrp="1"/>
+          </p:cNvSpPr>
+          <p:nvPr>
+            <p:ph idx="1"/>
+          </p:nvPr>
+        </p:nvSpPr>
+        <p:spPr/>
+        <p:txBody>
+          <a:bodyPr/>
+          <a:lstStyle/>
+          <a:p>
+            <a:r>
+              <a:rPr lang="zh-CN" altLang="en-US" dirty="0" smtClean="0"/>
+              <a:t>一个交换器</a:t>
+            </a:r>
+            <a:r>
+              <a:rPr lang="en-US" altLang="zh-CN" dirty="0" smtClean="0"/>
+              <a:t>4</a:t>
+            </a:r>
+            <a:r>
+              <a:rPr lang="zh-CN" altLang="en-US" dirty="0"/>
+              <a:t>条路径</a:t>
+            </a:r>
+            <a:r>
+              <a:rPr lang="zh-CN" altLang="en-US" dirty="0" smtClean="0"/>
+              <a:t>延迟：</a:t>
+            </a:r>
+            <a:r>
+              <a:rPr lang="en-US" altLang="zh-CN" dirty="0" smtClean="0">
+                <a:solidFill>
+                  <a:srgbClr val="FF0000"/>
+                </a:solidFill>
+              </a:rPr>
+              <a:t>p, q, r, s</a:t>
+            </a:r>
+            <a:endParaRPr lang="zh-CN" altLang="en-US" dirty="0">
+              <a:solidFill>
+                <a:srgbClr val="FF0000"/>
+              </a:solidFill>
+            </a:endParaRPr>
           </a:p>
         </p:txBody>
       </p:sp>
@@ -21775,7 +22188,7 @@
           <a:p>
             <a:fld id="{CB6718E4-7406-45F3-BB60-A335F7C1373F}" type="datetime1">
               <a:rPr lang="zh-CN" altLang="en-US" smtClean="0"/>
-              <a:t>2016/4/13</a:t>
+              <a:t>2016/4/14</a:t>
             </a:fld>
             <a:endParaRPr lang="zh-CN" altLang="en-US"/>
           </a:p>
@@ -21797,10 +22210,10 @@
           <a:lstStyle/>
           <a:p>
             <a:r>
-              <a:rPr lang="zh-CN" altLang="en-US" dirty="0" smtClean="0"/>
+              <a:rPr lang="zh-CN" altLang="en-US" smtClean="0"/>
               <a:t>原理分析</a:t>
             </a:r>
-            <a:endParaRPr lang="zh-CN" altLang="en-US" dirty="0"/>
+            <a:endParaRPr lang="en-US" altLang="zh-CN" dirty="0" smtClean="0"/>
           </a:p>
         </p:txBody>
       </p:sp>
@@ -21821,7 +22234,508 @@
           <a:p>
             <a:fld id="{ED34C3B6-DCD7-4A30-8693-C31ECCFCB39D}" type="slidenum">
               <a:rPr lang="zh-CN" altLang="en-US" smtClean="0"/>
-              <a:t>24</a:t>
+              <a:t>25</a:t>
+            </a:fld>
+            <a:endParaRPr lang="zh-CN" altLang="en-US"/>
+          </a:p>
+        </p:txBody>
+      </p:sp>
+      <p:pic>
+        <p:nvPicPr>
+          <p:cNvPr id="10" name="图片 9"/>
+          <p:cNvPicPr>
+            <a:picLocks noChangeAspect="1"/>
+          </p:cNvPicPr>
+          <p:nvPr/>
+        </p:nvPicPr>
+        <p:blipFill>
+          <a:blip r:embed="rId2"/>
+          <a:stretch>
+            <a:fillRect/>
+          </a:stretch>
+        </p:blipFill>
+        <p:spPr>
+          <a:xfrm>
+            <a:off x="2223747" y="2382973"/>
+            <a:ext cx="4696506" cy="2237571"/>
+          </a:xfrm>
+          <a:prstGeom prst="rect">
+            <a:avLst/>
+          </a:prstGeom>
+        </p:spPr>
+      </p:pic>
+      <mc:AlternateContent xmlns:mc="http://schemas.openxmlformats.org/markup-compatibility/2006" xmlns:a14="http://schemas.microsoft.com/office/drawing/2010/main">
+        <mc:Choice Requires="a14">
+          <p:sp>
+            <p:nvSpPr>
+              <p:cNvPr id="7" name="矩形 6"/>
+              <p:cNvSpPr/>
+              <p:nvPr/>
+            </p:nvSpPr>
+            <p:spPr>
+              <a:xfrm>
+                <a:off x="3788452" y="5265552"/>
+                <a:ext cx="1567096" cy="400110"/>
+              </a:xfrm>
+              <a:prstGeom prst="rect">
+                <a:avLst/>
+              </a:prstGeom>
+            </p:spPr>
+            <p:txBody>
+              <a:bodyPr wrap="none">
+                <a:spAutoFit/>
+              </a:bodyPr>
+              <a:lstStyle/>
+              <a:p>
+                <a:pPr/>
+                <a14:m>
+                  <m:oMathPara xmlns:m="http://schemas.openxmlformats.org/officeDocument/2006/math">
+                    <m:oMathParaPr>
+                      <m:jc m:val="centerGroup"/>
+                    </m:oMathParaPr>
+                    <m:oMath xmlns:m="http://schemas.openxmlformats.org/officeDocument/2006/math">
+                      <m:r>
+                        <m:rPr>
+                          <m:sty m:val="p"/>
+                        </m:rPr>
+                        <a:rPr lang="en-US" altLang="zh-CN" sz="2000" i="0" smtClean="0">
+                          <a:latin typeface="Cambria Math" panose="02040503050406030204" pitchFamily="18" charset="0"/>
+                        </a:rPr>
+                        <m:t>Δ</m:t>
+                      </m:r>
+                      <m:r>
+                        <a:rPr lang="en-US" altLang="zh-CN" sz="2000" b="0" i="1" smtClean="0">
+                          <a:latin typeface="Cambria Math" panose="02040503050406030204" pitchFamily="18" charset="0"/>
+                        </a:rPr>
+                        <m:t>𝑡</m:t>
+                      </m:r>
+                      <m:d>
+                        <m:dPr>
+                          <m:ctrlPr>
+                            <a:rPr lang="zh-CN" altLang="en-US" sz="2000" i="1">
+                              <a:latin typeface="Cambria Math" panose="02040503050406030204" pitchFamily="18" charset="0"/>
+                            </a:rPr>
+                          </m:ctrlPr>
+                        </m:dPr>
+                        <m:e>
+                          <m:r>
+                            <a:rPr lang="zh-CN" altLang="en-US" sz="2000" i="1">
+                              <a:latin typeface="Cambria Math" panose="02040503050406030204" pitchFamily="18" charset="0"/>
+                            </a:rPr>
+                            <m:t>𝑛</m:t>
+                          </m:r>
+                        </m:e>
+                      </m:d>
+                      <m:r>
+                        <a:rPr lang="zh-CN" altLang="en-US" sz="2000" i="0">
+                          <a:latin typeface="Cambria Math" panose="02040503050406030204" pitchFamily="18" charset="0"/>
+                        </a:rPr>
+                        <m:t>=</m:t>
+                      </m:r>
+                      <m:r>
+                        <a:rPr lang="zh-CN" altLang="en-US" sz="2000" i="1">
+                          <a:latin typeface="Cambria Math" panose="02040503050406030204" pitchFamily="18" charset="0"/>
+                        </a:rPr>
+                        <m:t>𝑝</m:t>
+                      </m:r>
+                      <m:r>
+                        <a:rPr lang="zh-CN" altLang="en-US" sz="2000" i="0">
+                          <a:latin typeface="Cambria Math" panose="02040503050406030204" pitchFamily="18" charset="0"/>
+                        </a:rPr>
+                        <m:t>′</m:t>
+                      </m:r>
+                      <m:r>
+                        <a:rPr lang="zh-CN" altLang="en-US" sz="2000" i="1" smtClean="0">
+                          <a:solidFill>
+                            <a:srgbClr val="FF0000"/>
+                          </a:solidFill>
+                          <a:latin typeface="Cambria Math" panose="02040503050406030204" pitchFamily="18" charset="0"/>
+                        </a:rPr>
+                        <m:t>𝑑</m:t>
+                      </m:r>
+                    </m:oMath>
+                  </m:oMathPara>
+                </a14:m>
+                <a:endParaRPr lang="zh-CN" altLang="en-US" sz="2000" dirty="0">
+                  <a:solidFill>
+                    <a:srgbClr val="FF0000"/>
+                  </a:solidFill>
+                </a:endParaRPr>
+              </a:p>
+            </p:txBody>
+          </p:sp>
+        </mc:Choice>
+        <mc:Fallback xmlns="">
+          <p:sp>
+            <p:nvSpPr>
+              <p:cNvPr id="7" name="矩形 6"/>
+              <p:cNvSpPr>
+                <a:spLocks noRot="1" noChangeAspect="1" noMove="1" noResize="1" noEditPoints="1" noAdjustHandles="1" noChangeArrowheads="1" noChangeShapeType="1" noTextEdit="1"/>
+              </p:cNvSpPr>
+              <p:nvPr/>
+            </p:nvSpPr>
+            <p:spPr>
+              <a:xfrm>
+                <a:off x="3788452" y="5265552"/>
+                <a:ext cx="1567096" cy="400110"/>
+              </a:xfrm>
+              <a:prstGeom prst="rect">
+                <a:avLst/>
+              </a:prstGeom>
+              <a:blipFill rotWithShape="0">
+                <a:blip r:embed="rId3"/>
+                <a:stretch>
+                  <a:fillRect b="-7692"/>
+                </a:stretch>
+              </a:blipFill>
+            </p:spPr>
+            <p:txBody>
+              <a:bodyPr/>
+              <a:lstStyle/>
+              <a:p>
+                <a:r>
+                  <a:rPr lang="zh-CN" altLang="en-US">
+                    <a:noFill/>
+                  </a:rPr>
+                  <a:t> </a:t>
+                </a:r>
+              </a:p>
+            </p:txBody>
+          </p:sp>
+        </mc:Fallback>
+      </mc:AlternateContent>
+      <mc:AlternateContent xmlns:mc="http://schemas.openxmlformats.org/markup-compatibility/2006" xmlns:a14="http://schemas.microsoft.com/office/drawing/2010/main">
+        <mc:Choice Requires="a14">
+          <p:sp>
+            <p:nvSpPr>
+              <p:cNvPr id="8" name="文本框 7"/>
+              <p:cNvSpPr txBox="1"/>
+              <p:nvPr/>
+            </p:nvSpPr>
+            <p:spPr>
+              <a:xfrm>
+                <a:off x="5355548" y="5110510"/>
+                <a:ext cx="2394857" cy="710194"/>
+              </a:xfrm>
+              <a:prstGeom prst="rect">
+                <a:avLst/>
+              </a:prstGeom>
+              <a:noFill/>
+            </p:spPr>
+            <p:txBody>
+              <a:bodyPr wrap="square" rtlCol="0">
+                <a:spAutoFit/>
+              </a:bodyPr>
+              <a:lstStyle/>
+              <a:p>
+                <a:pPr/>
+                <a14:m>
+                  <m:oMathPara xmlns:m="http://schemas.openxmlformats.org/officeDocument/2006/math">
+                    <m:oMathParaPr>
+                      <m:jc m:val="centerGroup"/>
+                    </m:oMathParaPr>
+                    <m:oMath xmlns:m="http://schemas.openxmlformats.org/officeDocument/2006/math">
+                      <m:d>
+                        <m:dPr>
+                          <m:begChr m:val="{"/>
+                          <m:endChr m:val=""/>
+                          <m:ctrlPr>
+                            <a:rPr lang="en-US" altLang="zh-CN" b="0" i="1" smtClean="0">
+                              <a:latin typeface="Cambria Math" panose="02040503050406030204" pitchFamily="18" charset="0"/>
+                            </a:rPr>
+                          </m:ctrlPr>
+                        </m:dPr>
+                        <m:e>
+                          <m:eqArr>
+                            <m:eqArrPr>
+                              <m:ctrlPr>
+                                <a:rPr lang="en-US" altLang="zh-CN" b="0" i="1" smtClean="0">
+                                  <a:latin typeface="Cambria Math" panose="02040503050406030204" pitchFamily="18" charset="0"/>
+                                </a:rPr>
+                              </m:ctrlPr>
+                            </m:eqArrPr>
+                            <m:e>
+                              <m:r>
+                                <m:rPr>
+                                  <m:sty m:val="p"/>
+                                </m:rPr>
+                                <a:rPr lang="en-US" altLang="zh-CN" b="0" i="0" smtClean="0">
+                                  <a:latin typeface="Cambria Math" panose="02040503050406030204" pitchFamily="18" charset="0"/>
+                                </a:rPr>
+                                <m:t>Δ</m:t>
+                              </m:r>
+                              <m:r>
+                                <a:rPr lang="en-US" altLang="zh-CN" b="0" i="1" smtClean="0">
+                                  <a:latin typeface="Cambria Math" panose="02040503050406030204" pitchFamily="18" charset="0"/>
+                                </a:rPr>
+                                <m:t>𝑡</m:t>
+                              </m:r>
+                              <m:d>
+                                <m:dPr>
+                                  <m:ctrlPr>
+                                    <a:rPr lang="en-US" altLang="zh-CN" b="0" i="1" smtClean="0">
+                                      <a:latin typeface="Cambria Math" panose="02040503050406030204" pitchFamily="18" charset="0"/>
+                                    </a:rPr>
+                                  </m:ctrlPr>
+                                </m:dPr>
+                                <m:e>
+                                  <m:r>
+                                    <a:rPr lang="en-US" altLang="zh-CN" b="0" i="1" smtClean="0">
+                                      <a:latin typeface="Cambria Math" panose="02040503050406030204" pitchFamily="18" charset="0"/>
+                                    </a:rPr>
+                                    <m:t>𝑛</m:t>
+                                  </m:r>
+                                </m:e>
+                              </m:d>
+                              <m:r>
+                                <a:rPr lang="en-US" altLang="zh-CN" b="0" i="1" smtClean="0">
+                                  <a:latin typeface="Cambria Math" panose="02040503050406030204" pitchFamily="18" charset="0"/>
+                                </a:rPr>
+                                <m:t>&gt;0→</m:t>
+                              </m:r>
+                              <m:r>
+                                <a:rPr lang="en-US" altLang="zh-CN" b="0" i="1" smtClean="0">
+                                  <a:latin typeface="Cambria Math" panose="02040503050406030204" pitchFamily="18" charset="0"/>
+                                </a:rPr>
+                                <m:t>𝑅</m:t>
+                              </m:r>
+                              <m:r>
+                                <a:rPr lang="en-US" altLang="zh-CN" b="0" i="1" smtClean="0">
+                                  <a:latin typeface="Cambria Math" panose="02040503050406030204" pitchFamily="18" charset="0"/>
+                                </a:rPr>
+                                <m:t>=+1</m:t>
+                              </m:r>
+                            </m:e>
+                            <m:e>
+                              <m:r>
+                                <m:rPr>
+                                  <m:sty m:val="p"/>
+                                </m:rPr>
+                                <a:rPr lang="en-US" altLang="zh-CN" b="0" i="0" smtClean="0">
+                                  <a:latin typeface="Cambria Math" panose="02040503050406030204" pitchFamily="18" charset="0"/>
+                                </a:rPr>
+                                <m:t>Δ</m:t>
+                              </m:r>
+                              <m:r>
+                                <a:rPr lang="en-US" altLang="zh-CN" b="0" i="1" smtClean="0">
+                                  <a:latin typeface="Cambria Math" panose="02040503050406030204" pitchFamily="18" charset="0"/>
+                                </a:rPr>
+                                <m:t>𝑡</m:t>
+                              </m:r>
+                              <m:d>
+                                <m:dPr>
+                                  <m:ctrlPr>
+                                    <a:rPr lang="en-US" altLang="zh-CN" b="0" i="1" smtClean="0">
+                                      <a:latin typeface="Cambria Math" panose="02040503050406030204" pitchFamily="18" charset="0"/>
+                                    </a:rPr>
+                                  </m:ctrlPr>
+                                </m:dPr>
+                                <m:e>
+                                  <m:r>
+                                    <a:rPr lang="en-US" altLang="zh-CN" b="0" i="1" smtClean="0">
+                                      <a:latin typeface="Cambria Math" panose="02040503050406030204" pitchFamily="18" charset="0"/>
+                                    </a:rPr>
+                                    <m:t>𝑛</m:t>
+                                  </m:r>
+                                </m:e>
+                              </m:d>
+                              <m:r>
+                                <a:rPr lang="en-US" altLang="zh-CN" b="0" i="1" smtClean="0">
+                                  <a:latin typeface="Cambria Math" panose="02040503050406030204" pitchFamily="18" charset="0"/>
+                                </a:rPr>
+                                <m:t>&lt;0→</m:t>
+                              </m:r>
+                              <m:r>
+                                <a:rPr lang="en-US" altLang="zh-CN" b="0" i="1" smtClean="0">
+                                  <a:latin typeface="Cambria Math" panose="02040503050406030204" pitchFamily="18" charset="0"/>
+                                </a:rPr>
+                                <m:t>𝑅</m:t>
+                              </m:r>
+                              <m:r>
+                                <a:rPr lang="en-US" altLang="zh-CN" b="0" i="1" smtClean="0">
+                                  <a:latin typeface="Cambria Math" panose="02040503050406030204" pitchFamily="18" charset="0"/>
+                                </a:rPr>
+                                <m:t>=−1</m:t>
+                              </m:r>
+                            </m:e>
+                          </m:eqArr>
+                        </m:e>
+                      </m:d>
+                    </m:oMath>
+                  </m:oMathPara>
+                </a14:m>
+                <a:endParaRPr lang="zh-CN" altLang="en-US" dirty="0"/>
+              </a:p>
+            </p:txBody>
+          </p:sp>
+        </mc:Choice>
+        <mc:Fallback xmlns="">
+          <p:sp>
+            <p:nvSpPr>
+              <p:cNvPr id="8" name="文本框 7"/>
+              <p:cNvSpPr txBox="1">
+                <a:spLocks noRot="1" noChangeAspect="1" noMove="1" noResize="1" noEditPoints="1" noAdjustHandles="1" noChangeArrowheads="1" noChangeShapeType="1" noTextEdit="1"/>
+              </p:cNvSpPr>
+              <p:nvPr/>
+            </p:nvSpPr>
+            <p:spPr>
+              <a:xfrm>
+                <a:off x="5355548" y="5110510"/>
+                <a:ext cx="2394857" cy="710194"/>
+              </a:xfrm>
+              <a:prstGeom prst="rect">
+                <a:avLst/>
+              </a:prstGeom>
+              <a:blipFill rotWithShape="0">
+                <a:blip r:embed="rId4"/>
+                <a:stretch>
+                  <a:fillRect/>
+                </a:stretch>
+              </a:blipFill>
+            </p:spPr>
+            <p:txBody>
+              <a:bodyPr/>
+              <a:lstStyle/>
+              <a:p>
+                <a:r>
+                  <a:rPr lang="zh-CN" altLang="en-US">
+                    <a:noFill/>
+                  </a:rPr>
+                  <a:t> </a:t>
+                </a:r>
+              </a:p>
+            </p:txBody>
+          </p:sp>
+        </mc:Fallback>
+      </mc:AlternateContent>
+    </p:spTree>
+    <p:extLst>
+      <p:ext uri="{BB962C8B-B14F-4D97-AF65-F5344CB8AC3E}">
+        <p14:creationId xmlns:p14="http://schemas.microsoft.com/office/powerpoint/2010/main" val="1931333029"/>
+      </p:ext>
+    </p:extLst>
+  </p:cSld>
+  <p:clrMapOvr>
+    <a:masterClrMapping/>
+  </p:clrMapOvr>
+  <p:timing>
+    <p:tnLst>
+      <p:par>
+        <p:cTn id="1" dur="indefinite" restart="never" nodeType="tmRoot"/>
+      </p:par>
+    </p:tnLst>
+  </p:timing>
+</p:sld>
+</file>
+
+<file path=ppt/slides/slide26.xml><?xml version="1.0" encoding="utf-8"?>
+<p:sld xmlns:a="http://schemas.openxmlformats.org/drawingml/2006/main" xmlns:r="http://schemas.openxmlformats.org/officeDocument/2006/relationships" xmlns:p="http://schemas.openxmlformats.org/presentationml/2006/main">
+  <p:cSld>
+    <p:spTree>
+      <p:nvGrpSpPr>
+        <p:cNvPr id="1" name=""/>
+        <p:cNvGrpSpPr/>
+        <p:nvPr/>
+      </p:nvGrpSpPr>
+      <p:grpSpPr>
+        <a:xfrm>
+          <a:off x="0" y="0"/>
+          <a:ext cx="0" cy="0"/>
+          <a:chOff x="0" y="0"/>
+          <a:chExt cx="0" cy="0"/>
+        </a:xfrm>
+      </p:grpSpPr>
+      <p:sp>
+        <p:nvSpPr>
+          <p:cNvPr id="2" name="标题 1"/>
+          <p:cNvSpPr>
+            <a:spLocks noGrp="1"/>
+          </p:cNvSpPr>
+          <p:nvPr>
+            <p:ph type="title"/>
+          </p:nvPr>
+        </p:nvSpPr>
+        <p:spPr/>
+        <p:txBody>
+          <a:bodyPr/>
+          <a:lstStyle/>
+          <a:p>
+            <a:r>
+              <a:rPr lang="en-US" altLang="zh-CN" dirty="0" smtClean="0"/>
+              <a:t>SVM</a:t>
+            </a:r>
+            <a:r>
+              <a:rPr lang="zh-CN" altLang="en-US" dirty="0" smtClean="0"/>
+              <a:t>线性分类器</a:t>
+            </a:r>
+            <a:endParaRPr lang="zh-CN" altLang="en-US" dirty="0"/>
+          </a:p>
+        </p:txBody>
+      </p:sp>
+      <p:sp>
+        <p:nvSpPr>
+          <p:cNvPr id="4" name="日期占位符 3"/>
+          <p:cNvSpPr>
+            <a:spLocks noGrp="1"/>
+          </p:cNvSpPr>
+          <p:nvPr>
+            <p:ph type="dt" sz="half" idx="10"/>
+          </p:nvPr>
+        </p:nvSpPr>
+        <p:spPr/>
+        <p:txBody>
+          <a:bodyPr/>
+          <a:lstStyle/>
+          <a:p>
+            <a:fld id="{CB6718E4-7406-45F3-BB60-A335F7C1373F}" type="datetime1">
+              <a:rPr lang="zh-CN" altLang="en-US" smtClean="0"/>
+              <a:t>2016/4/14</a:t>
+            </a:fld>
+            <a:endParaRPr lang="zh-CN" altLang="en-US"/>
+          </a:p>
+        </p:txBody>
+      </p:sp>
+      <p:sp>
+        <p:nvSpPr>
+          <p:cNvPr id="5" name="页脚占位符 4"/>
+          <p:cNvSpPr>
+            <a:spLocks noGrp="1"/>
+          </p:cNvSpPr>
+          <p:nvPr>
+            <p:ph type="ftr" sz="quarter" idx="11"/>
+          </p:nvPr>
+        </p:nvSpPr>
+        <p:spPr/>
+        <p:txBody>
+          <a:bodyPr/>
+          <a:lstStyle/>
+          <a:p>
+            <a:r>
+              <a:rPr lang="zh-CN" altLang="en-US" dirty="0" smtClean="0"/>
+              <a:t>原理分析</a:t>
+            </a:r>
+            <a:endParaRPr lang="zh-CN" altLang="en-US" dirty="0"/>
+          </a:p>
+        </p:txBody>
+      </p:sp>
+      <p:sp>
+        <p:nvSpPr>
+          <p:cNvPr id="6" name="灯片编号占位符 5"/>
+          <p:cNvSpPr>
+            <a:spLocks noGrp="1"/>
+          </p:cNvSpPr>
+          <p:nvPr>
+            <p:ph type="sldNum" sz="quarter" idx="12"/>
+          </p:nvPr>
+        </p:nvSpPr>
+        <p:spPr/>
+        <p:txBody>
+          <a:bodyPr/>
+          <a:lstStyle/>
+          <a:p>
+            <a:fld id="{ED34C3B6-DCD7-4A30-8693-C31ECCFCB39D}" type="slidenum">
+              <a:rPr lang="zh-CN" altLang="en-US" smtClean="0"/>
+              <a:t>26</a:t>
             </a:fld>
             <a:endParaRPr lang="zh-CN" altLang="en-US"/>
           </a:p>
@@ -22145,7 +23059,7 @@
 </p:sld>
 </file>
 
-<file path=ppt/slides/slide25.xml><?xml version="1.0" encoding="utf-8"?>
+<file path=ppt/slides/slide27.xml><?xml version="1.0" encoding="utf-8"?>
 <p:sld xmlns:a="http://schemas.openxmlformats.org/drawingml/2006/main" xmlns:r="http://schemas.openxmlformats.org/officeDocument/2006/relationships" xmlns:p="http://schemas.openxmlformats.org/presentationml/2006/main">
   <p:cSld>
     <p:spTree>
@@ -22206,7 +23120,7 @@
           <a:p>
             <a:fld id="{CB6718E4-7406-45F3-BB60-A335F7C1373F}" type="datetime1">
               <a:rPr lang="zh-CN" altLang="en-US" smtClean="0"/>
-              <a:t>2016/4/13</a:t>
+              <a:t>2016/4/14</a:t>
             </a:fld>
             <a:endParaRPr lang="zh-CN" altLang="en-US"/>
           </a:p>
@@ -22252,7 +23166,7 @@
           <a:p>
             <a:fld id="{ED34C3B6-DCD7-4A30-8693-C31ECCFCB39D}" type="slidenum">
               <a:rPr lang="zh-CN" altLang="en-US" smtClean="0"/>
-              <a:t>25</a:t>
+              <a:t>27</a:t>
             </a:fld>
             <a:endParaRPr lang="zh-CN" altLang="en-US"/>
           </a:p>
@@ -22282,38 +23196,52 @@
         </p:blipFill>
         <p:spPr>
           <a:xfrm>
-            <a:off x="1597231" y="1522618"/>
-            <a:ext cx="5805055" cy="2666205"/>
+            <a:off x="494096" y="1627120"/>
+            <a:ext cx="8194135" cy="3763486"/>
           </a:xfrm>
           <a:prstGeom prst="rect">
             <a:avLst/>
           </a:prstGeom>
         </p:spPr>
       </p:pic>
-      <p:pic>
-        <p:nvPicPr>
-          <p:cNvPr id="11" name="图片 10"/>
-          <p:cNvPicPr>
-            <a:picLocks noChangeAspect="1"/>
-          </p:cNvPicPr>
+      <p:sp>
+        <p:nvSpPr>
+          <p:cNvPr id="3" name="文本框 2"/>
+          <p:cNvSpPr txBox="1"/>
           <p:nvPr/>
-        </p:nvPicPr>
-        <p:blipFill>
-          <a:blip r:embed="rId3"/>
-          <a:stretch>
-            <a:fillRect/>
-          </a:stretch>
-        </p:blipFill>
+        </p:nvSpPr>
         <p:spPr>
           <a:xfrm>
-            <a:off x="1596542" y="4287927"/>
-            <a:ext cx="5805744" cy="1788931"/>
+            <a:off x="628650" y="5529943"/>
+            <a:ext cx="6912973" cy="369332"/>
           </a:xfrm>
           <a:prstGeom prst="rect">
             <a:avLst/>
           </a:prstGeom>
+          <a:noFill/>
         </p:spPr>
-      </p:pic>
+        <p:txBody>
+          <a:bodyPr wrap="square" rtlCol="0">
+            <a:spAutoFit/>
+          </a:bodyPr>
+          <a:lstStyle/>
+          <a:p>
+            <a:r>
+              <a:rPr lang="en-US" altLang="zh-CN" dirty="0" smtClean="0"/>
+              <a:t>Q. Chen, </a:t>
+            </a:r>
+            <a:r>
+              <a:rPr lang="en-US" altLang="zh-CN" i="1" dirty="0" smtClean="0"/>
+              <a:t>HOST 2011</a:t>
+            </a:r>
+            <a:r>
+              <a:rPr lang="en-US" altLang="zh-CN" dirty="0" smtClean="0"/>
+              <a:t>, pp 134-141</a:t>
+            </a:r>
+            <a:endParaRPr lang="zh-CN" altLang="en-US" dirty="0"/>
+          </a:p>
+        </p:txBody>
+      </p:sp>
     </p:spTree>
     <p:extLst>
       <p:ext uri="{BB962C8B-B14F-4D97-AF65-F5344CB8AC3E}">
@@ -22334,7 +23262,7 @@
 </p:sld>
 </file>
 
-<file path=ppt/slides/slide26.xml><?xml version="1.0" encoding="utf-8"?>
+<file path=ppt/slides/slide28.xml><?xml version="1.0" encoding="utf-8"?>
 <p:sld xmlns:a="http://schemas.openxmlformats.org/drawingml/2006/main" xmlns:r="http://schemas.openxmlformats.org/officeDocument/2006/relationships" xmlns:p="http://schemas.openxmlformats.org/presentationml/2006/main">
   <p:cSld>
     <p:spTree>
@@ -22720,7 +23648,7 @@
                 <a:ext cx="7886700" cy="2529439"/>
               </a:xfrm>
               <a:blipFill rotWithShape="0">
-                <a:blip r:embed="rId3"/>
+                <a:blip r:embed="rId2"/>
                 <a:stretch>
                   <a:fillRect l="-773" t="-3614"/>
                 </a:stretch>
@@ -22758,7 +23686,7 @@
           <a:p>
             <a:fld id="{CB6718E4-7406-45F3-BB60-A335F7C1373F}" type="datetime1">
               <a:rPr lang="zh-CN" altLang="en-US" smtClean="0"/>
-              <a:t>2016/4/13</a:t>
+              <a:t>2016/4/14</a:t>
             </a:fld>
             <a:endParaRPr lang="zh-CN" altLang="en-US"/>
           </a:p>
@@ -22804,7 +23732,7 @@
           <a:p>
             <a:fld id="{ED34C3B6-DCD7-4A30-8693-C31ECCFCB39D}" type="slidenum">
               <a:rPr lang="zh-CN" altLang="en-US" smtClean="0"/>
-              <a:t>26</a:t>
+              <a:t>28</a:t>
             </a:fld>
             <a:endParaRPr lang="zh-CN" altLang="en-US"/>
           </a:p>
@@ -22812,7 +23740,7 @@
       </p:sp>
       <p:pic>
         <p:nvPicPr>
-          <p:cNvPr id="8" name="图片 7"/>
+          <p:cNvPr id="9" name="图片 8"/>
           <p:cNvPicPr>
             <a:picLocks noChangeAspect="1"/>
           </p:cNvPicPr>
@@ -22826,7 +23754,7 @@
         </p:blipFill>
         <p:spPr>
           <a:xfrm>
-            <a:off x="1809098" y="1858592"/>
+            <a:off x="1587833" y="1633167"/>
             <a:ext cx="5805744" cy="1788931"/>
           </a:xfrm>
           <a:prstGeom prst="rect">
@@ -22854,7 +23782,7 @@
 </p:sld>
 </file>
 
-<file path=ppt/slides/slide27.xml><?xml version="1.0" encoding="utf-8"?>
+<file path=ppt/slides/slide29.xml><?xml version="1.0" encoding="utf-8"?>
 <p:sld xmlns:a="http://schemas.openxmlformats.org/drawingml/2006/main" xmlns:r="http://schemas.openxmlformats.org/officeDocument/2006/relationships" xmlns:p="http://schemas.openxmlformats.org/presentationml/2006/main">
   <p:cSld>
     <p:spTree>
@@ -22898,6 +23826,437 @@
           </a:p>
         </p:txBody>
       </p:sp>
+      <mc:AlternateContent xmlns:mc="http://schemas.openxmlformats.org/markup-compatibility/2006">
+        <mc:Choice xmlns:a14="http://schemas.microsoft.com/office/drawing/2010/main" Requires="a14">
+          <p:sp>
+            <p:nvSpPr>
+              <p:cNvPr id="3" name="内容占位符 2"/>
+              <p:cNvSpPr>
+                <a:spLocks noGrp="1"/>
+              </p:cNvSpPr>
+              <p:nvPr>
+                <p:ph idx="1"/>
+              </p:nvPr>
+            </p:nvSpPr>
+            <p:spPr>
+              <a:xfrm>
+                <a:off x="628650" y="3647523"/>
+                <a:ext cx="7886700" cy="2529439"/>
+              </a:xfrm>
+            </p:spPr>
+            <p:txBody>
+              <a:bodyPr>
+                <a:normAutofit fontScale="92500"/>
+              </a:bodyPr>
+              <a:lstStyle/>
+              <a:p>
+                <a:r>
+                  <a:rPr lang="en-US" altLang="zh-CN" dirty="0" smtClean="0"/>
+                  <a:t>NAND</a:t>
+                </a:r>
+                <a:r>
+                  <a:rPr lang="zh-CN" altLang="en-US" dirty="0" smtClean="0"/>
+                  <a:t>：上升沿</a:t>
+                </a:r>
+                <a:r>
+                  <a:rPr lang="en-US" altLang="zh-CN" dirty="0" smtClean="0"/>
+                  <a:t>--</a:t>
+                </a:r>
+                <a:r>
+                  <a:rPr lang="zh-CN" altLang="en-US" dirty="0" smtClean="0"/>
+                  <a:t>下降沿延迟</a:t>
+                </a:r>
+                <a14:m>
+                  <m:oMath xmlns:m="http://schemas.openxmlformats.org/officeDocument/2006/math">
+                    <m:r>
+                      <a:rPr lang="en-US" altLang="zh-CN" b="0" i="1" smtClean="0">
+                        <a:latin typeface="Cambria Math" panose="02040503050406030204" pitchFamily="18" charset="0"/>
+                      </a:rPr>
+                      <m:t>𝑡𝑟</m:t>
+                    </m:r>
+                  </m:oMath>
+                </a14:m>
+                <a:r>
+                  <a:rPr lang="zh-CN" altLang="en-US" dirty="0" smtClean="0"/>
+                  <a:t>，下降沿</a:t>
+                </a:r>
+                <a:r>
+                  <a:rPr lang="en-US" altLang="zh-CN" dirty="0" smtClean="0"/>
+                  <a:t>—</a:t>
+                </a:r>
+                <a:r>
+                  <a:rPr lang="zh-CN" altLang="en-US" dirty="0" smtClean="0"/>
+                  <a:t>上升沿延迟</a:t>
+                </a:r>
+                <a14:m>
+                  <m:oMath xmlns:m="http://schemas.openxmlformats.org/officeDocument/2006/math">
+                    <m:r>
+                      <a:rPr lang="en-US" altLang="zh-CN" i="1">
+                        <a:latin typeface="Cambria Math" panose="02040503050406030204" pitchFamily="18" charset="0"/>
+                      </a:rPr>
+                      <m:t>𝑡𝑓</m:t>
+                    </m:r>
+                  </m:oMath>
+                </a14:m>
+                <a:endParaRPr lang="en-US" altLang="zh-CN" dirty="0" smtClean="0"/>
+              </a:p>
+              <a:p>
+                <a:r>
+                  <a:rPr lang="en-US" altLang="zh-CN" dirty="0" smtClean="0"/>
+                  <a:t>W</a:t>
+                </a:r>
+                <a:r>
+                  <a:rPr lang="zh-CN" altLang="en-US" dirty="0" smtClean="0"/>
+                  <a:t>：周期信号占空比</a:t>
+                </a:r>
+                <a:endParaRPr lang="en-US" altLang="zh-CN" dirty="0" smtClean="0"/>
+              </a:p>
+              <a:p>
+                <a:pPr marL="0" indent="0">
+                  <a:lnSpc>
+                    <a:spcPct val="150000"/>
+                  </a:lnSpc>
+                  <a:buNone/>
+                </a:pPr>
+                <a14:m>
+                  <m:oMathPara xmlns:m="http://schemas.openxmlformats.org/officeDocument/2006/math">
+                    <m:oMathParaPr>
+                      <m:jc m:val="centerGroup"/>
+                    </m:oMathParaPr>
+                    <m:oMath xmlns:m="http://schemas.openxmlformats.org/officeDocument/2006/math">
+                      <m:sSub>
+                        <m:sSubPr>
+                          <m:ctrlPr>
+                            <a:rPr lang="zh-CN" altLang="zh-CN" i="1">
+                              <a:latin typeface="Cambria Math" panose="02040503050406030204" pitchFamily="18" charset="0"/>
+                            </a:rPr>
+                          </m:ctrlPr>
+                        </m:sSubPr>
+                        <m:e>
+                          <m:r>
+                            <a:rPr lang="en-US" altLang="zh-CN" i="1">
+                              <a:latin typeface="Cambria Math" panose="02040503050406030204" pitchFamily="18" charset="0"/>
+                            </a:rPr>
+                            <m:t>𝑊</m:t>
+                          </m:r>
+                        </m:e>
+                        <m:sub>
+                          <m:r>
+                            <a:rPr lang="en-US" altLang="zh-CN" i="1">
+                              <a:latin typeface="Cambria Math" panose="02040503050406030204" pitchFamily="18" charset="0"/>
+                            </a:rPr>
+                            <m:t>𝑖</m:t>
+                          </m:r>
+                          <m:r>
+                            <a:rPr lang="en-US" altLang="zh-CN" i="1">
+                              <a:latin typeface="Cambria Math" panose="02040503050406030204" pitchFamily="18" charset="0"/>
+                            </a:rPr>
+                            <m:t>+1</m:t>
+                          </m:r>
+                        </m:sub>
+                      </m:sSub>
+                      <m:r>
+                        <a:rPr lang="en-US" altLang="zh-CN" i="1">
+                          <a:latin typeface="Cambria Math" panose="02040503050406030204" pitchFamily="18" charset="0"/>
+                        </a:rPr>
+                        <m:t>=</m:t>
+                      </m:r>
+                      <m:sSub>
+                        <m:sSubPr>
+                          <m:ctrlPr>
+                            <a:rPr lang="zh-CN" altLang="zh-CN" i="1">
+                              <a:latin typeface="Cambria Math" panose="02040503050406030204" pitchFamily="18" charset="0"/>
+                            </a:rPr>
+                          </m:ctrlPr>
+                        </m:sSubPr>
+                        <m:e>
+                          <m:r>
+                            <a:rPr lang="en-US" altLang="zh-CN" i="1">
+                              <a:latin typeface="Cambria Math" panose="02040503050406030204" pitchFamily="18" charset="0"/>
+                            </a:rPr>
+                            <m:t>𝑊</m:t>
+                          </m:r>
+                        </m:e>
+                        <m:sub>
+                          <m:r>
+                            <a:rPr lang="en-US" altLang="zh-CN" i="1">
+                              <a:latin typeface="Cambria Math" panose="02040503050406030204" pitchFamily="18" charset="0"/>
+                            </a:rPr>
+                            <m:t>𝑖</m:t>
+                          </m:r>
+                        </m:sub>
+                      </m:sSub>
+                      <m:r>
+                        <a:rPr lang="en-US" altLang="zh-CN" i="1">
+                          <a:latin typeface="Cambria Math" panose="02040503050406030204" pitchFamily="18" charset="0"/>
+                        </a:rPr>
+                        <m:t>+</m:t>
+                      </m:r>
+                      <m:f>
+                        <m:fPr>
+                          <m:ctrlPr>
+                            <a:rPr lang="zh-CN" altLang="zh-CN" i="1">
+                              <a:latin typeface="Cambria Math" panose="02040503050406030204" pitchFamily="18" charset="0"/>
+                            </a:rPr>
+                          </m:ctrlPr>
+                        </m:fPr>
+                        <m:num>
+                          <m:r>
+                            <a:rPr lang="en-US" altLang="zh-CN" i="1">
+                              <a:latin typeface="Cambria Math" panose="02040503050406030204" pitchFamily="18" charset="0"/>
+                            </a:rPr>
+                            <m:t>𝑡</m:t>
+                          </m:r>
+                          <m:sSub>
+                            <m:sSubPr>
+                              <m:ctrlPr>
+                                <a:rPr lang="zh-CN" altLang="zh-CN" i="1">
+                                  <a:latin typeface="Cambria Math" panose="02040503050406030204" pitchFamily="18" charset="0"/>
+                                </a:rPr>
+                              </m:ctrlPr>
+                            </m:sSubPr>
+                            <m:e>
+                              <m:r>
+                                <a:rPr lang="en-US" altLang="zh-CN" i="1">
+                                  <a:latin typeface="Cambria Math" panose="02040503050406030204" pitchFamily="18" charset="0"/>
+                                </a:rPr>
+                                <m:t>𝑓</m:t>
+                              </m:r>
+                            </m:e>
+                            <m:sub>
+                              <m:r>
+                                <a:rPr lang="en-US" altLang="zh-CN" i="1">
+                                  <a:latin typeface="Cambria Math" panose="02040503050406030204" pitchFamily="18" charset="0"/>
+                                </a:rPr>
+                                <m:t>𝑖</m:t>
+                              </m:r>
+                            </m:sub>
+                          </m:sSub>
+                          <m:r>
+                            <a:rPr lang="en-US" altLang="zh-CN" i="1">
+                              <a:latin typeface="Cambria Math" panose="02040503050406030204" pitchFamily="18" charset="0"/>
+                            </a:rPr>
+                            <m:t>−</m:t>
+                          </m:r>
+                          <m:r>
+                            <a:rPr lang="en-US" altLang="zh-CN" i="1">
+                              <a:latin typeface="Cambria Math" panose="02040503050406030204" pitchFamily="18" charset="0"/>
+                            </a:rPr>
+                            <m:t>𝑡</m:t>
+                          </m:r>
+                          <m:sSub>
+                            <m:sSubPr>
+                              <m:ctrlPr>
+                                <a:rPr lang="zh-CN" altLang="zh-CN" i="1">
+                                  <a:latin typeface="Cambria Math" panose="02040503050406030204" pitchFamily="18" charset="0"/>
+                                </a:rPr>
+                              </m:ctrlPr>
+                            </m:sSubPr>
+                            <m:e>
+                              <m:r>
+                                <a:rPr lang="en-US" altLang="zh-CN" i="1">
+                                  <a:latin typeface="Cambria Math" panose="02040503050406030204" pitchFamily="18" charset="0"/>
+                                </a:rPr>
+                                <m:t>𝑟</m:t>
+                              </m:r>
+                            </m:e>
+                            <m:sub>
+                              <m:r>
+                                <a:rPr lang="en-US" altLang="zh-CN" i="1">
+                                  <a:latin typeface="Cambria Math" panose="02040503050406030204" pitchFamily="18" charset="0"/>
+                                </a:rPr>
+                                <m:t>𝑖</m:t>
+                              </m:r>
+                            </m:sub>
+                          </m:sSub>
+                        </m:num>
+                        <m:den>
+                          <m:r>
+                            <a:rPr lang="en-US" altLang="zh-CN" i="1">
+                              <a:latin typeface="Cambria Math" panose="02040503050406030204" pitchFamily="18" charset="0"/>
+                            </a:rPr>
+                            <m:t>𝑇</m:t>
+                          </m:r>
+                        </m:den>
+                      </m:f>
+                      <m:sSup>
+                        <m:sSupPr>
+                          <m:ctrlPr>
+                            <a:rPr lang="en-US" altLang="zh-CN" b="0" i="1" smtClean="0">
+                              <a:latin typeface="Cambria Math" panose="02040503050406030204" pitchFamily="18" charset="0"/>
+                            </a:rPr>
+                          </m:ctrlPr>
+                        </m:sSupPr>
+                        <m:e>
+                          <m:d>
+                            <m:dPr>
+                              <m:ctrlPr>
+                                <a:rPr lang="en-US" altLang="zh-CN" b="0" i="1" smtClean="0">
+                                  <a:latin typeface="Cambria Math" panose="02040503050406030204" pitchFamily="18" charset="0"/>
+                                </a:rPr>
+                              </m:ctrlPr>
+                            </m:dPr>
+                            <m:e>
+                              <m:r>
+                                <a:rPr lang="en-US" altLang="zh-CN" b="0" i="1" smtClean="0">
+                                  <a:latin typeface="Cambria Math" panose="02040503050406030204" pitchFamily="18" charset="0"/>
+                                </a:rPr>
+                                <m:t>−1</m:t>
+                              </m:r>
+                            </m:e>
+                          </m:d>
+                        </m:e>
+                        <m:sup>
+                          <m:r>
+                            <a:rPr lang="en-US" altLang="zh-CN" b="0" i="1" smtClean="0">
+                              <a:latin typeface="Cambria Math" panose="02040503050406030204" pitchFamily="18" charset="0"/>
+                            </a:rPr>
+                            <m:t>𝑖</m:t>
+                          </m:r>
+                        </m:sup>
+                      </m:sSup>
+                    </m:oMath>
+                  </m:oMathPara>
+                </a14:m>
+                <a:endParaRPr lang="en-US" altLang="zh-CN" dirty="0" smtClean="0"/>
+              </a:p>
+              <a:p>
+                <a:pPr marL="0" indent="0">
+                  <a:lnSpc>
+                    <a:spcPct val="150000"/>
+                  </a:lnSpc>
+                  <a:buNone/>
+                </a:pPr>
+                <a14:m>
+                  <m:oMathPara xmlns:m="http://schemas.openxmlformats.org/officeDocument/2006/math">
+                    <m:oMathParaPr>
+                      <m:jc m:val="centerGroup"/>
+                    </m:oMathParaPr>
+                    <m:oMath xmlns:m="http://schemas.openxmlformats.org/officeDocument/2006/math">
+                      <m:r>
+                        <a:rPr lang="en-US" altLang="zh-CN" b="0" i="1" smtClean="0">
+                          <a:latin typeface="Cambria Math" panose="02040503050406030204" pitchFamily="18" charset="0"/>
+                        </a:rPr>
+                        <m:t>𝑊</m:t>
+                      </m:r>
+                      <m:r>
+                        <a:rPr lang="en-US" altLang="zh-CN" b="0" i="1" smtClean="0">
+                          <a:latin typeface="Cambria Math" panose="02040503050406030204" pitchFamily="18" charset="0"/>
+                        </a:rPr>
+                        <m:t>∈[0,1]</m:t>
+                      </m:r>
+                    </m:oMath>
+                  </m:oMathPara>
+                </a14:m>
+                <a:endParaRPr lang="en-US" altLang="zh-CN" dirty="0" smtClean="0"/>
+              </a:p>
+              <a:p>
+                <a:pPr marL="0" indent="0">
+                  <a:lnSpc>
+                    <a:spcPct val="150000"/>
+                  </a:lnSpc>
+                  <a:buNone/>
+                </a:pPr>
+                <a14:m>
+                  <m:oMathPara xmlns:m="http://schemas.openxmlformats.org/officeDocument/2006/math">
+                    <m:oMathParaPr>
+                      <m:jc m:val="centerGroup"/>
+                    </m:oMathParaPr>
+                    <m:oMath xmlns:m="http://schemas.openxmlformats.org/officeDocument/2006/math">
+                      <m:r>
+                        <a:rPr lang="en-US" altLang="zh-CN" b="0" i="1" smtClean="0">
+                          <a:latin typeface="Cambria Math" panose="02040503050406030204" pitchFamily="18" charset="0"/>
+                        </a:rPr>
+                        <m:t>𝑊</m:t>
+                      </m:r>
+                      <m:r>
+                        <a:rPr lang="en-US" altLang="zh-CN" b="0" i="1" smtClean="0">
+                          <a:latin typeface="Cambria Math" panose="02040503050406030204" pitchFamily="18" charset="0"/>
+                        </a:rPr>
+                        <m:t>&gt;1→</m:t>
+                      </m:r>
+                      <m:r>
+                        <a:rPr lang="en-US" altLang="zh-CN" b="0" i="1" smtClean="0">
+                          <a:latin typeface="Cambria Math" panose="02040503050406030204" pitchFamily="18" charset="0"/>
+                        </a:rPr>
+                        <m:t>𝑅</m:t>
+                      </m:r>
+                      <m:r>
+                        <a:rPr lang="en-US" altLang="zh-CN" b="0" i="1" smtClean="0">
+                          <a:latin typeface="Cambria Math" panose="02040503050406030204" pitchFamily="18" charset="0"/>
+                        </a:rPr>
+                        <m:t>=1;</m:t>
+                      </m:r>
+                      <m:r>
+                        <a:rPr lang="en-US" altLang="zh-CN" b="0" i="1" smtClean="0">
+                          <a:latin typeface="Cambria Math" panose="02040503050406030204" pitchFamily="18" charset="0"/>
+                        </a:rPr>
+                        <m:t>𝑊</m:t>
+                      </m:r>
+                      <m:r>
+                        <a:rPr lang="en-US" altLang="zh-CN" b="0" i="1" smtClean="0">
+                          <a:latin typeface="Cambria Math" panose="02040503050406030204" pitchFamily="18" charset="0"/>
+                        </a:rPr>
+                        <m:t>&lt;0→</m:t>
+                      </m:r>
+                      <m:r>
+                        <a:rPr lang="en-US" altLang="zh-CN" b="0" i="1" smtClean="0">
+                          <a:latin typeface="Cambria Math" panose="02040503050406030204" pitchFamily="18" charset="0"/>
+                        </a:rPr>
+                        <m:t>𝑅</m:t>
+                      </m:r>
+                      <m:r>
+                        <a:rPr lang="en-US" altLang="zh-CN" b="0" i="1" smtClean="0">
+                          <a:latin typeface="Cambria Math" panose="02040503050406030204" pitchFamily="18" charset="0"/>
+                        </a:rPr>
+                        <m:t>=0</m:t>
+                      </m:r>
+                    </m:oMath>
+                  </m:oMathPara>
+                </a14:m>
+                <a:endParaRPr lang="zh-CN" altLang="en-US" dirty="0"/>
+              </a:p>
+            </p:txBody>
+          </p:sp>
+        </mc:Choice>
+        <mc:Fallback>
+          <p:sp>
+            <p:nvSpPr>
+              <p:cNvPr id="3" name="内容占位符 2"/>
+              <p:cNvSpPr>
+                <a:spLocks noGrp="1" noRot="1" noChangeAspect="1" noMove="1" noResize="1" noEditPoints="1" noAdjustHandles="1" noChangeArrowheads="1" noChangeShapeType="1" noTextEdit="1"/>
+              </p:cNvSpPr>
+              <p:nvPr>
+                <p:ph idx="1"/>
+              </p:nvPr>
+            </p:nvSpPr>
+            <p:spPr>
+              <a:xfrm>
+                <a:off x="628650" y="3647523"/>
+                <a:ext cx="7886700" cy="2529439"/>
+              </a:xfrm>
+              <a:blipFill rotWithShape="0">
+                <a:blip r:embed="rId2"/>
+                <a:stretch>
+                  <a:fillRect l="-541" t="-3133"/>
+                </a:stretch>
+              </a:blipFill>
+            </p:spPr>
+            <p:txBody>
+              <a:bodyPr/>
+              <a:lstStyle/>
+              <a:p>
+                <a:r>
+                  <a:rPr lang="zh-CN" altLang="en-US">
+                    <a:noFill/>
+                  </a:rPr>
+                  <a:t> </a:t>
+                </a:r>
+              </a:p>
+            </p:txBody>
+          </p:sp>
+        </mc:Fallback>
+      </mc:AlternateContent>
       <p:sp>
         <p:nvSpPr>
           <p:cNvPr id="4" name="日期占位符 3"/>
@@ -22915,7 +24274,7 @@
           <a:p>
             <a:fld id="{CB6718E4-7406-45F3-BB60-A335F7C1373F}" type="datetime1">
               <a:rPr lang="zh-CN" altLang="en-US" smtClean="0"/>
-              <a:t>2016/4/13</a:t>
+              <a:t>2016/4/14</a:t>
             </a:fld>
             <a:endParaRPr lang="zh-CN" altLang="en-US"/>
           </a:p>
@@ -22961,7 +24320,320 @@
           <a:p>
             <a:fld id="{ED34C3B6-DCD7-4A30-8693-C31ECCFCB39D}" type="slidenum">
               <a:rPr lang="zh-CN" altLang="en-US" smtClean="0"/>
-              <a:t>27</a:t>
+              <a:t>29</a:t>
+            </a:fld>
+            <a:endParaRPr lang="zh-CN" altLang="en-US"/>
+          </a:p>
+        </p:txBody>
+      </p:sp>
+      <p:pic>
+        <p:nvPicPr>
+          <p:cNvPr id="9" name="图片 8"/>
+          <p:cNvPicPr>
+            <a:picLocks noChangeAspect="1"/>
+          </p:cNvPicPr>
+          <p:nvPr/>
+        </p:nvPicPr>
+        <p:blipFill>
+          <a:blip r:embed="rId3"/>
+          <a:stretch>
+            <a:fillRect/>
+          </a:stretch>
+        </p:blipFill>
+        <p:spPr>
+          <a:xfrm>
+            <a:off x="1587833" y="1633167"/>
+            <a:ext cx="5805744" cy="1788931"/>
+          </a:xfrm>
+          <a:prstGeom prst="rect">
+            <a:avLst/>
+          </a:prstGeom>
+        </p:spPr>
+      </p:pic>
+    </p:spTree>
+    <p:extLst>
+      <p:ext uri="{BB962C8B-B14F-4D97-AF65-F5344CB8AC3E}">
+        <p14:creationId xmlns:p14="http://schemas.microsoft.com/office/powerpoint/2010/main" val="2768272920"/>
+      </p:ext>
+    </p:extLst>
+  </p:cSld>
+  <p:clrMapOvr>
+    <a:masterClrMapping/>
+  </p:clrMapOvr>
+  <p:timing>
+    <p:tnLst>
+      <p:par>
+        <p:cTn id="1" dur="indefinite" restart="never" nodeType="tmRoot"/>
+      </p:par>
+    </p:tnLst>
+  </p:timing>
+</p:sld>
+</file>
+
+<file path=ppt/slides/slide3.xml><?xml version="1.0" encoding="utf-8"?>
+<p:sld xmlns:a="http://schemas.openxmlformats.org/drawingml/2006/main" xmlns:r="http://schemas.openxmlformats.org/officeDocument/2006/relationships" xmlns:p="http://schemas.openxmlformats.org/presentationml/2006/main">
+  <p:cSld>
+    <p:spTree>
+      <p:nvGrpSpPr>
+        <p:cNvPr id="1" name=""/>
+        <p:cNvGrpSpPr/>
+        <p:nvPr/>
+      </p:nvGrpSpPr>
+      <p:grpSpPr>
+        <a:xfrm>
+          <a:off x="0" y="0"/>
+          <a:ext cx="0" cy="0"/>
+          <a:chOff x="0" y="0"/>
+          <a:chExt cx="0" cy="0"/>
+        </a:xfrm>
+      </p:grpSpPr>
+      <p:sp>
+        <p:nvSpPr>
+          <p:cNvPr id="2" name="标题 1"/>
+          <p:cNvSpPr>
+            <a:spLocks noGrp="1"/>
+          </p:cNvSpPr>
+          <p:nvPr>
+            <p:ph type="title"/>
+          </p:nvPr>
+        </p:nvSpPr>
+        <p:spPr/>
+        <p:txBody>
+          <a:bodyPr/>
+          <a:lstStyle/>
+          <a:p>
+            <a:r>
+              <a:rPr lang="zh-CN" altLang="en-US" dirty="0" smtClean="0"/>
+              <a:t>技术背景</a:t>
+            </a:r>
+            <a:endParaRPr lang="zh-CN" altLang="en-US" dirty="0"/>
+          </a:p>
+        </p:txBody>
+      </p:sp>
+      <p:sp>
+        <p:nvSpPr>
+          <p:cNvPr id="3" name="内容占位符 2"/>
+          <p:cNvSpPr>
+            <a:spLocks noGrp="1"/>
+          </p:cNvSpPr>
+          <p:nvPr>
+            <p:ph idx="1"/>
+          </p:nvPr>
+        </p:nvSpPr>
+        <p:spPr/>
+        <p:txBody>
+          <a:bodyPr/>
+          <a:lstStyle/>
+          <a:p>
+            <a:r>
+              <a:rPr lang="zh-CN" altLang="en-US" dirty="0" smtClean="0"/>
+              <a:t>从信息安全说起</a:t>
+            </a:r>
+            <a:r>
+              <a:rPr lang="en-US" altLang="zh-CN" dirty="0" smtClean="0"/>
+              <a:t>……</a:t>
+            </a:r>
+            <a:endParaRPr lang="zh-CN" altLang="en-US" dirty="0"/>
+          </a:p>
+        </p:txBody>
+      </p:sp>
+      <p:sp>
+        <p:nvSpPr>
+          <p:cNvPr id="4" name="日期占位符 3"/>
+          <p:cNvSpPr>
+            <a:spLocks noGrp="1"/>
+          </p:cNvSpPr>
+          <p:nvPr>
+            <p:ph type="dt" sz="half" idx="10"/>
+          </p:nvPr>
+        </p:nvSpPr>
+        <p:spPr/>
+        <p:txBody>
+          <a:bodyPr/>
+          <a:lstStyle/>
+          <a:p>
+            <a:fld id="{CB6718E4-7406-45F3-BB60-A335F7C1373F}" type="datetime1">
+              <a:rPr lang="zh-CN" altLang="en-US" smtClean="0"/>
+              <a:t>2016/4/14</a:t>
+            </a:fld>
+            <a:endParaRPr lang="zh-CN" altLang="en-US"/>
+          </a:p>
+        </p:txBody>
+      </p:sp>
+      <p:sp>
+        <p:nvSpPr>
+          <p:cNvPr id="5" name="页脚占位符 4"/>
+          <p:cNvSpPr>
+            <a:spLocks noGrp="1"/>
+          </p:cNvSpPr>
+          <p:nvPr>
+            <p:ph type="ftr" sz="quarter" idx="11"/>
+          </p:nvPr>
+        </p:nvSpPr>
+        <p:spPr/>
+        <p:txBody>
+          <a:bodyPr/>
+          <a:lstStyle/>
+          <a:p>
+            <a:r>
+              <a:rPr lang="zh-CN" altLang="en-US" dirty="0" smtClean="0"/>
+              <a:t>背景介绍</a:t>
+            </a:r>
+            <a:endParaRPr lang="zh-CN" altLang="en-US" dirty="0"/>
+          </a:p>
+        </p:txBody>
+      </p:sp>
+      <p:sp>
+        <p:nvSpPr>
+          <p:cNvPr id="6" name="灯片编号占位符 5"/>
+          <p:cNvSpPr>
+            <a:spLocks noGrp="1"/>
+          </p:cNvSpPr>
+          <p:nvPr>
+            <p:ph type="sldNum" sz="quarter" idx="12"/>
+          </p:nvPr>
+        </p:nvSpPr>
+        <p:spPr/>
+        <p:txBody>
+          <a:bodyPr/>
+          <a:lstStyle/>
+          <a:p>
+            <a:fld id="{ED34C3B6-DCD7-4A30-8693-C31ECCFCB39D}" type="slidenum">
+              <a:rPr lang="zh-CN" altLang="en-US" smtClean="0"/>
+              <a:t>3</a:t>
+            </a:fld>
+            <a:endParaRPr lang="zh-CN" altLang="en-US"/>
+          </a:p>
+        </p:txBody>
+      </p:sp>
+    </p:spTree>
+    <p:extLst>
+      <p:ext uri="{BB962C8B-B14F-4D97-AF65-F5344CB8AC3E}">
+        <p14:creationId xmlns:p14="http://schemas.microsoft.com/office/powerpoint/2010/main" val="3208375659"/>
+      </p:ext>
+    </p:extLst>
+  </p:cSld>
+  <p:clrMapOvr>
+    <a:masterClrMapping/>
+  </p:clrMapOvr>
+  <p:timing>
+    <p:tnLst>
+      <p:par>
+        <p:cTn id="1" dur="indefinite" restart="never" nodeType="tmRoot"/>
+      </p:par>
+    </p:tnLst>
+  </p:timing>
+</p:sld>
+</file>
+
+<file path=ppt/slides/slide30.xml><?xml version="1.0" encoding="utf-8"?>
+<p:sld xmlns:a="http://schemas.openxmlformats.org/drawingml/2006/main" xmlns:r="http://schemas.openxmlformats.org/officeDocument/2006/relationships" xmlns:p="http://schemas.openxmlformats.org/presentationml/2006/main">
+  <p:cSld>
+    <p:spTree>
+      <p:nvGrpSpPr>
+        <p:cNvPr id="1" name=""/>
+        <p:cNvGrpSpPr/>
+        <p:nvPr/>
+      </p:nvGrpSpPr>
+      <p:grpSpPr>
+        <a:xfrm>
+          <a:off x="0" y="0"/>
+          <a:ext cx="0" cy="0"/>
+          <a:chOff x="0" y="0"/>
+          <a:chExt cx="0" cy="0"/>
+        </a:xfrm>
+      </p:grpSpPr>
+      <p:sp>
+        <p:nvSpPr>
+          <p:cNvPr id="2" name="标题 1"/>
+          <p:cNvSpPr>
+            <a:spLocks noGrp="1"/>
+          </p:cNvSpPr>
+          <p:nvPr>
+            <p:ph type="title"/>
+          </p:nvPr>
+        </p:nvSpPr>
+        <p:spPr/>
+        <p:txBody>
+          <a:bodyPr/>
+          <a:lstStyle/>
+          <a:p>
+            <a:r>
+              <a:rPr lang="en-US" altLang="zh-CN" dirty="0" smtClean="0"/>
+              <a:t>BR-PUF</a:t>
+            </a:r>
+            <a:r>
+              <a:rPr lang="zh-CN" altLang="en-US" dirty="0" smtClean="0"/>
+              <a:t>建模</a:t>
+            </a:r>
+            <a:endParaRPr lang="zh-CN" altLang="en-US" dirty="0"/>
+          </a:p>
+        </p:txBody>
+      </p:sp>
+      <p:sp>
+        <p:nvSpPr>
+          <p:cNvPr id="4" name="日期占位符 3"/>
+          <p:cNvSpPr>
+            <a:spLocks noGrp="1"/>
+          </p:cNvSpPr>
+          <p:nvPr>
+            <p:ph type="dt" sz="half" idx="10"/>
+          </p:nvPr>
+        </p:nvSpPr>
+        <p:spPr/>
+        <p:txBody>
+          <a:bodyPr/>
+          <a:lstStyle/>
+          <a:p>
+            <a:fld id="{CB6718E4-7406-45F3-BB60-A335F7C1373F}" type="datetime1">
+              <a:rPr lang="zh-CN" altLang="en-US" smtClean="0"/>
+              <a:t>2016/4/14</a:t>
+            </a:fld>
+            <a:endParaRPr lang="zh-CN" altLang="en-US"/>
+          </a:p>
+        </p:txBody>
+      </p:sp>
+      <p:sp>
+        <p:nvSpPr>
+          <p:cNvPr id="5" name="页脚占位符 4"/>
+          <p:cNvSpPr>
+            <a:spLocks noGrp="1"/>
+          </p:cNvSpPr>
+          <p:nvPr>
+            <p:ph type="ftr" sz="quarter" idx="11"/>
+          </p:nvPr>
+        </p:nvSpPr>
+        <p:spPr/>
+        <p:txBody>
+          <a:bodyPr/>
+          <a:lstStyle/>
+          <a:p>
+            <a:r>
+              <a:rPr lang="zh-CN" altLang="en-US" smtClean="0"/>
+              <a:t>原理分析</a:t>
+            </a:r>
+            <a:endParaRPr lang="en-US" altLang="zh-CN" dirty="0" smtClean="0"/>
+          </a:p>
+        </p:txBody>
+      </p:sp>
+      <p:sp>
+        <p:nvSpPr>
+          <p:cNvPr id="6" name="灯片编号占位符 5"/>
+          <p:cNvSpPr>
+            <a:spLocks noGrp="1"/>
+          </p:cNvSpPr>
+          <p:nvPr>
+            <p:ph type="sldNum" sz="quarter" idx="12"/>
+          </p:nvPr>
+        </p:nvSpPr>
+        <p:spPr/>
+        <p:txBody>
+          <a:bodyPr/>
+          <a:lstStyle/>
+          <a:p>
+            <a:fld id="{ED34C3B6-DCD7-4A30-8693-C31ECCFCB39D}" type="slidenum">
+              <a:rPr lang="zh-CN" altLang="en-US" smtClean="0"/>
+              <a:t>30</a:t>
             </a:fld>
             <a:endParaRPr lang="zh-CN" altLang="en-US"/>
           </a:p>
@@ -23254,7 +24926,7 @@
 </p:sld>
 </file>
 
-<file path=ppt/slides/slide28.xml><?xml version="1.0" encoding="utf-8"?>
+<file path=ppt/slides/slide31.xml><?xml version="1.0" encoding="utf-8"?>
 <p:sld xmlns:a="http://schemas.openxmlformats.org/drawingml/2006/main" xmlns:r="http://schemas.openxmlformats.org/officeDocument/2006/relationships" xmlns:p="http://schemas.openxmlformats.org/presentationml/2006/main">
   <p:cSld>
     <p:spTree>
@@ -23961,7 +25633,7 @@
           <a:p>
             <a:fld id="{CB6718E4-7406-45F3-BB60-A335F7C1373F}" type="datetime1">
               <a:rPr lang="zh-CN" altLang="en-US" smtClean="0"/>
-              <a:t>2016/4/13</a:t>
+              <a:t>2016/4/14</a:t>
             </a:fld>
             <a:endParaRPr lang="zh-CN" altLang="en-US"/>
           </a:p>
@@ -24007,7 +25679,7 @@
           <a:p>
             <a:fld id="{ED34C3B6-DCD7-4A30-8693-C31ECCFCB39D}" type="slidenum">
               <a:rPr lang="zh-CN" altLang="en-US" smtClean="0"/>
-              <a:t>28</a:t>
+              <a:t>31</a:t>
             </a:fld>
             <a:endParaRPr lang="zh-CN" altLang="en-US"/>
           </a:p>
@@ -24253,7 +25925,7 @@
 </p:sld>
 </file>
 
-<file path=ppt/slides/slide29.xml><?xml version="1.0" encoding="utf-8"?>
+<file path=ppt/slides/slide32.xml><?xml version="1.0" encoding="utf-8"?>
 <p:sld xmlns:a="http://schemas.openxmlformats.org/drawingml/2006/main" xmlns:r="http://schemas.openxmlformats.org/officeDocument/2006/relationships" xmlns:p="http://schemas.openxmlformats.org/presentationml/2006/main">
   <p:cSld>
     <p:spTree>
@@ -24554,7 +26226,7 @@
           <a:p>
             <a:fld id="{CB6718E4-7406-45F3-BB60-A335F7C1373F}" type="datetime1">
               <a:rPr lang="zh-CN" altLang="en-US" smtClean="0"/>
-              <a:t>2016/4/13</a:t>
+              <a:t>2016/4/14</a:t>
             </a:fld>
             <a:endParaRPr lang="zh-CN" altLang="en-US"/>
           </a:p>
@@ -24600,7 +26272,7 @@
           <a:p>
             <a:fld id="{ED34C3B6-DCD7-4A30-8693-C31ECCFCB39D}" type="slidenum">
               <a:rPr lang="zh-CN" altLang="en-US" smtClean="0"/>
-              <a:t>29</a:t>
+              <a:t>32</a:t>
             </a:fld>
             <a:endParaRPr lang="zh-CN" altLang="en-US"/>
           </a:p>
@@ -24626,163 +26298,7 @@
 </p:sld>
 </file>
 
-<file path=ppt/slides/slide3.xml><?xml version="1.0" encoding="utf-8"?>
-<p:sld xmlns:a="http://schemas.openxmlformats.org/drawingml/2006/main" xmlns:r="http://schemas.openxmlformats.org/officeDocument/2006/relationships" xmlns:p="http://schemas.openxmlformats.org/presentationml/2006/main">
-  <p:cSld>
-    <p:spTree>
-      <p:nvGrpSpPr>
-        <p:cNvPr id="1" name=""/>
-        <p:cNvGrpSpPr/>
-        <p:nvPr/>
-      </p:nvGrpSpPr>
-      <p:grpSpPr>
-        <a:xfrm>
-          <a:off x="0" y="0"/>
-          <a:ext cx="0" cy="0"/>
-          <a:chOff x="0" y="0"/>
-          <a:chExt cx="0" cy="0"/>
-        </a:xfrm>
-      </p:grpSpPr>
-      <p:sp>
-        <p:nvSpPr>
-          <p:cNvPr id="2" name="标题 1"/>
-          <p:cNvSpPr>
-            <a:spLocks noGrp="1"/>
-          </p:cNvSpPr>
-          <p:nvPr>
-            <p:ph type="title"/>
-          </p:nvPr>
-        </p:nvSpPr>
-        <p:spPr/>
-        <p:txBody>
-          <a:bodyPr/>
-          <a:lstStyle/>
-          <a:p>
-            <a:r>
-              <a:rPr lang="zh-CN" altLang="en-US" dirty="0" smtClean="0"/>
-              <a:t>技术背景</a:t>
-            </a:r>
-            <a:endParaRPr lang="zh-CN" altLang="en-US" dirty="0"/>
-          </a:p>
-        </p:txBody>
-      </p:sp>
-      <p:sp>
-        <p:nvSpPr>
-          <p:cNvPr id="3" name="内容占位符 2"/>
-          <p:cNvSpPr>
-            <a:spLocks noGrp="1"/>
-          </p:cNvSpPr>
-          <p:nvPr>
-            <p:ph idx="1"/>
-          </p:nvPr>
-        </p:nvSpPr>
-        <p:spPr/>
-        <p:txBody>
-          <a:bodyPr/>
-          <a:lstStyle/>
-          <a:p>
-            <a:r>
-              <a:rPr lang="zh-CN" altLang="en-US" dirty="0" smtClean="0"/>
-              <a:t>从信息安全说起</a:t>
-            </a:r>
-            <a:r>
-              <a:rPr lang="en-US" altLang="zh-CN" dirty="0" smtClean="0"/>
-              <a:t>……</a:t>
-            </a:r>
-            <a:endParaRPr lang="zh-CN" altLang="en-US" dirty="0"/>
-          </a:p>
-        </p:txBody>
-      </p:sp>
-      <p:sp>
-        <p:nvSpPr>
-          <p:cNvPr id="4" name="日期占位符 3"/>
-          <p:cNvSpPr>
-            <a:spLocks noGrp="1"/>
-          </p:cNvSpPr>
-          <p:nvPr>
-            <p:ph type="dt" sz="half" idx="10"/>
-          </p:nvPr>
-        </p:nvSpPr>
-        <p:spPr/>
-        <p:txBody>
-          <a:bodyPr/>
-          <a:lstStyle/>
-          <a:p>
-            <a:fld id="{CB6718E4-7406-45F3-BB60-A335F7C1373F}" type="datetime1">
-              <a:rPr lang="zh-CN" altLang="en-US" smtClean="0"/>
-              <a:t>2016/4/13</a:t>
-            </a:fld>
-            <a:endParaRPr lang="zh-CN" altLang="en-US"/>
-          </a:p>
-        </p:txBody>
-      </p:sp>
-      <p:sp>
-        <p:nvSpPr>
-          <p:cNvPr id="5" name="页脚占位符 4"/>
-          <p:cNvSpPr>
-            <a:spLocks noGrp="1"/>
-          </p:cNvSpPr>
-          <p:nvPr>
-            <p:ph type="ftr" sz="quarter" idx="11"/>
-          </p:nvPr>
-        </p:nvSpPr>
-        <p:spPr/>
-        <p:txBody>
-          <a:bodyPr/>
-          <a:lstStyle/>
-          <a:p>
-            <a:r>
-              <a:rPr lang="zh-CN" altLang="en-US" dirty="0" smtClean="0"/>
-              <a:t>背景介绍</a:t>
-            </a:r>
-            <a:endParaRPr lang="zh-CN" altLang="en-US" dirty="0"/>
-          </a:p>
-        </p:txBody>
-      </p:sp>
-      <p:sp>
-        <p:nvSpPr>
-          <p:cNvPr id="6" name="灯片编号占位符 5"/>
-          <p:cNvSpPr>
-            <a:spLocks noGrp="1"/>
-          </p:cNvSpPr>
-          <p:nvPr>
-            <p:ph type="sldNum" sz="quarter" idx="12"/>
-          </p:nvPr>
-        </p:nvSpPr>
-        <p:spPr/>
-        <p:txBody>
-          <a:bodyPr/>
-          <a:lstStyle/>
-          <a:p>
-            <a:fld id="{ED34C3B6-DCD7-4A30-8693-C31ECCFCB39D}" type="slidenum">
-              <a:rPr lang="zh-CN" altLang="en-US" smtClean="0"/>
-              <a:t>3</a:t>
-            </a:fld>
-            <a:endParaRPr lang="zh-CN" altLang="en-US"/>
-          </a:p>
-        </p:txBody>
-      </p:sp>
-    </p:spTree>
-    <p:extLst>
-      <p:ext uri="{BB962C8B-B14F-4D97-AF65-F5344CB8AC3E}">
-        <p14:creationId xmlns:p14="http://schemas.microsoft.com/office/powerpoint/2010/main" val="3208375659"/>
-      </p:ext>
-    </p:extLst>
-  </p:cSld>
-  <p:clrMapOvr>
-    <a:masterClrMapping/>
-  </p:clrMapOvr>
-  <p:timing>
-    <p:tnLst>
-      <p:par>
-        <p:cTn id="1" dur="indefinite" restart="never" nodeType="tmRoot"/>
-      </p:par>
-    </p:tnLst>
-  </p:timing>
-</p:sld>
-</file>
-
-<file path=ppt/slides/slide30.xml><?xml version="1.0" encoding="utf-8"?>
+<file path=ppt/slides/slide33.xml><?xml version="1.0" encoding="utf-8"?>
 <p:sld xmlns:a="http://schemas.openxmlformats.org/drawingml/2006/main" xmlns:r="http://schemas.openxmlformats.org/officeDocument/2006/relationships" xmlns:p="http://schemas.openxmlformats.org/presentationml/2006/main">
   <p:cSld>
     <p:spTree>
@@ -25083,7 +26599,7 @@
           <a:p>
             <a:fld id="{CB6718E4-7406-45F3-BB60-A335F7C1373F}" type="datetime1">
               <a:rPr lang="zh-CN" altLang="en-US" smtClean="0"/>
-              <a:t>2016/4/13</a:t>
+              <a:t>2016/4/14</a:t>
             </a:fld>
             <a:endParaRPr lang="zh-CN" altLang="en-US"/>
           </a:p>
@@ -25129,7 +26645,7 @@
           <a:p>
             <a:fld id="{ED34C3B6-DCD7-4A30-8693-C31ECCFCB39D}" type="slidenum">
               <a:rPr lang="zh-CN" altLang="en-US" smtClean="0"/>
-              <a:t>30</a:t>
+              <a:t>33</a:t>
             </a:fld>
             <a:endParaRPr lang="zh-CN" altLang="en-US"/>
           </a:p>
@@ -25215,7 +26731,7 @@
 </p:sld>
 </file>
 
-<file path=ppt/slides/slide31.xml><?xml version="1.0" encoding="utf-8"?>
+<file path=ppt/slides/slide34.xml><?xml version="1.0" encoding="utf-8"?>
 <p:sld xmlns:a="http://schemas.openxmlformats.org/drawingml/2006/main" xmlns:r="http://schemas.openxmlformats.org/officeDocument/2006/relationships" xmlns:p="http://schemas.openxmlformats.org/presentationml/2006/main">
   <p:cSld>
     <p:spTree>
@@ -25250,7 +26766,7 @@
             <a:fld id="{CB6718E4-7406-45F3-BB60-A335F7C1373F}" type="datetime1">
               <a:rPr lang="zh-CN" altLang="en-US" smtClean="0"/>
               <a:pPr/>
-              <a:t>2016/4/13</a:t>
+              <a:t>2016/4/14</a:t>
             </a:fld>
             <a:endParaRPr lang="zh-CN" altLang="en-US"/>
           </a:p>
@@ -25297,7 +26813,7 @@
             <a:fld id="{ED34C3B6-DCD7-4A30-8693-C31ECCFCB39D}" type="slidenum">
               <a:rPr lang="zh-CN" altLang="en-US" smtClean="0"/>
               <a:pPr/>
-              <a:t>31</a:t>
+              <a:t>34</a:t>
             </a:fld>
             <a:endParaRPr lang="zh-CN" altLang="en-US"/>
           </a:p>
@@ -25323,6 +26839,53 @@
               <a:t>新结构介绍</a:t>
             </a:r>
             <a:endParaRPr lang="zh-CN" altLang="en-US" dirty="0"/>
+          </a:p>
+        </p:txBody>
+      </p:sp>
+      <p:sp>
+        <p:nvSpPr>
+          <p:cNvPr id="7" name="矩形 6"/>
+          <p:cNvSpPr/>
+          <p:nvPr/>
+        </p:nvSpPr>
+        <p:spPr>
+          <a:xfrm>
+            <a:off x="4572000" y="1787017"/>
+            <a:ext cx="1996440" cy="1748663"/>
+          </a:xfrm>
+          <a:prstGeom prst="rect">
+            <a:avLst/>
+          </a:prstGeom>
+          <a:noFill/>
+          <a:ln w="28575">
+            <a:solidFill>
+              <a:srgbClr val="C00000"/>
+            </a:solidFill>
+            <a:prstDash val="solid"/>
+          </a:ln>
+        </p:spPr>
+        <p:style>
+          <a:lnRef idx="2">
+            <a:schemeClr val="accent1">
+              <a:shade val="50000"/>
+            </a:schemeClr>
+          </a:lnRef>
+          <a:fillRef idx="1">
+            <a:schemeClr val="accent1"/>
+          </a:fillRef>
+          <a:effectRef idx="0">
+            <a:schemeClr val="accent1"/>
+          </a:effectRef>
+          <a:fontRef idx="minor">
+            <a:schemeClr val="lt1"/>
+          </a:fontRef>
+        </p:style>
+        <p:txBody>
+          <a:bodyPr rtlCol="0" anchor="ctr"/>
+          <a:lstStyle/>
+          <a:p>
+            <a:pPr algn="ctr"/>
+            <a:endParaRPr lang="zh-CN" altLang="en-US"/>
           </a:p>
         </p:txBody>
       </p:sp>
@@ -25346,7 +26909,7 @@
 </p:sld>
 </file>
 
-<file path=ppt/slides/slide32.xml><?xml version="1.0" encoding="utf-8"?>
+<file path=ppt/slides/slide35.xml><?xml version="1.0" encoding="utf-8"?>
 <p:sld xmlns:a="http://schemas.openxmlformats.org/drawingml/2006/main" xmlns:r="http://schemas.openxmlformats.org/officeDocument/2006/relationships" xmlns:p="http://schemas.openxmlformats.org/presentationml/2006/main">
   <p:cSld>
     <p:spTree>
@@ -25619,7 +27182,7 @@
           <a:p>
             <a:fld id="{CB6718E4-7406-45F3-BB60-A335F7C1373F}" type="datetime1">
               <a:rPr lang="zh-CN" altLang="en-US" smtClean="0"/>
-              <a:t>2016/4/13</a:t>
+              <a:t>2016/4/14</a:t>
             </a:fld>
             <a:endParaRPr lang="zh-CN" altLang="en-US"/>
           </a:p>
@@ -25669,7 +27232,7 @@
           <a:p>
             <a:fld id="{ED34C3B6-DCD7-4A30-8693-C31ECCFCB39D}" type="slidenum">
               <a:rPr lang="zh-CN" altLang="en-US" smtClean="0"/>
-              <a:t>32</a:t>
+              <a:t>35</a:t>
             </a:fld>
             <a:endParaRPr lang="zh-CN" altLang="en-US"/>
           </a:p>
@@ -25695,7 +27258,7 @@
 </p:sld>
 </file>
 
-<file path=ppt/slides/slide33.xml><?xml version="1.0" encoding="utf-8"?>
+<file path=ppt/slides/slide36.xml><?xml version="1.0" encoding="utf-8"?>
 <p:sld xmlns:a="http://schemas.openxmlformats.org/drawingml/2006/main" xmlns:r="http://schemas.openxmlformats.org/officeDocument/2006/relationships" xmlns:p="http://schemas.openxmlformats.org/presentationml/2006/main">
   <p:cSld>
     <p:spTree>
@@ -25752,11 +27315,7 @@
           <a:p>
             <a:r>
               <a:rPr lang="zh-CN" altLang="en-US" dirty="0" smtClean="0"/>
-              <a:t>交换器实现</a:t>
-            </a:r>
-            <a:r>
-              <a:rPr lang="zh-CN" altLang="en-US" dirty="0" smtClean="0"/>
-              <a:t>细节</a:t>
+              <a:t>交换器实现细节</a:t>
             </a:r>
             <a:endParaRPr lang="en-US" altLang="zh-CN" dirty="0" smtClean="0"/>
           </a:p>
@@ -25779,7 +27338,7 @@
           <a:p>
             <a:fld id="{CB6718E4-7406-45F3-BB60-A335F7C1373F}" type="datetime1">
               <a:rPr lang="zh-CN" altLang="en-US" smtClean="0"/>
-              <a:t>2016/4/13</a:t>
+              <a:t>2016/4/14</a:t>
             </a:fld>
             <a:endParaRPr lang="zh-CN" altLang="en-US"/>
           </a:p>
@@ -25829,7 +27388,7 @@
           <a:p>
             <a:fld id="{ED34C3B6-DCD7-4A30-8693-C31ECCFCB39D}" type="slidenum">
               <a:rPr lang="zh-CN" altLang="en-US" smtClean="0"/>
-              <a:t>33</a:t>
+              <a:t>36</a:t>
             </a:fld>
             <a:endParaRPr lang="zh-CN" altLang="en-US"/>
           </a:p>
@@ -25879,7 +27438,7 @@
 </p:sld>
 </file>
 
-<file path=ppt/slides/slide34.xml><?xml version="1.0" encoding="utf-8"?>
+<file path=ppt/slides/slide37.xml><?xml version="1.0" encoding="utf-8"?>
 <p:sld xmlns:a="http://schemas.openxmlformats.org/drawingml/2006/main" xmlns:r="http://schemas.openxmlformats.org/officeDocument/2006/relationships" xmlns:p="http://schemas.openxmlformats.org/presentationml/2006/main">
   <p:cSld>
     <p:spTree>
@@ -25983,7 +27542,7 @@
           <a:p>
             <a:fld id="{CB6718E4-7406-45F3-BB60-A335F7C1373F}" type="datetime1">
               <a:rPr lang="zh-CN" altLang="en-US" smtClean="0"/>
-              <a:t>2016/4/13</a:t>
+              <a:t>2016/4/14</a:t>
             </a:fld>
             <a:endParaRPr lang="zh-CN" altLang="en-US"/>
           </a:p>
@@ -26033,7 +27592,7 @@
           <a:p>
             <a:fld id="{ED34C3B6-DCD7-4A30-8693-C31ECCFCB39D}" type="slidenum">
               <a:rPr lang="zh-CN" altLang="en-US" smtClean="0"/>
-              <a:t>34</a:t>
+              <a:t>37</a:t>
             </a:fld>
             <a:endParaRPr lang="zh-CN" altLang="en-US"/>
           </a:p>
@@ -26083,7 +27642,7 @@
 </p:sld>
 </file>
 
-<file path=ppt/slides/slide35.xml><?xml version="1.0" encoding="utf-8"?>
+<file path=ppt/slides/slide38.xml><?xml version="1.0" encoding="utf-8"?>
 <p:sld xmlns:a="http://schemas.openxmlformats.org/drawingml/2006/main" xmlns:r="http://schemas.openxmlformats.org/officeDocument/2006/relationships" xmlns:p="http://schemas.openxmlformats.org/presentationml/2006/main">
   <p:cSld>
     <p:spTree>
@@ -26299,7 +27858,7 @@
           <a:p>
             <a:fld id="{CB6718E4-7406-45F3-BB60-A335F7C1373F}" type="datetime1">
               <a:rPr lang="zh-CN" altLang="en-US" smtClean="0"/>
-              <a:t>2016/4/13</a:t>
+              <a:t>2016/4/14</a:t>
             </a:fld>
             <a:endParaRPr lang="zh-CN" altLang="en-US"/>
           </a:p>
@@ -26349,7 +27908,7 @@
           <a:p>
             <a:fld id="{ED34C3B6-DCD7-4A30-8693-C31ECCFCB39D}" type="slidenum">
               <a:rPr lang="zh-CN" altLang="en-US" smtClean="0"/>
-              <a:t>35</a:t>
+              <a:t>38</a:t>
             </a:fld>
             <a:endParaRPr lang="zh-CN" altLang="en-US"/>
           </a:p>
@@ -26399,7 +27958,7 @@
 </p:sld>
 </file>
 
-<file path=ppt/slides/slide36.xml><?xml version="1.0" encoding="utf-8"?>
+<file path=ppt/slides/slide39.xml><?xml version="1.0" encoding="utf-8"?>
 <p:sld xmlns:a="http://schemas.openxmlformats.org/drawingml/2006/main" xmlns:r="http://schemas.openxmlformats.org/officeDocument/2006/relationships" xmlns:p="http://schemas.openxmlformats.org/presentationml/2006/main">
   <p:cSld>
     <p:spTree>
@@ -26615,7 +28174,7 @@
           <a:p>
             <a:fld id="{CB6718E4-7406-45F3-BB60-A335F7C1373F}" type="datetime1">
               <a:rPr lang="zh-CN" altLang="en-US" smtClean="0"/>
-              <a:t>2016/4/13</a:t>
+              <a:t>2016/4/14</a:t>
             </a:fld>
             <a:endParaRPr lang="zh-CN" altLang="en-US"/>
           </a:p>
@@ -26665,7 +28224,7 @@
           <a:p>
             <a:fld id="{ED34C3B6-DCD7-4A30-8693-C31ECCFCB39D}" type="slidenum">
               <a:rPr lang="zh-CN" altLang="en-US" smtClean="0"/>
-              <a:t>36</a:t>
+              <a:t>39</a:t>
             </a:fld>
             <a:endParaRPr lang="zh-CN" altLang="en-US"/>
           </a:p>
@@ -26842,7 +28401,276 @@
 </p:sld>
 </file>
 
-<file path=ppt/slides/slide37.xml><?xml version="1.0" encoding="utf-8"?>
+<file path=ppt/slides/slide4.xml><?xml version="1.0" encoding="utf-8"?>
+<p:sld xmlns:a="http://schemas.openxmlformats.org/drawingml/2006/main" xmlns:r="http://schemas.openxmlformats.org/officeDocument/2006/relationships" xmlns:p="http://schemas.openxmlformats.org/presentationml/2006/main">
+  <p:cSld>
+    <p:spTree>
+      <p:nvGrpSpPr>
+        <p:cNvPr id="1" name=""/>
+        <p:cNvGrpSpPr/>
+        <p:nvPr/>
+      </p:nvGrpSpPr>
+      <p:grpSpPr>
+        <a:xfrm>
+          <a:off x="0" y="0"/>
+          <a:ext cx="0" cy="0"/>
+          <a:chOff x="0" y="0"/>
+          <a:chExt cx="0" cy="0"/>
+        </a:xfrm>
+      </p:grpSpPr>
+      <p:sp>
+        <p:nvSpPr>
+          <p:cNvPr id="2" name="标题 1"/>
+          <p:cNvSpPr>
+            <a:spLocks noGrp="1"/>
+          </p:cNvSpPr>
+          <p:nvPr>
+            <p:ph type="title"/>
+          </p:nvPr>
+        </p:nvSpPr>
+        <p:spPr/>
+        <p:txBody>
+          <a:bodyPr/>
+          <a:lstStyle/>
+          <a:p>
+            <a:r>
+              <a:rPr lang="zh-CN" altLang="en-US" dirty="0" smtClean="0"/>
+              <a:t>技术背景</a:t>
+            </a:r>
+            <a:endParaRPr lang="zh-CN" altLang="en-US" dirty="0"/>
+          </a:p>
+        </p:txBody>
+      </p:sp>
+      <p:sp>
+        <p:nvSpPr>
+          <p:cNvPr id="3" name="内容占位符 2"/>
+          <p:cNvSpPr>
+            <a:spLocks noGrp="1"/>
+          </p:cNvSpPr>
+          <p:nvPr>
+            <p:ph idx="1"/>
+          </p:nvPr>
+        </p:nvSpPr>
+        <p:spPr/>
+        <p:txBody>
+          <a:bodyPr/>
+          <a:lstStyle/>
+          <a:p>
+            <a:r>
+              <a:rPr lang="zh-CN" altLang="en-US" dirty="0" smtClean="0"/>
+              <a:t>从信息安全说起</a:t>
+            </a:r>
+            <a:r>
+              <a:rPr lang="en-US" altLang="zh-CN" dirty="0" smtClean="0"/>
+              <a:t>……</a:t>
+            </a:r>
+            <a:endParaRPr lang="zh-CN" altLang="en-US" dirty="0"/>
+          </a:p>
+        </p:txBody>
+      </p:sp>
+      <p:sp>
+        <p:nvSpPr>
+          <p:cNvPr id="4" name="日期占位符 3"/>
+          <p:cNvSpPr>
+            <a:spLocks noGrp="1"/>
+          </p:cNvSpPr>
+          <p:nvPr>
+            <p:ph type="dt" sz="half" idx="10"/>
+          </p:nvPr>
+        </p:nvSpPr>
+        <p:spPr/>
+        <p:txBody>
+          <a:bodyPr/>
+          <a:lstStyle/>
+          <a:p>
+            <a:fld id="{CB6718E4-7406-45F3-BB60-A335F7C1373F}" type="datetime1">
+              <a:rPr lang="zh-CN" altLang="en-US" smtClean="0"/>
+              <a:t>2016/4/14</a:t>
+            </a:fld>
+            <a:endParaRPr lang="zh-CN" altLang="en-US"/>
+          </a:p>
+        </p:txBody>
+      </p:sp>
+      <p:sp>
+        <p:nvSpPr>
+          <p:cNvPr id="5" name="页脚占位符 4"/>
+          <p:cNvSpPr>
+            <a:spLocks noGrp="1"/>
+          </p:cNvSpPr>
+          <p:nvPr>
+            <p:ph type="ftr" sz="quarter" idx="11"/>
+          </p:nvPr>
+        </p:nvSpPr>
+        <p:spPr/>
+        <p:txBody>
+          <a:bodyPr/>
+          <a:lstStyle/>
+          <a:p>
+            <a:r>
+              <a:rPr lang="zh-CN" altLang="en-US" dirty="0" smtClean="0"/>
+              <a:t>背景介绍</a:t>
+            </a:r>
+            <a:endParaRPr lang="zh-CN" altLang="en-US" dirty="0"/>
+          </a:p>
+        </p:txBody>
+      </p:sp>
+      <p:sp>
+        <p:nvSpPr>
+          <p:cNvPr id="6" name="灯片编号占位符 5"/>
+          <p:cNvSpPr>
+            <a:spLocks noGrp="1"/>
+          </p:cNvSpPr>
+          <p:nvPr>
+            <p:ph type="sldNum" sz="quarter" idx="12"/>
+          </p:nvPr>
+        </p:nvSpPr>
+        <p:spPr/>
+        <p:txBody>
+          <a:bodyPr/>
+          <a:lstStyle/>
+          <a:p>
+            <a:fld id="{ED34C3B6-DCD7-4A30-8693-C31ECCFCB39D}" type="slidenum">
+              <a:rPr lang="zh-CN" altLang="en-US" smtClean="0"/>
+              <a:t>4</a:t>
+            </a:fld>
+            <a:endParaRPr lang="zh-CN" altLang="en-US"/>
+          </a:p>
+        </p:txBody>
+      </p:sp>
+      <p:pic>
+        <p:nvPicPr>
+          <p:cNvPr id="7" name="图片 6"/>
+          <p:cNvPicPr>
+            <a:picLocks noChangeAspect="1"/>
+          </p:cNvPicPr>
+          <p:nvPr/>
+        </p:nvPicPr>
+        <p:blipFill>
+          <a:blip r:embed="rId3">
+            <a:extLst>
+              <a:ext uri="{28A0092B-C50C-407E-A947-70E740481C1C}">
+                <a14:useLocalDpi xmlns:a14="http://schemas.microsoft.com/office/drawing/2010/main" val="0"/>
+              </a:ext>
+            </a:extLst>
+          </a:blip>
+          <a:stretch>
+            <a:fillRect/>
+          </a:stretch>
+        </p:blipFill>
+        <p:spPr>
+          <a:xfrm>
+            <a:off x="6457950" y="2345977"/>
+            <a:ext cx="1536601" cy="1656000"/>
+          </a:xfrm>
+          <a:prstGeom prst="rect">
+            <a:avLst/>
+          </a:prstGeom>
+        </p:spPr>
+      </p:pic>
+      <p:pic>
+        <p:nvPicPr>
+          <p:cNvPr id="8" name="图片 7"/>
+          <p:cNvPicPr>
+            <a:picLocks noChangeAspect="1"/>
+          </p:cNvPicPr>
+          <p:nvPr/>
+        </p:nvPicPr>
+        <p:blipFill>
+          <a:blip r:embed="rId4" cstate="print">
+            <a:extLst>
+              <a:ext uri="{28A0092B-C50C-407E-A947-70E740481C1C}">
+                <a14:useLocalDpi xmlns:a14="http://schemas.microsoft.com/office/drawing/2010/main" val="0"/>
+              </a:ext>
+            </a:extLst>
+          </a:blip>
+          <a:stretch>
+            <a:fillRect/>
+          </a:stretch>
+        </p:blipFill>
+        <p:spPr>
+          <a:xfrm>
+            <a:off x="1084471" y="2266235"/>
+            <a:ext cx="1815484" cy="1815484"/>
+          </a:xfrm>
+          <a:prstGeom prst="rect">
+            <a:avLst/>
+          </a:prstGeom>
+        </p:spPr>
+      </p:pic>
+      <p:sp>
+        <p:nvSpPr>
+          <p:cNvPr id="11" name="右箭头 10"/>
+          <p:cNvSpPr/>
+          <p:nvPr/>
+        </p:nvSpPr>
+        <p:spPr>
+          <a:xfrm>
+            <a:off x="2899955" y="3030286"/>
+            <a:ext cx="3466011" cy="287383"/>
+          </a:xfrm>
+          <a:prstGeom prst="rightArrow">
+            <a:avLst>
+              <a:gd name="adj1" fmla="val 50000"/>
+              <a:gd name="adj2" fmla="val 165151"/>
+            </a:avLst>
+          </a:prstGeom>
+          <a:solidFill>
+            <a:srgbClr val="C00000"/>
+          </a:solidFill>
+          <a:ln>
+            <a:solidFill>
+              <a:schemeClr val="bg1">
+                <a:lumMod val="75000"/>
+              </a:schemeClr>
+            </a:solidFill>
+          </a:ln>
+        </p:spPr>
+        <p:style>
+          <a:lnRef idx="2">
+            <a:schemeClr val="accent1">
+              <a:shade val="50000"/>
+            </a:schemeClr>
+          </a:lnRef>
+          <a:fillRef idx="1">
+            <a:schemeClr val="accent1"/>
+          </a:fillRef>
+          <a:effectRef idx="0">
+            <a:schemeClr val="accent1"/>
+          </a:effectRef>
+          <a:fontRef idx="minor">
+            <a:schemeClr val="lt1"/>
+          </a:fontRef>
+        </p:style>
+        <p:txBody>
+          <a:bodyPr rtlCol="0" anchor="ctr"/>
+          <a:lstStyle/>
+          <a:p>
+            <a:pPr algn="ctr"/>
+            <a:endParaRPr lang="zh-CN" altLang="en-US"/>
+          </a:p>
+        </p:txBody>
+      </p:sp>
+    </p:spTree>
+    <p:extLst>
+      <p:ext uri="{BB962C8B-B14F-4D97-AF65-F5344CB8AC3E}">
+        <p14:creationId xmlns:p14="http://schemas.microsoft.com/office/powerpoint/2010/main" val="3905346817"/>
+      </p:ext>
+    </p:extLst>
+  </p:cSld>
+  <p:clrMapOvr>
+    <a:masterClrMapping/>
+  </p:clrMapOvr>
+  <p:timing>
+    <p:tnLst>
+      <p:par>
+        <p:cTn id="1" dur="indefinite" restart="never" nodeType="tmRoot"/>
+      </p:par>
+    </p:tnLst>
+  </p:timing>
+</p:sld>
+</file>
+
+<file path=ppt/slides/slide40.xml><?xml version="1.0" encoding="utf-8"?>
 <p:sld xmlns:a="http://schemas.openxmlformats.org/drawingml/2006/main" xmlns:r="http://schemas.openxmlformats.org/officeDocument/2006/relationships" xmlns:p="http://schemas.openxmlformats.org/presentationml/2006/main">
   <p:cSld>
     <p:spTree>
@@ -27126,7 +28954,7 @@
           <a:p>
             <a:fld id="{CB6718E4-7406-45F3-BB60-A335F7C1373F}" type="datetime1">
               <a:rPr lang="zh-CN" altLang="en-US" smtClean="0"/>
-              <a:t>2016/4/13</a:t>
+              <a:t>2016/4/14</a:t>
             </a:fld>
             <a:endParaRPr lang="zh-CN" altLang="en-US"/>
           </a:p>
@@ -27176,7 +29004,7 @@
           <a:p>
             <a:fld id="{ED34C3B6-DCD7-4A30-8693-C31ECCFCB39D}" type="slidenum">
               <a:rPr lang="zh-CN" altLang="en-US" smtClean="0"/>
-              <a:t>37</a:t>
+              <a:t>40</a:t>
             </a:fld>
             <a:endParaRPr lang="zh-CN" altLang="en-US"/>
           </a:p>
@@ -29108,7 +30936,7 @@
 </p:sld>
 </file>
 
-<file path=ppt/slides/slide38.xml><?xml version="1.0" encoding="utf-8"?>
+<file path=ppt/slides/slide41.xml><?xml version="1.0" encoding="utf-8"?>
 <p:sld xmlns:a="http://schemas.openxmlformats.org/drawingml/2006/main" xmlns:r="http://schemas.openxmlformats.org/officeDocument/2006/relationships" xmlns:p="http://schemas.openxmlformats.org/presentationml/2006/main">
   <p:cSld>
     <p:spTree>
@@ -29172,8 +31000,8 @@
           </a:p>
         </p:txBody>
       </p:sp>
-      <mc:AlternateContent xmlns:mc="http://schemas.openxmlformats.org/markup-compatibility/2006" xmlns:a14="http://schemas.microsoft.com/office/drawing/2010/main">
-        <mc:Choice Requires="a14">
+      <mc:AlternateContent xmlns:mc="http://schemas.openxmlformats.org/markup-compatibility/2006">
+        <mc:Choice xmlns:a14="http://schemas.microsoft.com/office/drawing/2010/main" Requires="a14">
           <p:sp>
             <p:nvSpPr>
               <p:cNvPr id="3" name="内容占位符 2"/>
@@ -29453,22 +31281,10 @@
                 </a14:m>
                 <a:endParaRPr lang="en-US" altLang="zh-CN" dirty="0" smtClean="0"/>
               </a:p>
-              <a:p>
-                <a:pPr lvl="1"/>
-                <a:r>
-                  <a:rPr lang="zh-CN" altLang="en-US" dirty="0"/>
-                  <a:t>多次</a:t>
-                </a:r>
-                <a:r>
-                  <a:rPr lang="zh-CN" altLang="en-US" dirty="0" smtClean="0"/>
-                  <a:t>采样，舍弃随机响应</a:t>
-                </a:r>
-                <a:endParaRPr lang="zh-CN" altLang="en-US" dirty="0"/>
-              </a:p>
             </p:txBody>
           </p:sp>
         </mc:Choice>
-        <mc:Fallback xmlns="">
+        <mc:Fallback>
           <p:sp>
             <p:nvSpPr>
               <p:cNvPr id="3" name="内容占位符 2"/>
@@ -29519,7 +31335,7 @@
           <a:p>
             <a:fld id="{CB6718E4-7406-45F3-BB60-A335F7C1373F}" type="datetime1">
               <a:rPr lang="zh-CN" altLang="en-US" smtClean="0"/>
-              <a:t>2016/4/13</a:t>
+              <a:t>2016/4/14</a:t>
             </a:fld>
             <a:endParaRPr lang="zh-CN" altLang="en-US"/>
           </a:p>
@@ -29569,7 +31385,7 @@
           <a:p>
             <a:fld id="{ED34C3B6-DCD7-4A30-8693-C31ECCFCB39D}" type="slidenum">
               <a:rPr lang="zh-CN" altLang="en-US" smtClean="0"/>
-              <a:t>38</a:t>
+              <a:t>41</a:t>
             </a:fld>
             <a:endParaRPr lang="zh-CN" altLang="en-US"/>
           </a:p>
@@ -29595,7 +31411,7 @@
 </p:sld>
 </file>
 
-<file path=ppt/slides/slide39.xml><?xml version="1.0" encoding="utf-8"?>
+<file path=ppt/slides/slide42.xml><?xml version="1.0" encoding="utf-8"?>
 <p:sld xmlns:a="http://schemas.openxmlformats.org/drawingml/2006/main" xmlns:r="http://schemas.openxmlformats.org/officeDocument/2006/relationships" xmlns:p="http://schemas.openxmlformats.org/presentationml/2006/main">
   <p:cSld>
     <p:spTree>
@@ -29949,7 +31765,7 @@
           <a:p>
             <a:fld id="{CB6718E4-7406-45F3-BB60-A335F7C1373F}" type="datetime1">
               <a:rPr lang="zh-CN" altLang="en-US" smtClean="0"/>
-              <a:t>2016/4/13</a:t>
+              <a:t>2016/4/14</a:t>
             </a:fld>
             <a:endParaRPr lang="zh-CN" altLang="en-US"/>
           </a:p>
@@ -29999,7 +31815,7 @@
           <a:p>
             <a:fld id="{ED34C3B6-DCD7-4A30-8693-C31ECCFCB39D}" type="slidenum">
               <a:rPr lang="zh-CN" altLang="en-US" smtClean="0"/>
-              <a:t>39</a:t>
+              <a:t>42</a:t>
             </a:fld>
             <a:endParaRPr lang="zh-CN" altLang="en-US"/>
           </a:p>
@@ -30049,7 +31865,7 @@
 </p:sld>
 </file>
 
-<file path=ppt/slides/slide4.xml><?xml version="1.0" encoding="utf-8"?>
+<file path=ppt/slides/slide43.xml><?xml version="1.0" encoding="utf-8"?>
 <p:sld xmlns:a="http://schemas.openxmlformats.org/drawingml/2006/main" xmlns:r="http://schemas.openxmlformats.org/officeDocument/2006/relationships" xmlns:p="http://schemas.openxmlformats.org/presentationml/2006/main">
   <p:cSld>
     <p:spTree>
@@ -30066,125 +31882,6 @@
           <a:chExt cx="0" cy="0"/>
         </a:xfrm>
       </p:grpSpPr>
-      <p:sp>
-        <p:nvSpPr>
-          <p:cNvPr id="2" name="标题 1"/>
-          <p:cNvSpPr>
-            <a:spLocks noGrp="1"/>
-          </p:cNvSpPr>
-          <p:nvPr>
-            <p:ph type="title"/>
-          </p:nvPr>
-        </p:nvSpPr>
-        <p:spPr/>
-        <p:txBody>
-          <a:bodyPr/>
-          <a:lstStyle/>
-          <a:p>
-            <a:r>
-              <a:rPr lang="zh-CN" altLang="en-US" dirty="0" smtClean="0"/>
-              <a:t>技术背景</a:t>
-            </a:r>
-            <a:endParaRPr lang="zh-CN" altLang="en-US" dirty="0"/>
-          </a:p>
-        </p:txBody>
-      </p:sp>
-      <p:sp>
-        <p:nvSpPr>
-          <p:cNvPr id="3" name="内容占位符 2"/>
-          <p:cNvSpPr>
-            <a:spLocks noGrp="1"/>
-          </p:cNvSpPr>
-          <p:nvPr>
-            <p:ph idx="1"/>
-          </p:nvPr>
-        </p:nvSpPr>
-        <p:spPr/>
-        <p:txBody>
-          <a:bodyPr/>
-          <a:lstStyle/>
-          <a:p>
-            <a:r>
-              <a:rPr lang="zh-CN" altLang="en-US" dirty="0" smtClean="0"/>
-              <a:t>从信息安全说起</a:t>
-            </a:r>
-            <a:r>
-              <a:rPr lang="en-US" altLang="zh-CN" dirty="0" smtClean="0"/>
-              <a:t>……</a:t>
-            </a:r>
-            <a:endParaRPr lang="zh-CN" altLang="en-US" dirty="0"/>
-          </a:p>
-        </p:txBody>
-      </p:sp>
-      <p:sp>
-        <p:nvSpPr>
-          <p:cNvPr id="4" name="日期占位符 3"/>
-          <p:cNvSpPr>
-            <a:spLocks noGrp="1"/>
-          </p:cNvSpPr>
-          <p:nvPr>
-            <p:ph type="dt" sz="half" idx="10"/>
-          </p:nvPr>
-        </p:nvSpPr>
-        <p:spPr/>
-        <p:txBody>
-          <a:bodyPr/>
-          <a:lstStyle/>
-          <a:p>
-            <a:fld id="{CB6718E4-7406-45F3-BB60-A335F7C1373F}" type="datetime1">
-              <a:rPr lang="zh-CN" altLang="en-US" smtClean="0"/>
-              <a:t>2016/4/13</a:t>
-            </a:fld>
-            <a:endParaRPr lang="zh-CN" altLang="en-US"/>
-          </a:p>
-        </p:txBody>
-      </p:sp>
-      <p:sp>
-        <p:nvSpPr>
-          <p:cNvPr id="5" name="页脚占位符 4"/>
-          <p:cNvSpPr>
-            <a:spLocks noGrp="1"/>
-          </p:cNvSpPr>
-          <p:nvPr>
-            <p:ph type="ftr" sz="quarter" idx="11"/>
-          </p:nvPr>
-        </p:nvSpPr>
-        <p:spPr/>
-        <p:txBody>
-          <a:bodyPr/>
-          <a:lstStyle/>
-          <a:p>
-            <a:r>
-              <a:rPr lang="zh-CN" altLang="en-US" dirty="0" smtClean="0"/>
-              <a:t>背景介绍</a:t>
-            </a:r>
-            <a:endParaRPr lang="zh-CN" altLang="en-US" dirty="0"/>
-          </a:p>
-        </p:txBody>
-      </p:sp>
-      <p:sp>
-        <p:nvSpPr>
-          <p:cNvPr id="6" name="灯片编号占位符 5"/>
-          <p:cNvSpPr>
-            <a:spLocks noGrp="1"/>
-          </p:cNvSpPr>
-          <p:nvPr>
-            <p:ph type="sldNum" sz="quarter" idx="12"/>
-          </p:nvPr>
-        </p:nvSpPr>
-        <p:spPr/>
-        <p:txBody>
-          <a:bodyPr/>
-          <a:lstStyle/>
-          <a:p>
-            <a:fld id="{ED34C3B6-DCD7-4A30-8693-C31ECCFCB39D}" type="slidenum">
-              <a:rPr lang="zh-CN" altLang="en-US" smtClean="0"/>
-              <a:t>4</a:t>
-            </a:fld>
-            <a:endParaRPr lang="zh-CN" altLang="en-US"/>
-          </a:p>
-        </p:txBody>
-      </p:sp>
       <p:pic>
         <p:nvPicPr>
           <p:cNvPr id="7" name="图片 6"/>
@@ -30194,27 +31891,390 @@
           <p:nvPr/>
         </p:nvPicPr>
         <p:blipFill>
-          <a:blip r:embed="rId3" cstate="print">
-            <a:extLst>
-              <a:ext uri="{28A0092B-C50C-407E-A947-70E740481C1C}">
-                <a14:useLocalDpi xmlns:a14="http://schemas.microsoft.com/office/drawing/2010/main" val="0"/>
-              </a:ext>
-            </a:extLst>
-          </a:blip>
+          <a:blip r:embed="rId2"/>
           <a:stretch>
             <a:fillRect/>
           </a:stretch>
         </p:blipFill>
         <p:spPr>
-          <a:xfrm flipH="1">
-            <a:off x="6176649" y="2346665"/>
-            <a:ext cx="1656000" cy="1656000"/>
+          <a:xfrm>
+            <a:off x="3393691" y="1736762"/>
+            <a:ext cx="5239166" cy="2578344"/>
           </a:xfrm>
           <a:prstGeom prst="rect">
             <a:avLst/>
           </a:prstGeom>
         </p:spPr>
       </p:pic>
+      <p:sp>
+        <p:nvSpPr>
+          <p:cNvPr id="2" name="标题 1"/>
+          <p:cNvSpPr>
+            <a:spLocks noGrp="1"/>
+          </p:cNvSpPr>
+          <p:nvPr>
+            <p:ph type="title"/>
+          </p:nvPr>
+        </p:nvSpPr>
+        <p:spPr/>
+        <p:txBody>
+          <a:bodyPr/>
+          <a:lstStyle/>
+          <a:p>
+            <a:r>
+              <a:rPr lang="en-US" altLang="zh-CN" dirty="0" smtClean="0"/>
+              <a:t>RPA-PUF</a:t>
+            </a:r>
+            <a:endParaRPr lang="zh-CN" altLang="en-US" dirty="0"/>
+          </a:p>
+        </p:txBody>
+      </p:sp>
+      <mc:AlternateContent xmlns:mc="http://schemas.openxmlformats.org/markup-compatibility/2006" xmlns:a14="http://schemas.microsoft.com/office/drawing/2010/main">
+        <mc:Choice Requires="a14">
+          <p:sp>
+            <p:nvSpPr>
+              <p:cNvPr id="3" name="内容占位符 2"/>
+              <p:cNvSpPr>
+                <a:spLocks noGrp="1"/>
+              </p:cNvSpPr>
+              <p:nvPr>
+                <p:ph idx="1"/>
+              </p:nvPr>
+            </p:nvSpPr>
+            <p:spPr/>
+            <p:txBody>
+              <a:bodyPr/>
+              <a:lstStyle/>
+              <a:p>
+                <a14:m>
+                  <m:oMath xmlns:m="http://schemas.openxmlformats.org/officeDocument/2006/math">
+                    <m:r>
+                      <a:rPr lang="en-US" altLang="zh-CN" b="0" i="1" smtClean="0">
+                        <a:latin typeface="Cambria Math" panose="02040503050406030204" pitchFamily="18" charset="0"/>
+                      </a:rPr>
+                      <m:t>𝑅</m:t>
+                    </m:r>
+                    <m:r>
+                      <a:rPr lang="en-US" altLang="zh-CN" b="0" i="1" smtClean="0">
+                        <a:latin typeface="Cambria Math" panose="02040503050406030204" pitchFamily="18" charset="0"/>
+                      </a:rPr>
+                      <m:t>=</m:t>
+                    </m:r>
+                    <m:sSub>
+                      <m:sSubPr>
+                        <m:ctrlPr>
+                          <a:rPr lang="en-US" altLang="zh-CN" b="0" i="1" smtClean="0">
+                            <a:latin typeface="Cambria Math" panose="02040503050406030204" pitchFamily="18" charset="0"/>
+                          </a:rPr>
+                        </m:ctrlPr>
+                      </m:sSubPr>
+                      <m:e>
+                        <m:r>
+                          <a:rPr lang="en-US" altLang="zh-CN" b="0" i="1" smtClean="0">
+                            <a:latin typeface="Cambria Math" panose="02040503050406030204" pitchFamily="18" charset="0"/>
+                          </a:rPr>
+                          <m:t>𝑄</m:t>
+                        </m:r>
+                      </m:e>
+                      <m:sub>
+                        <m:r>
+                          <a:rPr lang="en-US" altLang="zh-CN" b="0" i="1" smtClean="0">
+                            <a:latin typeface="Cambria Math" panose="02040503050406030204" pitchFamily="18" charset="0"/>
+                          </a:rPr>
+                          <m:t>1</m:t>
+                        </m:r>
+                      </m:sub>
+                    </m:sSub>
+                    <m:r>
+                      <a:rPr lang="en-US" altLang="zh-CN" b="0" i="1" smtClean="0">
+                        <a:latin typeface="Cambria Math" panose="02040503050406030204" pitchFamily="18" charset="0"/>
+                      </a:rPr>
+                      <m:t>⊕</m:t>
+                    </m:r>
+                    <m:sSub>
+                      <m:sSubPr>
+                        <m:ctrlPr>
+                          <a:rPr lang="en-US" altLang="zh-CN" b="0" i="1" smtClean="0">
+                            <a:latin typeface="Cambria Math" panose="02040503050406030204" pitchFamily="18" charset="0"/>
+                          </a:rPr>
+                        </m:ctrlPr>
+                      </m:sSubPr>
+                      <m:e>
+                        <m:r>
+                          <a:rPr lang="en-US" altLang="zh-CN" b="0" i="1" smtClean="0">
+                            <a:latin typeface="Cambria Math" panose="02040503050406030204" pitchFamily="18" charset="0"/>
+                          </a:rPr>
+                          <m:t>𝑄</m:t>
+                        </m:r>
+                      </m:e>
+                      <m:sub>
+                        <m:r>
+                          <a:rPr lang="en-US" altLang="zh-CN" b="0" i="1" smtClean="0">
+                            <a:latin typeface="Cambria Math" panose="02040503050406030204" pitchFamily="18" charset="0"/>
+                          </a:rPr>
+                          <m:t>3</m:t>
+                        </m:r>
+                      </m:sub>
+                    </m:sSub>
+                    <m:r>
+                      <a:rPr lang="en-US" altLang="zh-CN" b="0" i="1" smtClean="0">
+                        <a:latin typeface="Cambria Math" panose="02040503050406030204" pitchFamily="18" charset="0"/>
+                      </a:rPr>
+                      <m:t>⊕</m:t>
+                    </m:r>
+                    <m:d>
+                      <m:dPr>
+                        <m:ctrlPr>
+                          <a:rPr lang="en-US" altLang="zh-CN" b="0" i="1" smtClean="0">
+                            <a:latin typeface="Cambria Math" panose="02040503050406030204" pitchFamily="18" charset="0"/>
+                          </a:rPr>
+                        </m:ctrlPr>
+                      </m:dPr>
+                      <m:e>
+                        <m:sSub>
+                          <m:sSubPr>
+                            <m:ctrlPr>
+                              <a:rPr lang="en-US" altLang="zh-CN" b="0" i="1" smtClean="0">
+                                <a:latin typeface="Cambria Math" panose="02040503050406030204" pitchFamily="18" charset="0"/>
+                              </a:rPr>
+                            </m:ctrlPr>
+                          </m:sSubPr>
+                          <m:e>
+                            <m:r>
+                              <a:rPr lang="en-US" altLang="zh-CN" b="0" i="1" smtClean="0">
+                                <a:latin typeface="Cambria Math" panose="02040503050406030204" pitchFamily="18" charset="0"/>
+                              </a:rPr>
+                              <m:t>𝑄</m:t>
+                            </m:r>
+                          </m:e>
+                          <m:sub>
+                            <m:r>
+                              <a:rPr lang="en-US" altLang="zh-CN" b="0" i="1" smtClean="0">
+                                <a:latin typeface="Cambria Math" panose="02040503050406030204" pitchFamily="18" charset="0"/>
+                              </a:rPr>
+                              <m:t>1</m:t>
+                            </m:r>
+                          </m:sub>
+                        </m:sSub>
+                        <m:sSub>
+                          <m:sSubPr>
+                            <m:ctrlPr>
+                              <a:rPr lang="en-US" altLang="zh-CN" b="0" i="1" smtClean="0">
+                                <a:latin typeface="Cambria Math" panose="02040503050406030204" pitchFamily="18" charset="0"/>
+                              </a:rPr>
+                            </m:ctrlPr>
+                          </m:sSubPr>
+                          <m:e>
+                            <m:r>
+                              <a:rPr lang="en-US" altLang="zh-CN" b="0" i="1" smtClean="0">
+                                <a:latin typeface="Cambria Math" panose="02040503050406030204" pitchFamily="18" charset="0"/>
+                              </a:rPr>
+                              <m:t>𝑄</m:t>
+                            </m:r>
+                          </m:e>
+                          <m:sub>
+                            <m:r>
+                              <a:rPr lang="en-US" altLang="zh-CN" b="0" i="1" smtClean="0">
+                                <a:latin typeface="Cambria Math" panose="02040503050406030204" pitchFamily="18" charset="0"/>
+                              </a:rPr>
+                              <m:t>2</m:t>
+                            </m:r>
+                          </m:sub>
+                        </m:sSub>
+                        <m:sSub>
+                          <m:sSubPr>
+                            <m:ctrlPr>
+                              <a:rPr lang="en-US" altLang="zh-CN" b="0" i="1" smtClean="0">
+                                <a:latin typeface="Cambria Math" panose="02040503050406030204" pitchFamily="18" charset="0"/>
+                              </a:rPr>
+                            </m:ctrlPr>
+                          </m:sSubPr>
+                          <m:e>
+                            <m:r>
+                              <a:rPr lang="en-US" altLang="zh-CN" b="0" i="1" smtClean="0">
+                                <a:latin typeface="Cambria Math" panose="02040503050406030204" pitchFamily="18" charset="0"/>
+                              </a:rPr>
+                              <m:t>𝑄</m:t>
+                            </m:r>
+                          </m:e>
+                          <m:sub>
+                            <m:r>
+                              <a:rPr lang="en-US" altLang="zh-CN" b="0" i="1" smtClean="0">
+                                <a:latin typeface="Cambria Math" panose="02040503050406030204" pitchFamily="18" charset="0"/>
+                              </a:rPr>
+                              <m:t>3</m:t>
+                            </m:r>
+                          </m:sub>
+                        </m:sSub>
+                        <m:sSub>
+                          <m:sSubPr>
+                            <m:ctrlPr>
+                              <a:rPr lang="en-US" altLang="zh-CN" b="0" i="1" smtClean="0">
+                                <a:latin typeface="Cambria Math" panose="02040503050406030204" pitchFamily="18" charset="0"/>
+                              </a:rPr>
+                            </m:ctrlPr>
+                          </m:sSubPr>
+                          <m:e>
+                            <m:r>
+                              <a:rPr lang="en-US" altLang="zh-CN" b="0" i="1" smtClean="0">
+                                <a:latin typeface="Cambria Math" panose="02040503050406030204" pitchFamily="18" charset="0"/>
+                              </a:rPr>
+                              <m:t>𝑄</m:t>
+                            </m:r>
+                          </m:e>
+                          <m:sub>
+                            <m:r>
+                              <a:rPr lang="en-US" altLang="zh-CN" b="0" i="1" smtClean="0">
+                                <a:latin typeface="Cambria Math" panose="02040503050406030204" pitchFamily="18" charset="0"/>
+                              </a:rPr>
+                              <m:t>4</m:t>
+                            </m:r>
+                          </m:sub>
+                        </m:sSub>
+                      </m:e>
+                    </m:d>
+                  </m:oMath>
+                </a14:m>
+                <a:endParaRPr lang="en-US" altLang="zh-CN" dirty="0" smtClean="0"/>
+              </a:p>
+              <a:p>
+                <a:pPr lvl="1"/>
+                <a:r>
+                  <a:rPr lang="zh-CN" altLang="en-US" dirty="0"/>
+                  <a:t>均</a:t>
+                </a:r>
+                <a:r>
+                  <a:rPr lang="zh-CN" altLang="en-US" dirty="0" smtClean="0"/>
+                  <a:t>不“消失”；</a:t>
+                </a:r>
+                <a:endParaRPr lang="en-US" altLang="zh-CN" dirty="0" smtClean="0"/>
+              </a:p>
+              <a:p>
+                <a:pPr lvl="1"/>
+                <a:r>
+                  <a:rPr lang="zh-CN" altLang="en-US" dirty="0" smtClean="0"/>
+                  <a:t>“消失”其一；</a:t>
+                </a:r>
+                <a:endParaRPr lang="en-US" altLang="zh-CN" dirty="0" smtClean="0"/>
+              </a:p>
+              <a:p>
+                <a:pPr lvl="1"/>
+                <a:r>
+                  <a:rPr lang="zh-CN" altLang="en-US" dirty="0" smtClean="0"/>
+                  <a:t>均“消失”。</a:t>
+                </a:r>
+                <a:endParaRPr lang="zh-CN" altLang="en-US" dirty="0"/>
+              </a:p>
+            </p:txBody>
+          </p:sp>
+        </mc:Choice>
+        <mc:Fallback xmlns="">
+          <p:sp>
+            <p:nvSpPr>
+              <p:cNvPr id="3" name="内容占位符 2"/>
+              <p:cNvSpPr>
+                <a:spLocks noGrp="1" noRot="1" noChangeAspect="1" noMove="1" noResize="1" noEditPoints="1" noAdjustHandles="1" noChangeArrowheads="1" noChangeShapeType="1" noTextEdit="1"/>
+              </p:cNvSpPr>
+              <p:nvPr>
+                <p:ph idx="1"/>
+              </p:nvPr>
+            </p:nvSpPr>
+            <p:spPr>
+              <a:blipFill rotWithShape="0">
+                <a:blip r:embed="rId3"/>
+                <a:stretch>
+                  <a:fillRect l="-773" t="-1261"/>
+                </a:stretch>
+              </a:blipFill>
+            </p:spPr>
+            <p:txBody>
+              <a:bodyPr/>
+              <a:lstStyle/>
+              <a:p>
+                <a:r>
+                  <a:rPr lang="zh-CN" altLang="en-US">
+                    <a:noFill/>
+                  </a:rPr>
+                  <a:t> </a:t>
+                </a:r>
+              </a:p>
+            </p:txBody>
+          </p:sp>
+        </mc:Fallback>
+      </mc:AlternateContent>
+      <p:sp>
+        <p:nvSpPr>
+          <p:cNvPr id="4" name="日期占位符 3"/>
+          <p:cNvSpPr>
+            <a:spLocks noGrp="1"/>
+          </p:cNvSpPr>
+          <p:nvPr>
+            <p:ph type="dt" sz="half" idx="10"/>
+          </p:nvPr>
+        </p:nvSpPr>
+        <p:spPr/>
+        <p:txBody>
+          <a:bodyPr/>
+          <a:lstStyle/>
+          <a:p>
+            <a:fld id="{CB6718E4-7406-45F3-BB60-A335F7C1373F}" type="datetime1">
+              <a:rPr lang="zh-CN" altLang="en-US" smtClean="0"/>
+              <a:t>2016/4/14</a:t>
+            </a:fld>
+            <a:endParaRPr lang="zh-CN" altLang="en-US"/>
+          </a:p>
+        </p:txBody>
+      </p:sp>
+      <p:sp>
+        <p:nvSpPr>
+          <p:cNvPr id="5" name="页脚占位符 4"/>
+          <p:cNvSpPr>
+            <a:spLocks noGrp="1"/>
+          </p:cNvSpPr>
+          <p:nvPr>
+            <p:ph type="ftr" sz="quarter" idx="11"/>
+          </p:nvPr>
+        </p:nvSpPr>
+        <p:spPr/>
+        <p:txBody>
+          <a:bodyPr/>
+          <a:lstStyle/>
+          <a:p>
+            <a:r>
+              <a:rPr lang="zh-CN" altLang="en-US" dirty="0"/>
+              <a:t>新结构</a:t>
+            </a:r>
+            <a:r>
+              <a:rPr lang="en-US" altLang="zh-CN" dirty="0"/>
+              <a:t>PUF</a:t>
+            </a:r>
+            <a:endParaRPr lang="zh-CN" altLang="en-US" dirty="0"/>
+          </a:p>
+        </p:txBody>
+      </p:sp>
+      <p:sp>
+        <p:nvSpPr>
+          <p:cNvPr id="6" name="灯片编号占位符 5"/>
+          <p:cNvSpPr>
+            <a:spLocks noGrp="1"/>
+          </p:cNvSpPr>
+          <p:nvPr>
+            <p:ph type="sldNum" sz="quarter" idx="12"/>
+          </p:nvPr>
+        </p:nvSpPr>
+        <p:spPr/>
+        <p:txBody>
+          <a:bodyPr/>
+          <a:lstStyle/>
+          <a:p>
+            <a:fld id="{ED34C3B6-DCD7-4A30-8693-C31ECCFCB39D}" type="slidenum">
+              <a:rPr lang="zh-CN" altLang="en-US" smtClean="0"/>
+              <a:t>43</a:t>
+            </a:fld>
+            <a:endParaRPr lang="zh-CN" altLang="en-US"/>
+          </a:p>
+        </p:txBody>
+      </p:sp>
       <p:pic>
         <p:nvPicPr>
           <p:cNvPr id="8" name="图片 7"/>
@@ -30224,21 +32284,15 @@
           <p:nvPr/>
         </p:nvPicPr>
         <p:blipFill>
-          <a:blip r:embed="rId4" cstate="print">
-            <a:extLst>
-              <a:ext uri="{28A0092B-C50C-407E-A947-70E740481C1C}">
-                <a14:useLocalDpi xmlns:a14="http://schemas.microsoft.com/office/drawing/2010/main" val="0"/>
-              </a:ext>
-            </a:extLst>
-          </a:blip>
+          <a:blip r:embed="rId4"/>
           <a:stretch>
             <a:fillRect/>
           </a:stretch>
         </p:blipFill>
         <p:spPr>
           <a:xfrm>
-            <a:off x="1084471" y="2346665"/>
-            <a:ext cx="1488658" cy="1654629"/>
+            <a:off x="820239" y="3797521"/>
+            <a:ext cx="4573458" cy="2468305"/>
           </a:xfrm>
           <a:prstGeom prst="rect">
             <a:avLst/>
@@ -30247,31 +32301,18 @@
       </p:pic>
       <p:sp>
         <p:nvSpPr>
-          <p:cNvPr id="11" name="右箭头 10"/>
+          <p:cNvPr id="9" name="椭圆 8"/>
           <p:cNvSpPr/>
           <p:nvPr/>
         </p:nvSpPr>
         <p:spPr>
           <a:xfrm>
-            <a:off x="2899955" y="3030286"/>
-            <a:ext cx="3466011" cy="287383"/>
+            <a:off x="5585286" y="4234952"/>
+            <a:ext cx="1942011" cy="1942011"/>
           </a:xfrm>
-          <a:prstGeom prst="rightArrow">
-            <a:avLst>
-              <a:gd name="adj1" fmla="val 50000"/>
-              <a:gd name="adj2" fmla="val 165151"/>
-            </a:avLst>
+          <a:prstGeom prst="ellipse">
+            <a:avLst/>
           </a:prstGeom>
-          <a:solidFill>
-            <a:srgbClr val="C00000"/>
-          </a:solidFill>
-          <a:ln>
-            <a:solidFill>
-              <a:schemeClr val="bg1">
-                <a:lumMod val="75000"/>
-              </a:schemeClr>
-            </a:solidFill>
-          </a:ln>
         </p:spPr>
         <p:style>
           <a:lnRef idx="2">
@@ -30298,10 +32339,188 @@
           </a:p>
         </p:txBody>
       </p:sp>
+      <p:cxnSp>
+        <p:nvCxnSpPr>
+          <p:cNvPr id="11" name="直接连接符 10"/>
+          <p:cNvCxnSpPr>
+            <a:stCxn id="9" idx="0"/>
+            <a:endCxn id="9" idx="4"/>
+          </p:cNvCxnSpPr>
+          <p:nvPr/>
+        </p:nvCxnSpPr>
+        <p:spPr>
+          <a:xfrm>
+            <a:off x="6556292" y="4234952"/>
+            <a:ext cx="0" cy="1942011"/>
+          </a:xfrm>
+          <a:prstGeom prst="line">
+            <a:avLst/>
+          </a:prstGeom>
+          <a:ln w="19050">
+            <a:solidFill>
+              <a:schemeClr val="tx1"/>
+            </a:solidFill>
+          </a:ln>
+        </p:spPr>
+        <p:style>
+          <a:lnRef idx="1">
+            <a:schemeClr val="accent1"/>
+          </a:lnRef>
+          <a:fillRef idx="0">
+            <a:schemeClr val="accent1"/>
+          </a:fillRef>
+          <a:effectRef idx="0">
+            <a:schemeClr val="accent1"/>
+          </a:effectRef>
+          <a:fontRef idx="minor">
+            <a:schemeClr val="tx1"/>
+          </a:fontRef>
+        </p:style>
+      </p:cxnSp>
+      <p:sp>
+        <p:nvSpPr>
+          <p:cNvPr id="12" name="椭圆 11"/>
+          <p:cNvSpPr/>
+          <p:nvPr/>
+        </p:nvSpPr>
+        <p:spPr>
+          <a:xfrm>
+            <a:off x="5878286" y="4772297"/>
+            <a:ext cx="461554" cy="818606"/>
+          </a:xfrm>
+          <a:prstGeom prst="ellipse">
+            <a:avLst/>
+          </a:prstGeom>
+          <a:solidFill>
+            <a:schemeClr val="accent2"/>
+          </a:solidFill>
+        </p:spPr>
+        <p:style>
+          <a:lnRef idx="2">
+            <a:schemeClr val="accent1">
+              <a:shade val="50000"/>
+            </a:schemeClr>
+          </a:lnRef>
+          <a:fillRef idx="1">
+            <a:schemeClr val="accent1"/>
+          </a:fillRef>
+          <a:effectRef idx="0">
+            <a:schemeClr val="accent1"/>
+          </a:effectRef>
+          <a:fontRef idx="minor">
+            <a:schemeClr val="lt1"/>
+          </a:fontRef>
+        </p:style>
+        <p:txBody>
+          <a:bodyPr rtlCol="0" anchor="ctr"/>
+          <a:lstStyle/>
+          <a:p>
+            <a:pPr algn="ctr"/>
+            <a:endParaRPr lang="zh-CN" altLang="en-US"/>
+          </a:p>
+        </p:txBody>
+      </p:sp>
+      <p:sp>
+        <p:nvSpPr>
+          <p:cNvPr id="15" name="文本框 14"/>
+          <p:cNvSpPr txBox="1"/>
+          <p:nvPr/>
+        </p:nvSpPr>
+        <p:spPr>
+          <a:xfrm>
+            <a:off x="6645479" y="5021291"/>
+            <a:ext cx="681931" cy="369332"/>
+          </a:xfrm>
+          <a:prstGeom prst="rect">
+            <a:avLst/>
+          </a:prstGeom>
+          <a:noFill/>
+        </p:spPr>
+        <p:txBody>
+          <a:bodyPr wrap="square" rtlCol="0">
+            <a:spAutoFit/>
+          </a:bodyPr>
+          <a:lstStyle/>
+          <a:p>
+            <a:r>
+              <a:rPr lang="zh-CN" altLang="en-US" dirty="0" smtClean="0"/>
+              <a:t>随机</a:t>
+            </a:r>
+            <a:endParaRPr lang="zh-CN" altLang="en-US" dirty="0"/>
+          </a:p>
+        </p:txBody>
+      </p:sp>
+      <p:sp>
+        <p:nvSpPr>
+          <p:cNvPr id="16" name="文本框 15"/>
+          <p:cNvSpPr txBox="1"/>
+          <p:nvPr/>
+        </p:nvSpPr>
+        <p:spPr>
+          <a:xfrm>
+            <a:off x="5838827" y="4996934"/>
+            <a:ext cx="681931" cy="369332"/>
+          </a:xfrm>
+          <a:prstGeom prst="rect">
+            <a:avLst/>
+          </a:prstGeom>
+          <a:noFill/>
+        </p:spPr>
+        <p:txBody>
+          <a:bodyPr wrap="square" rtlCol="0">
+            <a:spAutoFit/>
+          </a:bodyPr>
+          <a:lstStyle/>
+          <a:p>
+            <a:r>
+              <a:rPr lang="en-US" altLang="zh-CN" dirty="0" smtClean="0"/>
+              <a:t>XOR</a:t>
+            </a:r>
+            <a:endParaRPr lang="zh-CN" altLang="en-US" dirty="0"/>
+          </a:p>
+        </p:txBody>
+      </p:sp>
+      <p:sp>
+        <p:nvSpPr>
+          <p:cNvPr id="17" name="文本框 16"/>
+          <p:cNvSpPr txBox="1"/>
+          <p:nvPr/>
+        </p:nvSpPr>
+        <p:spPr>
+          <a:xfrm>
+            <a:off x="6255846" y="4281550"/>
+            <a:ext cx="571674" cy="374469"/>
+          </a:xfrm>
+          <a:prstGeom prst="rect">
+            <a:avLst/>
+          </a:prstGeom>
+          <a:solidFill>
+            <a:schemeClr val="bg1"/>
+          </a:solidFill>
+          <a:ln>
+            <a:solidFill>
+              <a:schemeClr val="tx1"/>
+            </a:solidFill>
+          </a:ln>
+        </p:spPr>
+        <p:txBody>
+          <a:bodyPr wrap="square" rtlCol="0">
+            <a:spAutoFit/>
+          </a:bodyPr>
+          <a:lstStyle/>
+          <a:p>
+            <a:r>
+              <a:rPr lang="en-US" altLang="zh-CN" dirty="0" smtClean="0"/>
+              <a:t>CRP</a:t>
+            </a:r>
+            <a:endParaRPr lang="zh-CN" altLang="en-US" dirty="0"/>
+          </a:p>
+        </p:txBody>
+      </p:sp>
     </p:spTree>
     <p:extLst>
       <p:ext uri="{BB962C8B-B14F-4D97-AF65-F5344CB8AC3E}">
-        <p14:creationId xmlns:p14="http://schemas.microsoft.com/office/powerpoint/2010/main" val="3905346817"/>
+        <p14:creationId xmlns:p14="http://schemas.microsoft.com/office/powerpoint/2010/main" val="2765968008"/>
       </p:ext>
     </p:extLst>
   </p:cSld>
@@ -30318,7 +32537,7 @@
 </p:sld>
 </file>
 
-<file path=ppt/slides/slide40.xml><?xml version="1.0" encoding="utf-8"?>
+<file path=ppt/slides/slide44.xml><?xml version="1.0" encoding="utf-8"?>
 <p:sld xmlns:a="http://schemas.openxmlformats.org/drawingml/2006/main" xmlns:r="http://schemas.openxmlformats.org/officeDocument/2006/relationships" xmlns:p="http://schemas.openxmlformats.org/presentationml/2006/main">
   <p:cSld>
     <p:spTree>
@@ -30335,6 +32554,708 @@
           <a:chExt cx="0" cy="0"/>
         </a:xfrm>
       </p:grpSpPr>
+      <p:pic>
+        <p:nvPicPr>
+          <p:cNvPr id="7" name="图片 6"/>
+          <p:cNvPicPr>
+            <a:picLocks noChangeAspect="1"/>
+          </p:cNvPicPr>
+          <p:nvPr/>
+        </p:nvPicPr>
+        <p:blipFill>
+          <a:blip r:embed="rId2"/>
+          <a:stretch>
+            <a:fillRect/>
+          </a:stretch>
+        </p:blipFill>
+        <p:spPr>
+          <a:xfrm>
+            <a:off x="3393691" y="1736762"/>
+            <a:ext cx="5239166" cy="2578344"/>
+          </a:xfrm>
+          <a:prstGeom prst="rect">
+            <a:avLst/>
+          </a:prstGeom>
+        </p:spPr>
+      </p:pic>
+      <p:sp>
+        <p:nvSpPr>
+          <p:cNvPr id="2" name="标题 1"/>
+          <p:cNvSpPr>
+            <a:spLocks noGrp="1"/>
+          </p:cNvSpPr>
+          <p:nvPr>
+            <p:ph type="title"/>
+          </p:nvPr>
+        </p:nvSpPr>
+        <p:spPr/>
+        <p:txBody>
+          <a:bodyPr/>
+          <a:lstStyle/>
+          <a:p>
+            <a:r>
+              <a:rPr lang="en-US" altLang="zh-CN" dirty="0" smtClean="0"/>
+              <a:t>RPA-PUF</a:t>
+            </a:r>
+            <a:endParaRPr lang="zh-CN" altLang="en-US" dirty="0"/>
+          </a:p>
+        </p:txBody>
+      </p:sp>
+      <mc:AlternateContent xmlns:mc="http://schemas.openxmlformats.org/markup-compatibility/2006" xmlns:a14="http://schemas.microsoft.com/office/drawing/2010/main">
+        <mc:Choice Requires="a14">
+          <p:sp>
+            <p:nvSpPr>
+              <p:cNvPr id="3" name="内容占位符 2"/>
+              <p:cNvSpPr>
+                <a:spLocks noGrp="1"/>
+              </p:cNvSpPr>
+              <p:nvPr>
+                <p:ph idx="1"/>
+              </p:nvPr>
+            </p:nvSpPr>
+            <p:spPr/>
+            <p:txBody>
+              <a:bodyPr/>
+              <a:lstStyle/>
+              <a:p>
+                <a14:m>
+                  <m:oMath xmlns:m="http://schemas.openxmlformats.org/officeDocument/2006/math">
+                    <m:r>
+                      <a:rPr lang="en-US" altLang="zh-CN" b="0" i="1" smtClean="0">
+                        <a:latin typeface="Cambria Math" panose="02040503050406030204" pitchFamily="18" charset="0"/>
+                      </a:rPr>
+                      <m:t>𝑅</m:t>
+                    </m:r>
+                    <m:r>
+                      <a:rPr lang="en-US" altLang="zh-CN" b="0" i="1" smtClean="0">
+                        <a:latin typeface="Cambria Math" panose="02040503050406030204" pitchFamily="18" charset="0"/>
+                      </a:rPr>
+                      <m:t>=</m:t>
+                    </m:r>
+                    <m:sSub>
+                      <m:sSubPr>
+                        <m:ctrlPr>
+                          <a:rPr lang="en-US" altLang="zh-CN" b="0" i="1" smtClean="0">
+                            <a:latin typeface="Cambria Math" panose="02040503050406030204" pitchFamily="18" charset="0"/>
+                          </a:rPr>
+                        </m:ctrlPr>
+                      </m:sSubPr>
+                      <m:e>
+                        <m:r>
+                          <a:rPr lang="en-US" altLang="zh-CN" b="0" i="1" smtClean="0">
+                            <a:latin typeface="Cambria Math" panose="02040503050406030204" pitchFamily="18" charset="0"/>
+                          </a:rPr>
+                          <m:t>𝑄</m:t>
+                        </m:r>
+                      </m:e>
+                      <m:sub>
+                        <m:r>
+                          <a:rPr lang="en-US" altLang="zh-CN" b="0" i="1" smtClean="0">
+                            <a:latin typeface="Cambria Math" panose="02040503050406030204" pitchFamily="18" charset="0"/>
+                          </a:rPr>
+                          <m:t>1</m:t>
+                        </m:r>
+                      </m:sub>
+                    </m:sSub>
+                    <m:r>
+                      <a:rPr lang="en-US" altLang="zh-CN" b="0" i="1" smtClean="0">
+                        <a:latin typeface="Cambria Math" panose="02040503050406030204" pitchFamily="18" charset="0"/>
+                      </a:rPr>
+                      <m:t>⊕</m:t>
+                    </m:r>
+                    <m:sSub>
+                      <m:sSubPr>
+                        <m:ctrlPr>
+                          <a:rPr lang="en-US" altLang="zh-CN" b="0" i="1" smtClean="0">
+                            <a:latin typeface="Cambria Math" panose="02040503050406030204" pitchFamily="18" charset="0"/>
+                          </a:rPr>
+                        </m:ctrlPr>
+                      </m:sSubPr>
+                      <m:e>
+                        <m:r>
+                          <a:rPr lang="en-US" altLang="zh-CN" b="0" i="1" smtClean="0">
+                            <a:latin typeface="Cambria Math" panose="02040503050406030204" pitchFamily="18" charset="0"/>
+                          </a:rPr>
+                          <m:t>𝑄</m:t>
+                        </m:r>
+                      </m:e>
+                      <m:sub>
+                        <m:r>
+                          <a:rPr lang="en-US" altLang="zh-CN" b="0" i="1" smtClean="0">
+                            <a:latin typeface="Cambria Math" panose="02040503050406030204" pitchFamily="18" charset="0"/>
+                          </a:rPr>
+                          <m:t>3</m:t>
+                        </m:r>
+                      </m:sub>
+                    </m:sSub>
+                    <m:r>
+                      <a:rPr lang="en-US" altLang="zh-CN" b="0" i="1" smtClean="0">
+                        <a:latin typeface="Cambria Math" panose="02040503050406030204" pitchFamily="18" charset="0"/>
+                      </a:rPr>
+                      <m:t>⊕</m:t>
+                    </m:r>
+                    <m:d>
+                      <m:dPr>
+                        <m:ctrlPr>
+                          <a:rPr lang="en-US" altLang="zh-CN" b="0" i="1" smtClean="0">
+                            <a:latin typeface="Cambria Math" panose="02040503050406030204" pitchFamily="18" charset="0"/>
+                          </a:rPr>
+                        </m:ctrlPr>
+                      </m:dPr>
+                      <m:e>
+                        <m:sSub>
+                          <m:sSubPr>
+                            <m:ctrlPr>
+                              <a:rPr lang="en-US" altLang="zh-CN" b="0" i="1" smtClean="0">
+                                <a:latin typeface="Cambria Math" panose="02040503050406030204" pitchFamily="18" charset="0"/>
+                              </a:rPr>
+                            </m:ctrlPr>
+                          </m:sSubPr>
+                          <m:e>
+                            <m:r>
+                              <a:rPr lang="en-US" altLang="zh-CN" b="0" i="1" smtClean="0">
+                                <a:latin typeface="Cambria Math" panose="02040503050406030204" pitchFamily="18" charset="0"/>
+                              </a:rPr>
+                              <m:t>𝑄</m:t>
+                            </m:r>
+                          </m:e>
+                          <m:sub>
+                            <m:r>
+                              <a:rPr lang="en-US" altLang="zh-CN" b="0" i="1" smtClean="0">
+                                <a:latin typeface="Cambria Math" panose="02040503050406030204" pitchFamily="18" charset="0"/>
+                              </a:rPr>
+                              <m:t>1</m:t>
+                            </m:r>
+                          </m:sub>
+                        </m:sSub>
+                        <m:sSub>
+                          <m:sSubPr>
+                            <m:ctrlPr>
+                              <a:rPr lang="en-US" altLang="zh-CN" b="0" i="1" smtClean="0">
+                                <a:latin typeface="Cambria Math" panose="02040503050406030204" pitchFamily="18" charset="0"/>
+                              </a:rPr>
+                            </m:ctrlPr>
+                          </m:sSubPr>
+                          <m:e>
+                            <m:r>
+                              <a:rPr lang="en-US" altLang="zh-CN" b="0" i="1" smtClean="0">
+                                <a:latin typeface="Cambria Math" panose="02040503050406030204" pitchFamily="18" charset="0"/>
+                              </a:rPr>
+                              <m:t>𝑄</m:t>
+                            </m:r>
+                          </m:e>
+                          <m:sub>
+                            <m:r>
+                              <a:rPr lang="en-US" altLang="zh-CN" b="0" i="1" smtClean="0">
+                                <a:latin typeface="Cambria Math" panose="02040503050406030204" pitchFamily="18" charset="0"/>
+                              </a:rPr>
+                              <m:t>2</m:t>
+                            </m:r>
+                          </m:sub>
+                        </m:sSub>
+                        <m:sSub>
+                          <m:sSubPr>
+                            <m:ctrlPr>
+                              <a:rPr lang="en-US" altLang="zh-CN" b="0" i="1" smtClean="0">
+                                <a:latin typeface="Cambria Math" panose="02040503050406030204" pitchFamily="18" charset="0"/>
+                              </a:rPr>
+                            </m:ctrlPr>
+                          </m:sSubPr>
+                          <m:e>
+                            <m:r>
+                              <a:rPr lang="en-US" altLang="zh-CN" b="0" i="1" smtClean="0">
+                                <a:latin typeface="Cambria Math" panose="02040503050406030204" pitchFamily="18" charset="0"/>
+                              </a:rPr>
+                              <m:t>𝑄</m:t>
+                            </m:r>
+                          </m:e>
+                          <m:sub>
+                            <m:r>
+                              <a:rPr lang="en-US" altLang="zh-CN" b="0" i="1" smtClean="0">
+                                <a:latin typeface="Cambria Math" panose="02040503050406030204" pitchFamily="18" charset="0"/>
+                              </a:rPr>
+                              <m:t>3</m:t>
+                            </m:r>
+                          </m:sub>
+                        </m:sSub>
+                        <m:sSub>
+                          <m:sSubPr>
+                            <m:ctrlPr>
+                              <a:rPr lang="en-US" altLang="zh-CN" b="0" i="1" smtClean="0">
+                                <a:latin typeface="Cambria Math" panose="02040503050406030204" pitchFamily="18" charset="0"/>
+                              </a:rPr>
+                            </m:ctrlPr>
+                          </m:sSubPr>
+                          <m:e>
+                            <m:r>
+                              <a:rPr lang="en-US" altLang="zh-CN" b="0" i="1" smtClean="0">
+                                <a:latin typeface="Cambria Math" panose="02040503050406030204" pitchFamily="18" charset="0"/>
+                              </a:rPr>
+                              <m:t>𝑄</m:t>
+                            </m:r>
+                          </m:e>
+                          <m:sub>
+                            <m:r>
+                              <a:rPr lang="en-US" altLang="zh-CN" b="0" i="1" smtClean="0">
+                                <a:latin typeface="Cambria Math" panose="02040503050406030204" pitchFamily="18" charset="0"/>
+                              </a:rPr>
+                              <m:t>4</m:t>
+                            </m:r>
+                          </m:sub>
+                        </m:sSub>
+                      </m:e>
+                    </m:d>
+                  </m:oMath>
+                </a14:m>
+                <a:endParaRPr lang="en-US" altLang="zh-CN" dirty="0" smtClean="0"/>
+              </a:p>
+              <a:p>
+                <a:pPr lvl="1"/>
+                <a:r>
+                  <a:rPr lang="zh-CN" altLang="en-US" dirty="0"/>
+                  <a:t>均</a:t>
+                </a:r>
+                <a:r>
+                  <a:rPr lang="zh-CN" altLang="en-US" dirty="0" smtClean="0"/>
+                  <a:t>不“消失”；</a:t>
+                </a:r>
+                <a:endParaRPr lang="en-US" altLang="zh-CN" dirty="0" smtClean="0"/>
+              </a:p>
+              <a:p>
+                <a:pPr lvl="1"/>
+                <a:r>
+                  <a:rPr lang="zh-CN" altLang="en-US" dirty="0" smtClean="0"/>
+                  <a:t>“消失”其一；</a:t>
+                </a:r>
+                <a:endParaRPr lang="en-US" altLang="zh-CN" dirty="0" smtClean="0"/>
+              </a:p>
+              <a:p>
+                <a:pPr lvl="1"/>
+                <a:r>
+                  <a:rPr lang="zh-CN" altLang="en-US" dirty="0" smtClean="0"/>
+                  <a:t>均“消失”。</a:t>
+                </a:r>
+                <a:endParaRPr lang="zh-CN" altLang="en-US" dirty="0"/>
+              </a:p>
+            </p:txBody>
+          </p:sp>
+        </mc:Choice>
+        <mc:Fallback xmlns="">
+          <p:sp>
+            <p:nvSpPr>
+              <p:cNvPr id="3" name="内容占位符 2"/>
+              <p:cNvSpPr>
+                <a:spLocks noGrp="1" noRot="1" noChangeAspect="1" noMove="1" noResize="1" noEditPoints="1" noAdjustHandles="1" noChangeArrowheads="1" noChangeShapeType="1" noTextEdit="1"/>
+              </p:cNvSpPr>
+              <p:nvPr>
+                <p:ph idx="1"/>
+              </p:nvPr>
+            </p:nvSpPr>
+            <p:spPr>
+              <a:blipFill rotWithShape="0">
+                <a:blip r:embed="rId3"/>
+                <a:stretch>
+                  <a:fillRect l="-773" t="-1261"/>
+                </a:stretch>
+              </a:blipFill>
+            </p:spPr>
+            <p:txBody>
+              <a:bodyPr/>
+              <a:lstStyle/>
+              <a:p>
+                <a:r>
+                  <a:rPr lang="zh-CN" altLang="en-US">
+                    <a:noFill/>
+                  </a:rPr>
+                  <a:t> </a:t>
+                </a:r>
+              </a:p>
+            </p:txBody>
+          </p:sp>
+        </mc:Fallback>
+      </mc:AlternateContent>
+      <p:sp>
+        <p:nvSpPr>
+          <p:cNvPr id="4" name="日期占位符 3"/>
+          <p:cNvSpPr>
+            <a:spLocks noGrp="1"/>
+          </p:cNvSpPr>
+          <p:nvPr>
+            <p:ph type="dt" sz="half" idx="10"/>
+          </p:nvPr>
+        </p:nvSpPr>
+        <p:spPr/>
+        <p:txBody>
+          <a:bodyPr/>
+          <a:lstStyle/>
+          <a:p>
+            <a:fld id="{CB6718E4-7406-45F3-BB60-A335F7C1373F}" type="datetime1">
+              <a:rPr lang="zh-CN" altLang="en-US" smtClean="0"/>
+              <a:t>2016/4/14</a:t>
+            </a:fld>
+            <a:endParaRPr lang="zh-CN" altLang="en-US"/>
+          </a:p>
+        </p:txBody>
+      </p:sp>
+      <p:sp>
+        <p:nvSpPr>
+          <p:cNvPr id="5" name="页脚占位符 4"/>
+          <p:cNvSpPr>
+            <a:spLocks noGrp="1"/>
+          </p:cNvSpPr>
+          <p:nvPr>
+            <p:ph type="ftr" sz="quarter" idx="11"/>
+          </p:nvPr>
+        </p:nvSpPr>
+        <p:spPr/>
+        <p:txBody>
+          <a:bodyPr/>
+          <a:lstStyle/>
+          <a:p>
+            <a:r>
+              <a:rPr lang="zh-CN" altLang="en-US" dirty="0"/>
+              <a:t>新结构</a:t>
+            </a:r>
+            <a:r>
+              <a:rPr lang="en-US" altLang="zh-CN" dirty="0"/>
+              <a:t>PUF</a:t>
+            </a:r>
+            <a:endParaRPr lang="zh-CN" altLang="en-US" dirty="0"/>
+          </a:p>
+        </p:txBody>
+      </p:sp>
+      <p:sp>
+        <p:nvSpPr>
+          <p:cNvPr id="6" name="灯片编号占位符 5"/>
+          <p:cNvSpPr>
+            <a:spLocks noGrp="1"/>
+          </p:cNvSpPr>
+          <p:nvPr>
+            <p:ph type="sldNum" sz="quarter" idx="12"/>
+          </p:nvPr>
+        </p:nvSpPr>
+        <p:spPr/>
+        <p:txBody>
+          <a:bodyPr/>
+          <a:lstStyle/>
+          <a:p>
+            <a:fld id="{ED34C3B6-DCD7-4A30-8693-C31ECCFCB39D}" type="slidenum">
+              <a:rPr lang="zh-CN" altLang="en-US" smtClean="0"/>
+              <a:t>44</a:t>
+            </a:fld>
+            <a:endParaRPr lang="zh-CN" altLang="en-US"/>
+          </a:p>
+        </p:txBody>
+      </p:sp>
+      <p:pic>
+        <p:nvPicPr>
+          <p:cNvPr id="8" name="图片 7"/>
+          <p:cNvPicPr>
+            <a:picLocks noChangeAspect="1"/>
+          </p:cNvPicPr>
+          <p:nvPr/>
+        </p:nvPicPr>
+        <p:blipFill>
+          <a:blip r:embed="rId4"/>
+          <a:stretch>
+            <a:fillRect/>
+          </a:stretch>
+        </p:blipFill>
+        <p:spPr>
+          <a:xfrm>
+            <a:off x="820239" y="3797521"/>
+            <a:ext cx="4573458" cy="2468305"/>
+          </a:xfrm>
+          <a:prstGeom prst="rect">
+            <a:avLst/>
+          </a:prstGeom>
+        </p:spPr>
+      </p:pic>
+      <p:sp>
+        <p:nvSpPr>
+          <p:cNvPr id="9" name="椭圆 8"/>
+          <p:cNvSpPr/>
+          <p:nvPr/>
+        </p:nvSpPr>
+        <p:spPr>
+          <a:xfrm>
+            <a:off x="5585286" y="4234952"/>
+            <a:ext cx="1942011" cy="1942011"/>
+          </a:xfrm>
+          <a:prstGeom prst="ellipse">
+            <a:avLst/>
+          </a:prstGeom>
+        </p:spPr>
+        <p:style>
+          <a:lnRef idx="2">
+            <a:schemeClr val="accent1">
+              <a:shade val="50000"/>
+            </a:schemeClr>
+          </a:lnRef>
+          <a:fillRef idx="1">
+            <a:schemeClr val="accent1"/>
+          </a:fillRef>
+          <a:effectRef idx="0">
+            <a:schemeClr val="accent1"/>
+          </a:effectRef>
+          <a:fontRef idx="minor">
+            <a:schemeClr val="lt1"/>
+          </a:fontRef>
+        </p:style>
+        <p:txBody>
+          <a:bodyPr rtlCol="0" anchor="ctr"/>
+          <a:lstStyle/>
+          <a:p>
+            <a:pPr algn="ctr"/>
+            <a:endParaRPr lang="zh-CN" altLang="en-US"/>
+          </a:p>
+        </p:txBody>
+      </p:sp>
+      <p:cxnSp>
+        <p:nvCxnSpPr>
+          <p:cNvPr id="11" name="直接连接符 10"/>
+          <p:cNvCxnSpPr>
+            <a:stCxn id="9" idx="0"/>
+            <a:endCxn id="9" idx="4"/>
+          </p:cNvCxnSpPr>
+          <p:nvPr/>
+        </p:nvCxnSpPr>
+        <p:spPr>
+          <a:xfrm>
+            <a:off x="6556292" y="4234952"/>
+            <a:ext cx="0" cy="1942011"/>
+          </a:xfrm>
+          <a:prstGeom prst="line">
+            <a:avLst/>
+          </a:prstGeom>
+          <a:ln w="19050">
+            <a:solidFill>
+              <a:schemeClr val="tx1"/>
+            </a:solidFill>
+          </a:ln>
+        </p:spPr>
+        <p:style>
+          <a:lnRef idx="1">
+            <a:schemeClr val="accent1"/>
+          </a:lnRef>
+          <a:fillRef idx="0">
+            <a:schemeClr val="accent1"/>
+          </a:fillRef>
+          <a:effectRef idx="0">
+            <a:schemeClr val="accent1"/>
+          </a:effectRef>
+          <a:fontRef idx="minor">
+            <a:schemeClr val="tx1"/>
+          </a:fontRef>
+        </p:style>
+      </p:cxnSp>
+      <p:sp>
+        <p:nvSpPr>
+          <p:cNvPr id="12" name="椭圆 11"/>
+          <p:cNvSpPr/>
+          <p:nvPr/>
+        </p:nvSpPr>
+        <p:spPr>
+          <a:xfrm>
+            <a:off x="5878286" y="4772297"/>
+            <a:ext cx="461554" cy="818606"/>
+          </a:xfrm>
+          <a:prstGeom prst="ellipse">
+            <a:avLst/>
+          </a:prstGeom>
+          <a:solidFill>
+            <a:schemeClr val="accent2"/>
+          </a:solidFill>
+        </p:spPr>
+        <p:style>
+          <a:lnRef idx="2">
+            <a:schemeClr val="accent1">
+              <a:shade val="50000"/>
+            </a:schemeClr>
+          </a:lnRef>
+          <a:fillRef idx="1">
+            <a:schemeClr val="accent1"/>
+          </a:fillRef>
+          <a:effectRef idx="0">
+            <a:schemeClr val="accent1"/>
+          </a:effectRef>
+          <a:fontRef idx="minor">
+            <a:schemeClr val="lt1"/>
+          </a:fontRef>
+        </p:style>
+        <p:txBody>
+          <a:bodyPr rtlCol="0" anchor="ctr"/>
+          <a:lstStyle/>
+          <a:p>
+            <a:pPr algn="ctr"/>
+            <a:endParaRPr lang="zh-CN" altLang="en-US"/>
+          </a:p>
+        </p:txBody>
+      </p:sp>
+      <p:sp>
+        <p:nvSpPr>
+          <p:cNvPr id="15" name="文本框 14"/>
+          <p:cNvSpPr txBox="1"/>
+          <p:nvPr/>
+        </p:nvSpPr>
+        <p:spPr>
+          <a:xfrm>
+            <a:off x="6645479" y="5021291"/>
+            <a:ext cx="681931" cy="369332"/>
+          </a:xfrm>
+          <a:prstGeom prst="rect">
+            <a:avLst/>
+          </a:prstGeom>
+          <a:noFill/>
+        </p:spPr>
+        <p:txBody>
+          <a:bodyPr wrap="square" rtlCol="0">
+            <a:spAutoFit/>
+          </a:bodyPr>
+          <a:lstStyle/>
+          <a:p>
+            <a:r>
+              <a:rPr lang="zh-CN" altLang="en-US" dirty="0" smtClean="0"/>
+              <a:t>随机</a:t>
+            </a:r>
+            <a:endParaRPr lang="zh-CN" altLang="en-US" dirty="0"/>
+          </a:p>
+        </p:txBody>
+      </p:sp>
+      <p:sp>
+        <p:nvSpPr>
+          <p:cNvPr id="16" name="文本框 15"/>
+          <p:cNvSpPr txBox="1"/>
+          <p:nvPr/>
+        </p:nvSpPr>
+        <p:spPr>
+          <a:xfrm>
+            <a:off x="5838827" y="4996934"/>
+            <a:ext cx="681931" cy="369332"/>
+          </a:xfrm>
+          <a:prstGeom prst="rect">
+            <a:avLst/>
+          </a:prstGeom>
+          <a:noFill/>
+        </p:spPr>
+        <p:txBody>
+          <a:bodyPr wrap="square" rtlCol="0">
+            <a:spAutoFit/>
+          </a:bodyPr>
+          <a:lstStyle/>
+          <a:p>
+            <a:r>
+              <a:rPr lang="en-US" altLang="zh-CN" dirty="0" smtClean="0"/>
+              <a:t>XOR</a:t>
+            </a:r>
+            <a:endParaRPr lang="zh-CN" altLang="en-US" dirty="0"/>
+          </a:p>
+        </p:txBody>
+      </p:sp>
+      <p:sp>
+        <p:nvSpPr>
+          <p:cNvPr id="17" name="文本框 16"/>
+          <p:cNvSpPr txBox="1"/>
+          <p:nvPr/>
+        </p:nvSpPr>
+        <p:spPr>
+          <a:xfrm>
+            <a:off x="6255846" y="4281550"/>
+            <a:ext cx="571674" cy="374469"/>
+          </a:xfrm>
+          <a:prstGeom prst="rect">
+            <a:avLst/>
+          </a:prstGeom>
+          <a:solidFill>
+            <a:schemeClr val="bg1"/>
+          </a:solidFill>
+          <a:ln>
+            <a:solidFill>
+              <a:schemeClr val="tx1"/>
+            </a:solidFill>
+          </a:ln>
+        </p:spPr>
+        <p:txBody>
+          <a:bodyPr wrap="square" rtlCol="0">
+            <a:spAutoFit/>
+          </a:bodyPr>
+          <a:lstStyle/>
+          <a:p>
+            <a:r>
+              <a:rPr lang="en-US" altLang="zh-CN" dirty="0" smtClean="0"/>
+              <a:t>CRP</a:t>
+            </a:r>
+            <a:endParaRPr lang="zh-CN" altLang="en-US" dirty="0"/>
+          </a:p>
+        </p:txBody>
+      </p:sp>
+      <p:sp>
+        <p:nvSpPr>
+          <p:cNvPr id="18" name="矩形 17"/>
+          <p:cNvSpPr/>
+          <p:nvPr/>
+        </p:nvSpPr>
+        <p:spPr>
+          <a:xfrm>
+            <a:off x="7242821" y="4719825"/>
+            <a:ext cx="1641565" cy="923330"/>
+          </a:xfrm>
+          <a:prstGeom prst="rect">
+            <a:avLst/>
+          </a:prstGeom>
+        </p:spPr>
+        <p:txBody>
+          <a:bodyPr wrap="square">
+            <a:spAutoFit/>
+          </a:bodyPr>
+          <a:lstStyle/>
+          <a:p>
+            <a:pPr lvl="1"/>
+            <a:r>
+              <a:rPr lang="zh-CN" altLang="en-US" dirty="0"/>
+              <a:t>多次采样，舍弃随机响应</a:t>
+            </a:r>
+            <a:endParaRPr lang="zh-CN" altLang="en-US" dirty="0"/>
+          </a:p>
+        </p:txBody>
+      </p:sp>
+    </p:spTree>
+    <p:extLst>
+      <p:ext uri="{BB962C8B-B14F-4D97-AF65-F5344CB8AC3E}">
+        <p14:creationId xmlns:p14="http://schemas.microsoft.com/office/powerpoint/2010/main" val="3603376346"/>
+      </p:ext>
+    </p:extLst>
+  </p:cSld>
+  <p:clrMapOvr>
+    <a:masterClrMapping/>
+  </p:clrMapOvr>
+  <p:timing>
+    <p:tnLst>
+      <p:par>
+        <p:cTn id="1" dur="indefinite" restart="never" nodeType="tmRoot"/>
+      </p:par>
+    </p:tnLst>
+  </p:timing>
+</p:sld>
+</file>
+
+<file path=ppt/slides/slide45.xml><?xml version="1.0" encoding="utf-8"?>
+<p:sld xmlns:a="http://schemas.openxmlformats.org/drawingml/2006/main" xmlns:r="http://schemas.openxmlformats.org/officeDocument/2006/relationships" xmlns:p="http://schemas.openxmlformats.org/presentationml/2006/main">
+  <p:cSld>
+    <p:spTree>
+      <p:nvGrpSpPr>
+        <p:cNvPr id="1" name=""/>
+        <p:cNvGrpSpPr/>
+        <p:nvPr/>
+      </p:nvGrpSpPr>
+      <p:grpSpPr>
+        <a:xfrm>
+          <a:off x="0" y="0"/>
+          <a:ext cx="0" cy="0"/>
+          <a:chOff x="0" y="0"/>
+          <a:chExt cx="0" cy="0"/>
+        </a:xfrm>
+      </p:grpSpPr>
       <p:sp>
         <p:nvSpPr>
           <p:cNvPr id="3" name="内容占位符 2"/>
@@ -30414,7 +33335,7 @@
           <a:p>
             <a:fld id="{CB6718E4-7406-45F3-BB60-A335F7C1373F}" type="datetime1">
               <a:rPr lang="zh-CN" altLang="en-US" smtClean="0"/>
-              <a:t>2016/4/13</a:t>
+              <a:t>2016/4/14</a:t>
             </a:fld>
             <a:endParaRPr lang="zh-CN" altLang="en-US"/>
           </a:p>
@@ -30464,7 +33385,7 @@
           <a:p>
             <a:fld id="{ED34C3B6-DCD7-4A30-8693-C31ECCFCB39D}" type="slidenum">
               <a:rPr lang="zh-CN" altLang="en-US" smtClean="0"/>
-              <a:t>40</a:t>
+              <a:t>45</a:t>
             </a:fld>
             <a:endParaRPr lang="zh-CN" altLang="en-US"/>
           </a:p>
@@ -30573,7 +33494,7 @@
 </p:sld>
 </file>
 
-<file path=ppt/slides/slide41.xml><?xml version="1.0" encoding="utf-8"?>
+<file path=ppt/slides/slide46.xml><?xml version="1.0" encoding="utf-8"?>
 <p:sld xmlns:a="http://schemas.openxmlformats.org/drawingml/2006/main" xmlns:r="http://schemas.openxmlformats.org/officeDocument/2006/relationships" xmlns:p="http://schemas.openxmlformats.org/presentationml/2006/main">
   <p:cSld>
     <p:spTree>
@@ -30606,39 +33527,64 @@
           <a:lstStyle/>
           <a:p>
             <a:r>
+              <a:rPr lang="en-US" altLang="zh-CN" dirty="0" smtClean="0"/>
+              <a:t>RPA-PUF</a:t>
+            </a:r>
+            <a:r>
               <a:rPr lang="zh-CN" altLang="en-US" dirty="0" smtClean="0"/>
-              <a:t>随机性分布对比</a:t>
+              <a:t>建模攻击</a:t>
             </a:r>
             <a:endParaRPr lang="zh-CN" altLang="en-US" dirty="0"/>
           </a:p>
         </p:txBody>
       </p:sp>
-      <p:pic>
-        <p:nvPicPr>
-          <p:cNvPr id="14" name="内容占位符 13"/>
-          <p:cNvPicPr>
-            <a:picLocks noGrp="1" noChangeAspect="1"/>
-          </p:cNvPicPr>
+      <p:sp>
+        <p:nvSpPr>
+          <p:cNvPr id="11" name="内容占位符 10"/>
+          <p:cNvSpPr>
+            <a:spLocks noGrp="1"/>
+          </p:cNvSpPr>
           <p:nvPr>
             <p:ph idx="1"/>
           </p:nvPr>
-        </p:nvPicPr>
-        <p:blipFill>
-          <a:blip r:embed="rId2"/>
-          <a:stretch>
-            <a:fillRect/>
-          </a:stretch>
-        </p:blipFill>
-        <p:spPr>
-          <a:xfrm>
-            <a:off x="628650" y="1849982"/>
-            <a:ext cx="7886700" cy="4302623"/>
-          </a:xfrm>
-          <a:prstGeom prst="rect">
-            <a:avLst/>
-          </a:prstGeom>
-        </p:spPr>
-      </p:pic>
+        </p:nvSpPr>
+        <p:spPr/>
+        <p:txBody>
+          <a:bodyPr/>
+          <a:lstStyle/>
+          <a:p>
+            <a:r>
+              <a:rPr lang="en-US" altLang="zh-CN" dirty="0" smtClean="0"/>
+              <a:t>SVM</a:t>
+            </a:r>
+            <a:r>
+              <a:rPr lang="zh-CN" altLang="en-US" dirty="0" smtClean="0"/>
+              <a:t>结果</a:t>
+            </a:r>
+            <a:endParaRPr lang="en-US" altLang="zh-CN" dirty="0" smtClean="0"/>
+          </a:p>
+          <a:p>
+            <a:pPr lvl="1"/>
+            <a:r>
+              <a:rPr lang="en-US" altLang="zh-CN" dirty="0" smtClean="0"/>
+              <a:t>RPAPUF</a:t>
+            </a:r>
+            <a:r>
+              <a:rPr lang="zh-CN" altLang="en-US" dirty="0" smtClean="0"/>
+              <a:t>使用</a:t>
+            </a:r>
+            <a:r>
+              <a:rPr lang="en-US" altLang="zh-CN" dirty="0" smtClean="0"/>
+              <a:t>XOR</a:t>
+            </a:r>
+            <a:r>
+              <a:rPr lang="zh-CN" altLang="en-US" dirty="0" smtClean="0"/>
+              <a:t>模型</a:t>
+            </a:r>
+            <a:endParaRPr lang="zh-CN" altLang="en-US" dirty="0"/>
+          </a:p>
+        </p:txBody>
+      </p:sp>
       <p:sp>
         <p:nvSpPr>
           <p:cNvPr id="4" name="日期占位符 3"/>
@@ -30656,7 +33602,7 @@
           <a:p>
             <a:fld id="{119374D9-14D0-4474-9391-63783E145F62}" type="datetime1">
               <a:rPr lang="zh-CN" altLang="en-US" smtClean="0"/>
-              <a:t>2016/4/13</a:t>
+              <a:t>2016/4/14</a:t>
             </a:fld>
             <a:endParaRPr lang="zh-CN" altLang="en-US"/>
           </a:p>
@@ -30706,350 +33652,7 @@
           <a:p>
             <a:fld id="{ED34C3B6-DCD7-4A30-8693-C31ECCFCB39D}" type="slidenum">
               <a:rPr lang="zh-CN" altLang="en-US" smtClean="0"/>
-              <a:t>41</a:t>
-            </a:fld>
-            <a:endParaRPr lang="zh-CN" altLang="en-US"/>
-          </a:p>
-        </p:txBody>
-      </p:sp>
-    </p:spTree>
-    <p:extLst>
-      <p:ext uri="{BB962C8B-B14F-4D97-AF65-F5344CB8AC3E}">
-        <p14:creationId xmlns:p14="http://schemas.microsoft.com/office/powerpoint/2010/main" val="3622155454"/>
-      </p:ext>
-    </p:extLst>
-  </p:cSld>
-  <p:clrMapOvr>
-    <a:masterClrMapping/>
-  </p:clrMapOvr>
-  <p:timing>
-    <p:tnLst>
-      <p:par>
-        <p:cTn id="1" dur="indefinite" restart="never" nodeType="tmRoot"/>
-      </p:par>
-    </p:tnLst>
-  </p:timing>
-</p:sld>
-</file>
-
-<file path=ppt/slides/slide42.xml><?xml version="1.0" encoding="utf-8"?>
-<p:sld xmlns:a="http://schemas.openxmlformats.org/drawingml/2006/main" xmlns:r="http://schemas.openxmlformats.org/officeDocument/2006/relationships" xmlns:p="http://schemas.openxmlformats.org/presentationml/2006/main">
-  <p:cSld>
-    <p:spTree>
-      <p:nvGrpSpPr>
-        <p:cNvPr id="1" name=""/>
-        <p:cNvGrpSpPr/>
-        <p:nvPr/>
-      </p:nvGrpSpPr>
-      <p:grpSpPr>
-        <a:xfrm>
-          <a:off x="0" y="0"/>
-          <a:ext cx="0" cy="0"/>
-          <a:chOff x="0" y="0"/>
-          <a:chExt cx="0" cy="0"/>
-        </a:xfrm>
-      </p:grpSpPr>
-      <p:sp>
-        <p:nvSpPr>
-          <p:cNvPr id="10" name="标题 9"/>
-          <p:cNvSpPr>
-            <a:spLocks noGrp="1"/>
-          </p:cNvSpPr>
-          <p:nvPr>
-            <p:ph type="title"/>
-          </p:nvPr>
-        </p:nvSpPr>
-        <p:spPr/>
-        <p:txBody>
-          <a:bodyPr/>
-          <a:lstStyle/>
-          <a:p>
-            <a:r>
-              <a:rPr lang="zh-CN" altLang="en-US" dirty="0" smtClean="0"/>
-              <a:t>独特性分布对比</a:t>
-            </a:r>
-            <a:endParaRPr lang="zh-CN" altLang="en-US" dirty="0"/>
-          </a:p>
-        </p:txBody>
-      </p:sp>
-      <p:sp>
-        <p:nvSpPr>
-          <p:cNvPr id="4" name="日期占位符 3"/>
-          <p:cNvSpPr>
-            <a:spLocks noGrp="1"/>
-          </p:cNvSpPr>
-          <p:nvPr>
-            <p:ph type="dt" sz="half" idx="10"/>
-          </p:nvPr>
-        </p:nvSpPr>
-        <p:spPr/>
-        <p:txBody>
-          <a:bodyPr/>
-          <a:lstStyle/>
-          <a:p>
-            <a:fld id="{119374D9-14D0-4474-9391-63783E145F62}" type="datetime1">
-              <a:rPr lang="zh-CN" altLang="en-US" smtClean="0"/>
-              <a:t>2016/4/13</a:t>
-            </a:fld>
-            <a:endParaRPr lang="zh-CN" altLang="en-US"/>
-          </a:p>
-        </p:txBody>
-      </p:sp>
-      <p:sp>
-        <p:nvSpPr>
-          <p:cNvPr id="5" name="页脚占位符 4"/>
-          <p:cNvSpPr>
-            <a:spLocks noGrp="1"/>
-          </p:cNvSpPr>
-          <p:nvPr>
-            <p:ph type="ftr" sz="quarter" idx="11"/>
-          </p:nvPr>
-        </p:nvSpPr>
-        <p:spPr/>
-        <p:txBody>
-          <a:bodyPr/>
-          <a:lstStyle/>
-          <a:p>
-            <a:r>
-              <a:rPr lang="zh-CN" altLang="en-US" dirty="0"/>
-              <a:t>新结构</a:t>
-            </a:r>
-            <a:r>
-              <a:rPr lang="en-US" altLang="zh-CN" dirty="0"/>
-              <a:t>PUF</a:t>
-            </a:r>
-            <a:endParaRPr lang="zh-CN" altLang="en-US" dirty="0"/>
-          </a:p>
-        </p:txBody>
-      </p:sp>
-      <p:sp>
-        <p:nvSpPr>
-          <p:cNvPr id="6" name="灯片编号占位符 5"/>
-          <p:cNvSpPr>
-            <a:spLocks noGrp="1"/>
-          </p:cNvSpPr>
-          <p:nvPr>
-            <p:ph type="sldNum" sz="quarter" idx="12"/>
-          </p:nvPr>
-        </p:nvSpPr>
-        <p:spPr/>
-        <p:txBody>
-          <a:bodyPr/>
-          <a:lstStyle/>
-          <a:p>
-            <a:fld id="{ED34C3B6-DCD7-4A30-8693-C31ECCFCB39D}" type="slidenum">
-              <a:rPr lang="zh-CN" altLang="en-US" smtClean="0"/>
-              <a:t>42</a:t>
-            </a:fld>
-            <a:endParaRPr lang="zh-CN" altLang="en-US"/>
-          </a:p>
-        </p:txBody>
-      </p:sp>
-      <p:pic>
-        <p:nvPicPr>
-          <p:cNvPr id="3" name="内容占位符 2"/>
-          <p:cNvPicPr>
-            <a:picLocks noGrp="1" noChangeAspect="1"/>
-          </p:cNvPicPr>
-          <p:nvPr>
-            <p:ph idx="1"/>
-          </p:nvPr>
-        </p:nvPicPr>
-        <p:blipFill>
-          <a:blip r:embed="rId2"/>
-          <a:stretch>
-            <a:fillRect/>
-          </a:stretch>
-        </p:blipFill>
-        <p:spPr>
-          <a:xfrm>
-            <a:off x="628650" y="1863738"/>
-            <a:ext cx="7886700" cy="4275112"/>
-          </a:xfrm>
-          <a:prstGeom prst="rect">
-            <a:avLst/>
-          </a:prstGeom>
-        </p:spPr>
-      </p:pic>
-    </p:spTree>
-    <p:extLst>
-      <p:ext uri="{BB962C8B-B14F-4D97-AF65-F5344CB8AC3E}">
-        <p14:creationId xmlns:p14="http://schemas.microsoft.com/office/powerpoint/2010/main" val="296786486"/>
-      </p:ext>
-    </p:extLst>
-  </p:cSld>
-  <p:clrMapOvr>
-    <a:masterClrMapping/>
-  </p:clrMapOvr>
-  <p:timing>
-    <p:tnLst>
-      <p:par>
-        <p:cTn id="1" dur="indefinite" restart="never" nodeType="tmRoot"/>
-      </p:par>
-    </p:tnLst>
-  </p:timing>
-</p:sld>
-</file>
-
-<file path=ppt/slides/slide43.xml><?xml version="1.0" encoding="utf-8"?>
-<p:sld xmlns:a="http://schemas.openxmlformats.org/drawingml/2006/main" xmlns:r="http://schemas.openxmlformats.org/officeDocument/2006/relationships" xmlns:p="http://schemas.openxmlformats.org/presentationml/2006/main">
-  <p:cSld>
-    <p:spTree>
-      <p:nvGrpSpPr>
-        <p:cNvPr id="1" name=""/>
-        <p:cNvGrpSpPr/>
-        <p:nvPr/>
-      </p:nvGrpSpPr>
-      <p:grpSpPr>
-        <a:xfrm>
-          <a:off x="0" y="0"/>
-          <a:ext cx="0" cy="0"/>
-          <a:chOff x="0" y="0"/>
-          <a:chExt cx="0" cy="0"/>
-        </a:xfrm>
-      </p:grpSpPr>
-      <p:sp>
-        <p:nvSpPr>
-          <p:cNvPr id="10" name="标题 9"/>
-          <p:cNvSpPr>
-            <a:spLocks noGrp="1"/>
-          </p:cNvSpPr>
-          <p:nvPr>
-            <p:ph type="title"/>
-          </p:nvPr>
-        </p:nvSpPr>
-        <p:spPr/>
-        <p:txBody>
-          <a:bodyPr/>
-          <a:lstStyle/>
-          <a:p>
-            <a:r>
-              <a:rPr lang="en-US" altLang="zh-CN" dirty="0" smtClean="0"/>
-              <a:t>RPA-PUF</a:t>
-            </a:r>
-            <a:r>
-              <a:rPr lang="zh-CN" altLang="en-US" dirty="0" smtClean="0"/>
-              <a:t>建模攻击</a:t>
-            </a:r>
-            <a:endParaRPr lang="zh-CN" altLang="en-US" dirty="0"/>
-          </a:p>
-        </p:txBody>
-      </p:sp>
-      <p:sp>
-        <p:nvSpPr>
-          <p:cNvPr id="11" name="内容占位符 10"/>
-          <p:cNvSpPr>
-            <a:spLocks noGrp="1"/>
-          </p:cNvSpPr>
-          <p:nvPr>
-            <p:ph idx="1"/>
-          </p:nvPr>
-        </p:nvSpPr>
-        <p:spPr/>
-        <p:txBody>
-          <a:bodyPr/>
-          <a:lstStyle/>
-          <a:p>
-            <a:r>
-              <a:rPr lang="en-US" altLang="zh-CN" dirty="0" smtClean="0"/>
-              <a:t>SVM</a:t>
-            </a:r>
-            <a:r>
-              <a:rPr lang="zh-CN" altLang="en-US" dirty="0" smtClean="0"/>
-              <a:t>结果</a:t>
-            </a:r>
-            <a:endParaRPr lang="en-US" altLang="zh-CN" dirty="0" smtClean="0"/>
-          </a:p>
-          <a:p>
-            <a:pPr lvl="1"/>
-            <a:r>
-              <a:rPr lang="en-US" altLang="zh-CN" dirty="0" smtClean="0"/>
-              <a:t>RPAPUF</a:t>
-            </a:r>
-            <a:r>
-              <a:rPr lang="zh-CN" altLang="en-US" dirty="0" smtClean="0"/>
-              <a:t>使用</a:t>
-            </a:r>
-            <a:r>
-              <a:rPr lang="en-US" altLang="zh-CN" dirty="0" smtClean="0"/>
-              <a:t>XOR</a:t>
-            </a:r>
-            <a:r>
-              <a:rPr lang="zh-CN" altLang="en-US" dirty="0" smtClean="0"/>
-              <a:t>模型</a:t>
-            </a:r>
-            <a:endParaRPr lang="zh-CN" altLang="en-US" dirty="0"/>
-          </a:p>
-        </p:txBody>
-      </p:sp>
-      <p:sp>
-        <p:nvSpPr>
-          <p:cNvPr id="4" name="日期占位符 3"/>
-          <p:cNvSpPr>
-            <a:spLocks noGrp="1"/>
-          </p:cNvSpPr>
-          <p:nvPr>
-            <p:ph type="dt" sz="half" idx="10"/>
-          </p:nvPr>
-        </p:nvSpPr>
-        <p:spPr/>
-        <p:txBody>
-          <a:bodyPr/>
-          <a:lstStyle/>
-          <a:p>
-            <a:fld id="{119374D9-14D0-4474-9391-63783E145F62}" type="datetime1">
-              <a:rPr lang="zh-CN" altLang="en-US" smtClean="0"/>
-              <a:t>2016/4/13</a:t>
-            </a:fld>
-            <a:endParaRPr lang="zh-CN" altLang="en-US"/>
-          </a:p>
-        </p:txBody>
-      </p:sp>
-      <p:sp>
-        <p:nvSpPr>
-          <p:cNvPr id="5" name="页脚占位符 4"/>
-          <p:cNvSpPr>
-            <a:spLocks noGrp="1"/>
-          </p:cNvSpPr>
-          <p:nvPr>
-            <p:ph type="ftr" sz="quarter" idx="11"/>
-          </p:nvPr>
-        </p:nvSpPr>
-        <p:spPr/>
-        <p:txBody>
-          <a:bodyPr/>
-          <a:lstStyle/>
-          <a:p>
-            <a:r>
-              <a:rPr lang="zh-CN" altLang="en-US" dirty="0"/>
-              <a:t>新结构</a:t>
-            </a:r>
-            <a:r>
-              <a:rPr lang="en-US" altLang="zh-CN" dirty="0"/>
-              <a:t>PUF</a:t>
-            </a:r>
-            <a:endParaRPr lang="zh-CN" altLang="en-US" dirty="0"/>
-          </a:p>
-        </p:txBody>
-      </p:sp>
-      <p:sp>
-        <p:nvSpPr>
-          <p:cNvPr id="6" name="灯片编号占位符 5"/>
-          <p:cNvSpPr>
-            <a:spLocks noGrp="1"/>
-          </p:cNvSpPr>
-          <p:nvPr>
-            <p:ph type="sldNum" sz="quarter" idx="12"/>
-          </p:nvPr>
-        </p:nvSpPr>
-        <p:spPr/>
-        <p:txBody>
-          <a:bodyPr/>
-          <a:lstStyle/>
-          <a:p>
-            <a:fld id="{ED34C3B6-DCD7-4A30-8693-C31ECCFCB39D}" type="slidenum">
-              <a:rPr lang="zh-CN" altLang="en-US" smtClean="0"/>
-              <a:t>43</a:t>
+              <a:t>46</a:t>
             </a:fld>
             <a:endParaRPr lang="zh-CN" altLang="en-US"/>
           </a:p>
@@ -31135,7 +33738,7 @@
 </p:sld>
 </file>
 
-<file path=ppt/slides/slide44.xml><?xml version="1.0" encoding="utf-8"?>
+<file path=ppt/slides/slide47.xml><?xml version="1.0" encoding="utf-8"?>
 <p:sld xmlns:a="http://schemas.openxmlformats.org/drawingml/2006/main" xmlns:r="http://schemas.openxmlformats.org/officeDocument/2006/relationships" xmlns:p="http://schemas.openxmlformats.org/presentationml/2006/main">
   <p:cSld>
     <p:spTree>
@@ -31169,6 +33772,330 @@
           <a:p>
             <a:r>
               <a:rPr lang="zh-CN" altLang="en-US" dirty="0" smtClean="0"/>
+              <a:t>随机性分布对比</a:t>
+            </a:r>
+            <a:endParaRPr lang="zh-CN" altLang="en-US" dirty="0"/>
+          </a:p>
+        </p:txBody>
+      </p:sp>
+      <p:sp>
+        <p:nvSpPr>
+          <p:cNvPr id="4" name="日期占位符 3"/>
+          <p:cNvSpPr>
+            <a:spLocks noGrp="1"/>
+          </p:cNvSpPr>
+          <p:nvPr>
+            <p:ph type="dt" sz="half" idx="10"/>
+          </p:nvPr>
+        </p:nvSpPr>
+        <p:spPr/>
+        <p:txBody>
+          <a:bodyPr/>
+          <a:lstStyle/>
+          <a:p>
+            <a:fld id="{119374D9-14D0-4474-9391-63783E145F62}" type="datetime1">
+              <a:rPr lang="zh-CN" altLang="en-US" smtClean="0"/>
+              <a:t>2016/4/14</a:t>
+            </a:fld>
+            <a:endParaRPr lang="zh-CN" altLang="en-US"/>
+          </a:p>
+        </p:txBody>
+      </p:sp>
+      <p:sp>
+        <p:nvSpPr>
+          <p:cNvPr id="5" name="页脚占位符 4"/>
+          <p:cNvSpPr>
+            <a:spLocks noGrp="1"/>
+          </p:cNvSpPr>
+          <p:nvPr>
+            <p:ph type="ftr" sz="quarter" idx="11"/>
+          </p:nvPr>
+        </p:nvSpPr>
+        <p:spPr/>
+        <p:txBody>
+          <a:bodyPr/>
+          <a:lstStyle/>
+          <a:p>
+            <a:r>
+              <a:rPr lang="zh-CN" altLang="en-US" dirty="0"/>
+              <a:t>新结构</a:t>
+            </a:r>
+            <a:r>
+              <a:rPr lang="en-US" altLang="zh-CN" dirty="0"/>
+              <a:t>PUF</a:t>
+            </a:r>
+            <a:endParaRPr lang="zh-CN" altLang="en-US" dirty="0"/>
+          </a:p>
+        </p:txBody>
+      </p:sp>
+      <p:sp>
+        <p:nvSpPr>
+          <p:cNvPr id="6" name="灯片编号占位符 5"/>
+          <p:cNvSpPr>
+            <a:spLocks noGrp="1"/>
+          </p:cNvSpPr>
+          <p:nvPr>
+            <p:ph type="sldNum" sz="quarter" idx="12"/>
+          </p:nvPr>
+        </p:nvSpPr>
+        <p:spPr/>
+        <p:txBody>
+          <a:bodyPr/>
+          <a:lstStyle/>
+          <a:p>
+            <a:fld id="{ED34C3B6-DCD7-4A30-8693-C31ECCFCB39D}" type="slidenum">
+              <a:rPr lang="zh-CN" altLang="en-US" smtClean="0"/>
+              <a:t>47</a:t>
+            </a:fld>
+            <a:endParaRPr lang="zh-CN" altLang="en-US"/>
+          </a:p>
+        </p:txBody>
+      </p:sp>
+      <p:pic>
+        <p:nvPicPr>
+          <p:cNvPr id="3" name="内容占位符 2"/>
+          <p:cNvPicPr>
+            <a:picLocks noGrp="1" noChangeAspect="1"/>
+          </p:cNvPicPr>
+          <p:nvPr>
+            <p:ph idx="1"/>
+          </p:nvPr>
+        </p:nvPicPr>
+        <p:blipFill>
+          <a:blip r:embed="rId2" cstate="print">
+            <a:extLst>
+              <a:ext uri="{28A0092B-C50C-407E-A947-70E740481C1C}">
+                <a14:useLocalDpi xmlns:a14="http://schemas.microsoft.com/office/drawing/2010/main" val="0"/>
+              </a:ext>
+            </a:extLst>
+          </a:blip>
+          <a:stretch>
+            <a:fillRect/>
+          </a:stretch>
+        </p:blipFill>
+        <p:spPr>
+          <a:xfrm>
+            <a:off x="650115" y="1511330"/>
+            <a:ext cx="7852716" cy="4708006"/>
+          </a:xfrm>
+        </p:spPr>
+      </p:pic>
+    </p:spTree>
+    <p:extLst>
+      <p:ext uri="{BB962C8B-B14F-4D97-AF65-F5344CB8AC3E}">
+        <p14:creationId xmlns:p14="http://schemas.microsoft.com/office/powerpoint/2010/main" val="3622155454"/>
+      </p:ext>
+    </p:extLst>
+  </p:cSld>
+  <p:clrMapOvr>
+    <a:masterClrMapping/>
+  </p:clrMapOvr>
+  <p:timing>
+    <p:tnLst>
+      <p:par>
+        <p:cTn id="1" dur="indefinite" restart="never" nodeType="tmRoot"/>
+      </p:par>
+    </p:tnLst>
+  </p:timing>
+</p:sld>
+</file>
+
+<file path=ppt/slides/slide48.xml><?xml version="1.0" encoding="utf-8"?>
+<p:sld xmlns:a="http://schemas.openxmlformats.org/drawingml/2006/main" xmlns:r="http://schemas.openxmlformats.org/officeDocument/2006/relationships" xmlns:p="http://schemas.openxmlformats.org/presentationml/2006/main">
+  <p:cSld>
+    <p:spTree>
+      <p:nvGrpSpPr>
+        <p:cNvPr id="1" name=""/>
+        <p:cNvGrpSpPr/>
+        <p:nvPr/>
+      </p:nvGrpSpPr>
+      <p:grpSpPr>
+        <a:xfrm>
+          <a:off x="0" y="0"/>
+          <a:ext cx="0" cy="0"/>
+          <a:chOff x="0" y="0"/>
+          <a:chExt cx="0" cy="0"/>
+        </a:xfrm>
+      </p:grpSpPr>
+      <p:sp>
+        <p:nvSpPr>
+          <p:cNvPr id="10" name="标题 9"/>
+          <p:cNvSpPr>
+            <a:spLocks noGrp="1"/>
+          </p:cNvSpPr>
+          <p:nvPr>
+            <p:ph type="title"/>
+          </p:nvPr>
+        </p:nvSpPr>
+        <p:spPr/>
+        <p:txBody>
+          <a:bodyPr/>
+          <a:lstStyle/>
+          <a:p>
+            <a:r>
+              <a:rPr lang="zh-CN" altLang="en-US" dirty="0" smtClean="0"/>
+              <a:t>独特性分布对比</a:t>
+            </a:r>
+            <a:endParaRPr lang="zh-CN" altLang="en-US" dirty="0"/>
+          </a:p>
+        </p:txBody>
+      </p:sp>
+      <p:sp>
+        <p:nvSpPr>
+          <p:cNvPr id="4" name="日期占位符 3"/>
+          <p:cNvSpPr>
+            <a:spLocks noGrp="1"/>
+          </p:cNvSpPr>
+          <p:nvPr>
+            <p:ph type="dt" sz="half" idx="10"/>
+          </p:nvPr>
+        </p:nvSpPr>
+        <p:spPr/>
+        <p:txBody>
+          <a:bodyPr/>
+          <a:lstStyle/>
+          <a:p>
+            <a:fld id="{119374D9-14D0-4474-9391-63783E145F62}" type="datetime1">
+              <a:rPr lang="zh-CN" altLang="en-US" smtClean="0"/>
+              <a:t>2016/4/14</a:t>
+            </a:fld>
+            <a:endParaRPr lang="zh-CN" altLang="en-US"/>
+          </a:p>
+        </p:txBody>
+      </p:sp>
+      <p:sp>
+        <p:nvSpPr>
+          <p:cNvPr id="5" name="页脚占位符 4"/>
+          <p:cNvSpPr>
+            <a:spLocks noGrp="1"/>
+          </p:cNvSpPr>
+          <p:nvPr>
+            <p:ph type="ftr" sz="quarter" idx="11"/>
+          </p:nvPr>
+        </p:nvSpPr>
+        <p:spPr/>
+        <p:txBody>
+          <a:bodyPr/>
+          <a:lstStyle/>
+          <a:p>
+            <a:r>
+              <a:rPr lang="zh-CN" altLang="en-US" dirty="0"/>
+              <a:t>新结构</a:t>
+            </a:r>
+            <a:r>
+              <a:rPr lang="en-US" altLang="zh-CN" dirty="0"/>
+              <a:t>PUF</a:t>
+            </a:r>
+            <a:endParaRPr lang="zh-CN" altLang="en-US" dirty="0"/>
+          </a:p>
+        </p:txBody>
+      </p:sp>
+      <p:sp>
+        <p:nvSpPr>
+          <p:cNvPr id="6" name="灯片编号占位符 5"/>
+          <p:cNvSpPr>
+            <a:spLocks noGrp="1"/>
+          </p:cNvSpPr>
+          <p:nvPr>
+            <p:ph type="sldNum" sz="quarter" idx="12"/>
+          </p:nvPr>
+        </p:nvSpPr>
+        <p:spPr/>
+        <p:txBody>
+          <a:bodyPr/>
+          <a:lstStyle/>
+          <a:p>
+            <a:fld id="{ED34C3B6-DCD7-4A30-8693-C31ECCFCB39D}" type="slidenum">
+              <a:rPr lang="zh-CN" altLang="en-US" smtClean="0"/>
+              <a:t>48</a:t>
+            </a:fld>
+            <a:endParaRPr lang="zh-CN" altLang="en-US"/>
+          </a:p>
+        </p:txBody>
+      </p:sp>
+      <p:pic>
+        <p:nvPicPr>
+          <p:cNvPr id="7" name="内容占位符 6"/>
+          <p:cNvPicPr>
+            <a:picLocks noGrp="1" noChangeAspect="1"/>
+          </p:cNvPicPr>
+          <p:nvPr>
+            <p:ph idx="1"/>
+          </p:nvPr>
+        </p:nvPicPr>
+        <p:blipFill>
+          <a:blip r:embed="rId2" cstate="print">
+            <a:extLst>
+              <a:ext uri="{28A0092B-C50C-407E-A947-70E740481C1C}">
+                <a14:useLocalDpi xmlns:a14="http://schemas.microsoft.com/office/drawing/2010/main" val="0"/>
+              </a:ext>
+            </a:extLst>
+          </a:blip>
+          <a:stretch>
+            <a:fillRect/>
+          </a:stretch>
+        </p:blipFill>
+        <p:spPr>
+          <a:xfrm>
+            <a:off x="646200" y="1437833"/>
+            <a:ext cx="7851600" cy="4707337"/>
+          </a:xfrm>
+        </p:spPr>
+      </p:pic>
+    </p:spTree>
+    <p:extLst>
+      <p:ext uri="{BB962C8B-B14F-4D97-AF65-F5344CB8AC3E}">
+        <p14:creationId xmlns:p14="http://schemas.microsoft.com/office/powerpoint/2010/main" val="296786486"/>
+      </p:ext>
+    </p:extLst>
+  </p:cSld>
+  <p:clrMapOvr>
+    <a:masterClrMapping/>
+  </p:clrMapOvr>
+  <p:timing>
+    <p:tnLst>
+      <p:par>
+        <p:cTn id="1" dur="indefinite" restart="never" nodeType="tmRoot"/>
+      </p:par>
+    </p:tnLst>
+  </p:timing>
+</p:sld>
+</file>
+
+<file path=ppt/slides/slide49.xml><?xml version="1.0" encoding="utf-8"?>
+<p:sld xmlns:a="http://schemas.openxmlformats.org/drawingml/2006/main" xmlns:r="http://schemas.openxmlformats.org/officeDocument/2006/relationships" xmlns:p="http://schemas.openxmlformats.org/presentationml/2006/main">
+  <p:cSld>
+    <p:spTree>
+      <p:nvGrpSpPr>
+        <p:cNvPr id="1" name=""/>
+        <p:cNvGrpSpPr/>
+        <p:nvPr/>
+      </p:nvGrpSpPr>
+      <p:grpSpPr>
+        <a:xfrm>
+          <a:off x="0" y="0"/>
+          <a:ext cx="0" cy="0"/>
+          <a:chOff x="0" y="0"/>
+          <a:chExt cx="0" cy="0"/>
+        </a:xfrm>
+      </p:grpSpPr>
+      <p:sp>
+        <p:nvSpPr>
+          <p:cNvPr id="10" name="标题 9"/>
+          <p:cNvSpPr>
+            <a:spLocks noGrp="1"/>
+          </p:cNvSpPr>
+          <p:nvPr>
+            <p:ph type="title"/>
+          </p:nvPr>
+        </p:nvSpPr>
+        <p:spPr/>
+        <p:txBody>
+          <a:bodyPr/>
+          <a:lstStyle/>
+          <a:p>
+            <a:r>
+              <a:rPr lang="zh-CN" altLang="en-US" dirty="0" smtClean="0"/>
               <a:t>建模攻击结果对比</a:t>
             </a:r>
             <a:endParaRPr lang="zh-CN" altLang="en-US" dirty="0"/>
@@ -31239,7 +34166,7 @@
           <a:p>
             <a:fld id="{119374D9-14D0-4474-9391-63783E145F62}" type="datetime1">
               <a:rPr lang="zh-CN" altLang="en-US" smtClean="0"/>
-              <a:t>2016/4/13</a:t>
+              <a:t>2016/4/14</a:t>
             </a:fld>
             <a:endParaRPr lang="zh-CN" altLang="en-US"/>
           </a:p>
@@ -31289,7 +34216,7 @@
           <a:p>
             <a:fld id="{ED34C3B6-DCD7-4A30-8693-C31ECCFCB39D}" type="slidenum">
               <a:rPr lang="zh-CN" altLang="en-US" smtClean="0"/>
-              <a:t>44</a:t>
+              <a:t>49</a:t>
             </a:fld>
             <a:endParaRPr lang="zh-CN" altLang="en-US"/>
           </a:p>
@@ -31345,604 +34272,6 @@
 </p:sld>
 </file>
 
-<file path=ppt/slides/slide45.xml><?xml version="1.0" encoding="utf-8"?>
-<p:sld xmlns:a="http://schemas.openxmlformats.org/drawingml/2006/main" xmlns:r="http://schemas.openxmlformats.org/officeDocument/2006/relationships" xmlns:p="http://schemas.openxmlformats.org/presentationml/2006/main">
-  <p:cSld>
-    <p:spTree>
-      <p:nvGrpSpPr>
-        <p:cNvPr id="1" name=""/>
-        <p:cNvGrpSpPr/>
-        <p:nvPr/>
-      </p:nvGrpSpPr>
-      <p:grpSpPr>
-        <a:xfrm>
-          <a:off x="0" y="0"/>
-          <a:ext cx="0" cy="0"/>
-          <a:chOff x="0" y="0"/>
-          <a:chExt cx="0" cy="0"/>
-        </a:xfrm>
-      </p:grpSpPr>
-      <p:sp>
-        <p:nvSpPr>
-          <p:cNvPr id="2" name="标题 1"/>
-          <p:cNvSpPr>
-            <a:spLocks noGrp="1"/>
-          </p:cNvSpPr>
-          <p:nvPr>
-            <p:ph type="title"/>
-          </p:nvPr>
-        </p:nvSpPr>
-        <p:spPr/>
-        <p:txBody>
-          <a:bodyPr/>
-          <a:lstStyle/>
-          <a:p>
-            <a:r>
-              <a:rPr lang="zh-CN" altLang="en-US" dirty="0" smtClean="0"/>
-              <a:t>结论</a:t>
-            </a:r>
-            <a:endParaRPr lang="zh-CN" altLang="en-US" dirty="0"/>
-          </a:p>
-        </p:txBody>
-      </p:sp>
-      <p:sp>
-        <p:nvSpPr>
-          <p:cNvPr id="3" name="内容占位符 2"/>
-          <p:cNvSpPr>
-            <a:spLocks noGrp="1"/>
-          </p:cNvSpPr>
-          <p:nvPr>
-            <p:ph idx="1"/>
-          </p:nvPr>
-        </p:nvSpPr>
-        <p:spPr/>
-        <p:txBody>
-          <a:bodyPr/>
-          <a:lstStyle/>
-          <a:p>
-            <a:pPr marL="0" indent="0">
-              <a:buNone/>
-            </a:pPr>
-            <a:r>
-              <a:rPr lang="zh-CN" altLang="en-US" dirty="0" smtClean="0"/>
-              <a:t>主要贡献：</a:t>
-            </a:r>
-            <a:endParaRPr lang="en-US" altLang="zh-CN" dirty="0" smtClean="0"/>
-          </a:p>
-          <a:p>
-            <a:r>
-              <a:rPr lang="zh-CN" altLang="en-US" dirty="0" smtClean="0"/>
-              <a:t>对</a:t>
-            </a:r>
-            <a:r>
-              <a:rPr lang="en-US" altLang="zh-CN" dirty="0" smtClean="0"/>
-              <a:t>BRPUF</a:t>
-            </a:r>
-            <a:r>
-              <a:rPr lang="zh-CN" altLang="en-US" dirty="0" smtClean="0"/>
-              <a:t>结构建立模型，并成功实施建模攻击；</a:t>
-            </a:r>
-            <a:endParaRPr lang="en-US" altLang="zh-CN" dirty="0" smtClean="0"/>
-          </a:p>
-          <a:p>
-            <a:pPr lvl="1"/>
-            <a:r>
-              <a:rPr lang="zh-CN" altLang="en-US" dirty="0" smtClean="0"/>
-              <a:t>预测率</a:t>
-            </a:r>
-            <a:r>
-              <a:rPr lang="en-US" altLang="zh-CN" dirty="0" smtClean="0"/>
-              <a:t>&gt;99%</a:t>
-            </a:r>
-          </a:p>
-          <a:p>
-            <a:pPr lvl="1"/>
-            <a:r>
-              <a:rPr lang="zh-CN" altLang="en-US" dirty="0" smtClean="0"/>
-              <a:t>训练集</a:t>
-            </a:r>
-            <a:r>
-              <a:rPr lang="en-US" altLang="zh-CN" dirty="0" smtClean="0"/>
-              <a:t>&lt;5000 CRPs</a:t>
-            </a:r>
-          </a:p>
-          <a:p>
-            <a:r>
-              <a:rPr lang="zh-CN" altLang="en-US" dirty="0" smtClean="0"/>
-              <a:t>提出新型</a:t>
-            </a:r>
-            <a:r>
-              <a:rPr lang="en-US" altLang="zh-CN" dirty="0" smtClean="0"/>
-              <a:t>PUF</a:t>
-            </a:r>
-            <a:r>
-              <a:rPr lang="zh-CN" altLang="en-US" dirty="0" smtClean="0"/>
-              <a:t>结构；</a:t>
-            </a:r>
-            <a:endParaRPr lang="en-US" altLang="zh-CN" dirty="0" smtClean="0"/>
-          </a:p>
-          <a:p>
-            <a:pPr lvl="1"/>
-            <a:r>
-              <a:rPr lang="zh-CN" altLang="en-US" dirty="0" smtClean="0"/>
-              <a:t>具有良好的抗建模攻击性</a:t>
-            </a:r>
-            <a:endParaRPr lang="en-US" altLang="zh-CN" dirty="0" smtClean="0"/>
-          </a:p>
-          <a:p>
-            <a:pPr lvl="1"/>
-            <a:r>
-              <a:rPr lang="zh-CN" altLang="en-US" dirty="0" smtClean="0"/>
-              <a:t>具有良好的统计分布特性</a:t>
-            </a:r>
-            <a:endParaRPr lang="en-US" altLang="zh-CN" dirty="0" smtClean="0"/>
-          </a:p>
-          <a:p>
-            <a:endParaRPr lang="en-US" altLang="zh-CN" dirty="0"/>
-          </a:p>
-          <a:p>
-            <a:pPr marL="0" indent="0">
-              <a:buNone/>
-            </a:pPr>
-            <a:r>
-              <a:rPr lang="zh-CN" altLang="en-US" dirty="0" smtClean="0"/>
-              <a:t>展望：</a:t>
-            </a:r>
-            <a:endParaRPr lang="en-US" altLang="zh-CN" dirty="0" smtClean="0"/>
-          </a:p>
-          <a:p>
-            <a:r>
-              <a:rPr lang="en-US" altLang="zh-CN" dirty="0" smtClean="0"/>
-              <a:t>PUF</a:t>
-            </a:r>
-            <a:r>
-              <a:rPr lang="zh-CN" altLang="en-US" dirty="0" smtClean="0"/>
-              <a:t>高层次应用：协议</a:t>
-            </a:r>
-            <a:endParaRPr lang="en-US" altLang="zh-CN" dirty="0" smtClean="0"/>
-          </a:p>
-          <a:p>
-            <a:r>
-              <a:rPr lang="zh-CN" altLang="en-US" dirty="0"/>
-              <a:t>流</a:t>
-            </a:r>
-            <a:r>
-              <a:rPr lang="zh-CN" altLang="en-US" dirty="0" smtClean="0"/>
-              <a:t>片实现以及</a:t>
-            </a:r>
-            <a:r>
-              <a:rPr lang="en-US" altLang="zh-CN" dirty="0" smtClean="0"/>
-              <a:t>PVT</a:t>
-            </a:r>
-            <a:r>
-              <a:rPr lang="zh-CN" altLang="en-US" dirty="0" smtClean="0"/>
-              <a:t>变化分析</a:t>
-            </a:r>
-            <a:endParaRPr lang="zh-CN" altLang="en-US" dirty="0"/>
-          </a:p>
-        </p:txBody>
-      </p:sp>
-      <p:sp>
-        <p:nvSpPr>
-          <p:cNvPr id="4" name="日期占位符 3"/>
-          <p:cNvSpPr>
-            <a:spLocks noGrp="1"/>
-          </p:cNvSpPr>
-          <p:nvPr>
-            <p:ph type="dt" sz="half" idx="10"/>
-          </p:nvPr>
-        </p:nvSpPr>
-        <p:spPr/>
-        <p:txBody>
-          <a:bodyPr/>
-          <a:lstStyle/>
-          <a:p>
-            <a:fld id="{CB6718E4-7406-45F3-BB60-A335F7C1373F}" type="datetime1">
-              <a:rPr lang="zh-CN" altLang="en-US" smtClean="0"/>
-              <a:t>2016/4/13</a:t>
-            </a:fld>
-            <a:endParaRPr lang="zh-CN" altLang="en-US"/>
-          </a:p>
-        </p:txBody>
-      </p:sp>
-      <p:sp>
-        <p:nvSpPr>
-          <p:cNvPr id="5" name="页脚占位符 4"/>
-          <p:cNvSpPr>
-            <a:spLocks noGrp="1"/>
-          </p:cNvSpPr>
-          <p:nvPr>
-            <p:ph type="ftr" sz="quarter" idx="11"/>
-          </p:nvPr>
-        </p:nvSpPr>
-        <p:spPr/>
-        <p:txBody>
-          <a:bodyPr/>
-          <a:lstStyle/>
-          <a:p>
-            <a:r>
-              <a:rPr lang="zh-CN" altLang="en-US" smtClean="0"/>
-              <a:t>总结</a:t>
-            </a:r>
-            <a:endParaRPr lang="zh-CN" altLang="en-US" dirty="0"/>
-          </a:p>
-        </p:txBody>
-      </p:sp>
-      <p:sp>
-        <p:nvSpPr>
-          <p:cNvPr id="6" name="灯片编号占位符 5"/>
-          <p:cNvSpPr>
-            <a:spLocks noGrp="1"/>
-          </p:cNvSpPr>
-          <p:nvPr>
-            <p:ph type="sldNum" sz="quarter" idx="12"/>
-          </p:nvPr>
-        </p:nvSpPr>
-        <p:spPr/>
-        <p:txBody>
-          <a:bodyPr/>
-          <a:lstStyle/>
-          <a:p>
-            <a:fld id="{ED34C3B6-DCD7-4A30-8693-C31ECCFCB39D}" type="slidenum">
-              <a:rPr lang="zh-CN" altLang="en-US" smtClean="0"/>
-              <a:t>45</a:t>
-            </a:fld>
-            <a:endParaRPr lang="zh-CN" altLang="en-US"/>
-          </a:p>
-        </p:txBody>
-      </p:sp>
-    </p:spTree>
-    <p:extLst>
-      <p:ext uri="{BB962C8B-B14F-4D97-AF65-F5344CB8AC3E}">
-        <p14:creationId xmlns:p14="http://schemas.microsoft.com/office/powerpoint/2010/main" val="130295547"/>
-      </p:ext>
-    </p:extLst>
-  </p:cSld>
-  <p:clrMapOvr>
-    <a:masterClrMapping/>
-  </p:clrMapOvr>
-  <p:timing>
-    <p:tnLst>
-      <p:par>
-        <p:cTn id="1" dur="indefinite" restart="never" nodeType="tmRoot"/>
-      </p:par>
-    </p:tnLst>
-  </p:timing>
-</p:sld>
-</file>
-
-<file path=ppt/slides/slide46.xml><?xml version="1.0" encoding="utf-8"?>
-<p:sld xmlns:a="http://schemas.openxmlformats.org/drawingml/2006/main" xmlns:r="http://schemas.openxmlformats.org/officeDocument/2006/relationships" xmlns:p="http://schemas.openxmlformats.org/presentationml/2006/main">
-  <p:cSld>
-    <p:spTree>
-      <p:nvGrpSpPr>
-        <p:cNvPr id="1" name=""/>
-        <p:cNvGrpSpPr/>
-        <p:nvPr/>
-      </p:nvGrpSpPr>
-      <p:grpSpPr>
-        <a:xfrm>
-          <a:off x="0" y="0"/>
-          <a:ext cx="0" cy="0"/>
-          <a:chOff x="0" y="0"/>
-          <a:chExt cx="0" cy="0"/>
-        </a:xfrm>
-      </p:grpSpPr>
-      <p:sp>
-        <p:nvSpPr>
-          <p:cNvPr id="2" name="标题 1"/>
-          <p:cNvSpPr>
-            <a:spLocks noGrp="1"/>
-          </p:cNvSpPr>
-          <p:nvPr>
-            <p:ph type="title"/>
-          </p:nvPr>
-        </p:nvSpPr>
-        <p:spPr/>
-        <p:txBody>
-          <a:bodyPr/>
-          <a:lstStyle/>
-          <a:p>
-            <a:r>
-              <a:rPr lang="zh-CN" altLang="en-US" dirty="0" smtClean="0"/>
-              <a:t>主要参考文献</a:t>
-            </a:r>
-            <a:endParaRPr lang="zh-CN" altLang="en-US" dirty="0"/>
-          </a:p>
-        </p:txBody>
-      </p:sp>
-      <p:pic>
-        <p:nvPicPr>
-          <p:cNvPr id="7" name="内容占位符 6"/>
-          <p:cNvPicPr>
-            <a:picLocks noGrp="1" noChangeAspect="1"/>
-          </p:cNvPicPr>
-          <p:nvPr>
-            <p:ph idx="1"/>
-          </p:nvPr>
-        </p:nvPicPr>
-        <p:blipFill>
-          <a:blip r:embed="rId2"/>
-          <a:stretch>
-            <a:fillRect/>
-          </a:stretch>
-        </p:blipFill>
-        <p:spPr>
-          <a:xfrm>
-            <a:off x="628650" y="1951839"/>
-            <a:ext cx="7886700" cy="1904349"/>
-          </a:xfrm>
-          <a:prstGeom prst="rect">
-            <a:avLst/>
-          </a:prstGeom>
-        </p:spPr>
-      </p:pic>
-      <p:sp>
-        <p:nvSpPr>
-          <p:cNvPr id="4" name="日期占位符 3"/>
-          <p:cNvSpPr>
-            <a:spLocks noGrp="1"/>
-          </p:cNvSpPr>
-          <p:nvPr>
-            <p:ph type="dt" sz="half" idx="10"/>
-          </p:nvPr>
-        </p:nvSpPr>
-        <p:spPr/>
-        <p:txBody>
-          <a:bodyPr/>
-          <a:lstStyle/>
-          <a:p>
-            <a:fld id="{CB6718E4-7406-45F3-BB60-A335F7C1373F}" type="datetime1">
-              <a:rPr lang="zh-CN" altLang="en-US" smtClean="0"/>
-              <a:t>2016/4/13</a:t>
-            </a:fld>
-            <a:endParaRPr lang="zh-CN" altLang="en-US"/>
-          </a:p>
-        </p:txBody>
-      </p:sp>
-      <p:sp>
-        <p:nvSpPr>
-          <p:cNvPr id="5" name="页脚占位符 4"/>
-          <p:cNvSpPr>
-            <a:spLocks noGrp="1"/>
-          </p:cNvSpPr>
-          <p:nvPr>
-            <p:ph type="ftr" sz="quarter" idx="11"/>
-          </p:nvPr>
-        </p:nvSpPr>
-        <p:spPr/>
-        <p:txBody>
-          <a:bodyPr/>
-          <a:lstStyle/>
-          <a:p>
-            <a:r>
-              <a:rPr lang="zh-CN" altLang="en-US" smtClean="0"/>
-              <a:t>北京大学硕士毕业答辩</a:t>
-            </a:r>
-            <a:endParaRPr lang="zh-CN" altLang="en-US"/>
-          </a:p>
-        </p:txBody>
-      </p:sp>
-      <p:sp>
-        <p:nvSpPr>
-          <p:cNvPr id="6" name="灯片编号占位符 5"/>
-          <p:cNvSpPr>
-            <a:spLocks noGrp="1"/>
-          </p:cNvSpPr>
-          <p:nvPr>
-            <p:ph type="sldNum" sz="quarter" idx="12"/>
-          </p:nvPr>
-        </p:nvSpPr>
-        <p:spPr/>
-        <p:txBody>
-          <a:bodyPr/>
-          <a:lstStyle/>
-          <a:p>
-            <a:fld id="{ED34C3B6-DCD7-4A30-8693-C31ECCFCB39D}" type="slidenum">
-              <a:rPr lang="zh-CN" altLang="en-US" smtClean="0"/>
-              <a:t>46</a:t>
-            </a:fld>
-            <a:endParaRPr lang="zh-CN" altLang="en-US"/>
-          </a:p>
-        </p:txBody>
-      </p:sp>
-      <p:pic>
-        <p:nvPicPr>
-          <p:cNvPr id="8" name="图片 7"/>
-          <p:cNvPicPr>
-            <a:picLocks noChangeAspect="1"/>
-          </p:cNvPicPr>
-          <p:nvPr/>
-        </p:nvPicPr>
-        <p:blipFill>
-          <a:blip r:embed="rId3"/>
-          <a:stretch>
-            <a:fillRect/>
-          </a:stretch>
-        </p:blipFill>
-        <p:spPr>
-          <a:xfrm>
-            <a:off x="628650" y="3891024"/>
-            <a:ext cx="7887600" cy="1543928"/>
-          </a:xfrm>
-          <a:prstGeom prst="rect">
-            <a:avLst/>
-          </a:prstGeom>
-        </p:spPr>
-      </p:pic>
-      <p:sp>
-        <p:nvSpPr>
-          <p:cNvPr id="9" name="文本框 8"/>
-          <p:cNvSpPr txBox="1"/>
-          <p:nvPr/>
-        </p:nvSpPr>
-        <p:spPr>
-          <a:xfrm>
-            <a:off x="304800" y="1908294"/>
-            <a:ext cx="444137" cy="369332"/>
-          </a:xfrm>
-          <a:prstGeom prst="rect">
-            <a:avLst/>
-          </a:prstGeom>
-          <a:noFill/>
-        </p:spPr>
-        <p:txBody>
-          <a:bodyPr wrap="square" rtlCol="0">
-            <a:spAutoFit/>
-          </a:bodyPr>
-          <a:lstStyle/>
-          <a:p>
-            <a:r>
-              <a:rPr lang="en-US" altLang="zh-CN" dirty="0" smtClean="0"/>
-              <a:t>[1]</a:t>
-            </a:r>
-          </a:p>
-        </p:txBody>
-      </p:sp>
-      <p:sp>
-        <p:nvSpPr>
-          <p:cNvPr id="10" name="文本框 9"/>
-          <p:cNvSpPr txBox="1"/>
-          <p:nvPr/>
-        </p:nvSpPr>
-        <p:spPr>
-          <a:xfrm>
-            <a:off x="304799" y="2539036"/>
-            <a:ext cx="444137" cy="369332"/>
-          </a:xfrm>
-          <a:prstGeom prst="rect">
-            <a:avLst/>
-          </a:prstGeom>
-          <a:noFill/>
-        </p:spPr>
-        <p:txBody>
-          <a:bodyPr wrap="square" rtlCol="0">
-            <a:spAutoFit/>
-          </a:bodyPr>
-          <a:lstStyle/>
-          <a:p>
-            <a:r>
-              <a:rPr lang="en-US" altLang="zh-CN" dirty="0" smtClean="0"/>
-              <a:t>[</a:t>
-            </a:r>
-            <a:r>
-              <a:rPr lang="en-US" altLang="zh-CN" dirty="0"/>
-              <a:t>2</a:t>
-            </a:r>
-            <a:r>
-              <a:rPr lang="en-US" altLang="zh-CN" dirty="0" smtClean="0"/>
-              <a:t>]</a:t>
-            </a:r>
-          </a:p>
-        </p:txBody>
-      </p:sp>
-      <p:sp>
-        <p:nvSpPr>
-          <p:cNvPr id="11" name="文本框 10"/>
-          <p:cNvSpPr txBox="1"/>
-          <p:nvPr/>
-        </p:nvSpPr>
-        <p:spPr>
-          <a:xfrm>
-            <a:off x="304798" y="3195904"/>
-            <a:ext cx="444137" cy="369332"/>
-          </a:xfrm>
-          <a:prstGeom prst="rect">
-            <a:avLst/>
-          </a:prstGeom>
-          <a:noFill/>
-        </p:spPr>
-        <p:txBody>
-          <a:bodyPr wrap="square" rtlCol="0">
-            <a:spAutoFit/>
-          </a:bodyPr>
-          <a:lstStyle/>
-          <a:p>
-            <a:r>
-              <a:rPr lang="en-US" altLang="zh-CN" dirty="0" smtClean="0"/>
-              <a:t>[3]</a:t>
-            </a:r>
-          </a:p>
-        </p:txBody>
-      </p:sp>
-      <p:sp>
-        <p:nvSpPr>
-          <p:cNvPr id="12" name="文本框 11"/>
-          <p:cNvSpPr txBox="1"/>
-          <p:nvPr/>
-        </p:nvSpPr>
-        <p:spPr>
-          <a:xfrm>
-            <a:off x="304797" y="3817936"/>
-            <a:ext cx="444137" cy="369332"/>
-          </a:xfrm>
-          <a:prstGeom prst="rect">
-            <a:avLst/>
-          </a:prstGeom>
-          <a:noFill/>
-        </p:spPr>
-        <p:txBody>
-          <a:bodyPr wrap="square" rtlCol="0">
-            <a:spAutoFit/>
-          </a:bodyPr>
-          <a:lstStyle/>
-          <a:p>
-            <a:r>
-              <a:rPr lang="en-US" altLang="zh-CN" dirty="0" smtClean="0"/>
-              <a:t>[4]</a:t>
-            </a:r>
-          </a:p>
-        </p:txBody>
-      </p:sp>
-      <p:sp>
-        <p:nvSpPr>
-          <p:cNvPr id="13" name="文本框 12"/>
-          <p:cNvSpPr txBox="1"/>
-          <p:nvPr/>
-        </p:nvSpPr>
-        <p:spPr>
-          <a:xfrm>
-            <a:off x="304796" y="4739629"/>
-            <a:ext cx="444137" cy="369332"/>
-          </a:xfrm>
-          <a:prstGeom prst="rect">
-            <a:avLst/>
-          </a:prstGeom>
-          <a:noFill/>
-        </p:spPr>
-        <p:txBody>
-          <a:bodyPr wrap="square" rtlCol="0">
-            <a:spAutoFit/>
-          </a:bodyPr>
-          <a:lstStyle/>
-          <a:p>
-            <a:r>
-              <a:rPr lang="en-US" altLang="zh-CN" dirty="0" smtClean="0"/>
-              <a:t>[5]</a:t>
-            </a:r>
-          </a:p>
-        </p:txBody>
-      </p:sp>
-    </p:spTree>
-    <p:extLst>
-      <p:ext uri="{BB962C8B-B14F-4D97-AF65-F5344CB8AC3E}">
-        <p14:creationId xmlns:p14="http://schemas.microsoft.com/office/powerpoint/2010/main" val="1886128687"/>
-      </p:ext>
-    </p:extLst>
-  </p:cSld>
-  <p:clrMapOvr>
-    <a:masterClrMapping/>
-  </p:clrMapOvr>
-  <p:timing>
-    <p:tnLst>
-      <p:par>
-        <p:cTn id="1" dur="indefinite" restart="never" nodeType="tmRoot"/>
-      </p:par>
-    </p:tnLst>
-  </p:timing>
-</p:sld>
-</file>
-
 <file path=ppt/slides/slide5.xml><?xml version="1.0" encoding="utf-8"?>
 <p:sld xmlns:a="http://schemas.openxmlformats.org/drawingml/2006/main" xmlns:r="http://schemas.openxmlformats.org/officeDocument/2006/relationships" xmlns:p="http://schemas.openxmlformats.org/presentationml/2006/main">
   <p:cSld>
@@ -32027,7 +34356,7 @@
           <a:p>
             <a:fld id="{CB6718E4-7406-45F3-BB60-A335F7C1373F}" type="datetime1">
               <a:rPr lang="zh-CN" altLang="en-US" smtClean="0"/>
-              <a:t>2016/4/13</a:t>
+              <a:t>2016/4/14</a:t>
             </a:fld>
             <a:endParaRPr lang="zh-CN" altLang="en-US"/>
           </a:p>
@@ -32079,66 +34408,6 @@
           </a:p>
         </p:txBody>
       </p:sp>
-      <p:pic>
-        <p:nvPicPr>
-          <p:cNvPr id="7" name="图片 6"/>
-          <p:cNvPicPr>
-            <a:picLocks noChangeAspect="1"/>
-          </p:cNvPicPr>
-          <p:nvPr/>
-        </p:nvPicPr>
-        <p:blipFill>
-          <a:blip r:embed="rId3" cstate="print">
-            <a:extLst>
-              <a:ext uri="{28A0092B-C50C-407E-A947-70E740481C1C}">
-                <a14:useLocalDpi xmlns:a14="http://schemas.microsoft.com/office/drawing/2010/main" val="0"/>
-              </a:ext>
-            </a:extLst>
-          </a:blip>
-          <a:stretch>
-            <a:fillRect/>
-          </a:stretch>
-        </p:blipFill>
-        <p:spPr>
-          <a:xfrm flipH="1">
-            <a:off x="6176649" y="2346665"/>
-            <a:ext cx="1656000" cy="1656000"/>
-          </a:xfrm>
-          <a:prstGeom prst="rect">
-            <a:avLst/>
-          </a:prstGeom>
-        </p:spPr>
-      </p:pic>
-      <p:pic>
-        <p:nvPicPr>
-          <p:cNvPr id="8" name="图片 7"/>
-          <p:cNvPicPr>
-            <a:picLocks noChangeAspect="1"/>
-          </p:cNvPicPr>
-          <p:nvPr/>
-        </p:nvPicPr>
-        <p:blipFill>
-          <a:blip r:embed="rId4" cstate="print">
-            <a:extLst>
-              <a:ext uri="{28A0092B-C50C-407E-A947-70E740481C1C}">
-                <a14:useLocalDpi xmlns:a14="http://schemas.microsoft.com/office/drawing/2010/main" val="0"/>
-              </a:ext>
-            </a:extLst>
-          </a:blip>
-          <a:stretch>
-            <a:fillRect/>
-          </a:stretch>
-        </p:blipFill>
-        <p:spPr>
-          <a:xfrm>
-            <a:off x="1084471" y="2346665"/>
-            <a:ext cx="1488658" cy="1654629"/>
-          </a:xfrm>
-          <a:prstGeom prst="rect">
-            <a:avLst/>
-          </a:prstGeom>
-        </p:spPr>
-      </p:pic>
       <p:sp>
         <p:nvSpPr>
           <p:cNvPr id="11" name="右箭头 10"/>
@@ -32201,7 +34470,7 @@
           <p:nvPr/>
         </p:nvPicPr>
         <p:blipFill>
-          <a:blip r:embed="rId5" cstate="print">
+          <a:blip r:embed="rId3" cstate="print">
             <a:extLst>
               <a:ext uri="{28A0092B-C50C-407E-A947-70E740481C1C}">
                 <a14:useLocalDpi xmlns:a14="http://schemas.microsoft.com/office/drawing/2010/main" val="0"/>
@@ -32315,10 +34584,668 @@
           </a:p>
         </p:txBody>
       </p:sp>
+      <p:pic>
+        <p:nvPicPr>
+          <p:cNvPr id="16" name="图片 15"/>
+          <p:cNvPicPr>
+            <a:picLocks noChangeAspect="1"/>
+          </p:cNvPicPr>
+          <p:nvPr/>
+        </p:nvPicPr>
+        <p:blipFill>
+          <a:blip r:embed="rId4">
+            <a:extLst>
+              <a:ext uri="{28A0092B-C50C-407E-A947-70E740481C1C}">
+                <a14:useLocalDpi xmlns:a14="http://schemas.microsoft.com/office/drawing/2010/main" val="0"/>
+              </a:ext>
+            </a:extLst>
+          </a:blip>
+          <a:stretch>
+            <a:fillRect/>
+          </a:stretch>
+        </p:blipFill>
+        <p:spPr>
+          <a:xfrm>
+            <a:off x="6457950" y="2345977"/>
+            <a:ext cx="1536601" cy="1656000"/>
+          </a:xfrm>
+          <a:prstGeom prst="rect">
+            <a:avLst/>
+          </a:prstGeom>
+        </p:spPr>
+      </p:pic>
+      <p:pic>
+        <p:nvPicPr>
+          <p:cNvPr id="18" name="图片 17"/>
+          <p:cNvPicPr>
+            <a:picLocks noChangeAspect="1"/>
+          </p:cNvPicPr>
+          <p:nvPr/>
+        </p:nvPicPr>
+        <p:blipFill>
+          <a:blip r:embed="rId5" cstate="print">
+            <a:extLst>
+              <a:ext uri="{28A0092B-C50C-407E-A947-70E740481C1C}">
+                <a14:useLocalDpi xmlns:a14="http://schemas.microsoft.com/office/drawing/2010/main" val="0"/>
+              </a:ext>
+            </a:extLst>
+          </a:blip>
+          <a:stretch>
+            <a:fillRect/>
+          </a:stretch>
+        </p:blipFill>
+        <p:spPr>
+          <a:xfrm>
+            <a:off x="1084471" y="2266235"/>
+            <a:ext cx="1815484" cy="1815484"/>
+          </a:xfrm>
+          <a:prstGeom prst="rect">
+            <a:avLst/>
+          </a:prstGeom>
+        </p:spPr>
+      </p:pic>
     </p:spTree>
     <p:extLst>
       <p:ext uri="{BB962C8B-B14F-4D97-AF65-F5344CB8AC3E}">
         <p14:creationId xmlns:p14="http://schemas.microsoft.com/office/powerpoint/2010/main" val="3883053745"/>
+      </p:ext>
+    </p:extLst>
+  </p:cSld>
+  <p:clrMapOvr>
+    <a:masterClrMapping/>
+  </p:clrMapOvr>
+  <p:timing>
+    <p:tnLst>
+      <p:par>
+        <p:cTn id="1" dur="indefinite" restart="never" nodeType="tmRoot"/>
+      </p:par>
+    </p:tnLst>
+  </p:timing>
+</p:sld>
+</file>
+
+<file path=ppt/slides/slide50.xml><?xml version="1.0" encoding="utf-8"?>
+<p:sld xmlns:a="http://schemas.openxmlformats.org/drawingml/2006/main" xmlns:r="http://schemas.openxmlformats.org/officeDocument/2006/relationships" xmlns:p="http://schemas.openxmlformats.org/presentationml/2006/main">
+  <p:cSld>
+    <p:spTree>
+      <p:nvGrpSpPr>
+        <p:cNvPr id="1" name=""/>
+        <p:cNvGrpSpPr/>
+        <p:nvPr/>
+      </p:nvGrpSpPr>
+      <p:grpSpPr>
+        <a:xfrm>
+          <a:off x="0" y="0"/>
+          <a:ext cx="0" cy="0"/>
+          <a:chOff x="0" y="0"/>
+          <a:chExt cx="0" cy="0"/>
+        </a:xfrm>
+      </p:grpSpPr>
+      <p:sp>
+        <p:nvSpPr>
+          <p:cNvPr id="2" name="标题 1"/>
+          <p:cNvSpPr>
+            <a:spLocks noGrp="1"/>
+          </p:cNvSpPr>
+          <p:nvPr>
+            <p:ph type="title"/>
+          </p:nvPr>
+        </p:nvSpPr>
+        <p:spPr/>
+        <p:txBody>
+          <a:bodyPr/>
+          <a:lstStyle/>
+          <a:p>
+            <a:r>
+              <a:rPr lang="zh-CN" altLang="en-US" dirty="0" smtClean="0"/>
+              <a:t>结论</a:t>
+            </a:r>
+            <a:endParaRPr lang="zh-CN" altLang="en-US" dirty="0"/>
+          </a:p>
+        </p:txBody>
+      </p:sp>
+      <p:sp>
+        <p:nvSpPr>
+          <p:cNvPr id="3" name="内容占位符 2"/>
+          <p:cNvSpPr>
+            <a:spLocks noGrp="1"/>
+          </p:cNvSpPr>
+          <p:nvPr>
+            <p:ph idx="1"/>
+          </p:nvPr>
+        </p:nvSpPr>
+        <p:spPr/>
+        <p:txBody>
+          <a:bodyPr/>
+          <a:lstStyle/>
+          <a:p>
+            <a:pPr marL="0" indent="0">
+              <a:buNone/>
+            </a:pPr>
+            <a:r>
+              <a:rPr lang="zh-CN" altLang="en-US" dirty="0" smtClean="0"/>
+              <a:t>主要贡献：</a:t>
+            </a:r>
+            <a:endParaRPr lang="en-US" altLang="zh-CN" dirty="0" smtClean="0"/>
+          </a:p>
+          <a:p>
+            <a:r>
+              <a:rPr lang="zh-CN" altLang="en-US" dirty="0" smtClean="0"/>
+              <a:t>对</a:t>
+            </a:r>
+            <a:r>
+              <a:rPr lang="en-US" altLang="zh-CN" dirty="0" smtClean="0"/>
+              <a:t>BRPUF</a:t>
+            </a:r>
+            <a:r>
+              <a:rPr lang="zh-CN" altLang="en-US" dirty="0" smtClean="0"/>
+              <a:t>结构建立模型，并成功实施建模攻击；</a:t>
+            </a:r>
+            <a:endParaRPr lang="en-US" altLang="zh-CN" dirty="0" smtClean="0"/>
+          </a:p>
+          <a:p>
+            <a:pPr lvl="1"/>
+            <a:r>
+              <a:rPr lang="zh-CN" altLang="en-US" dirty="0" smtClean="0"/>
+              <a:t>预测率</a:t>
+            </a:r>
+            <a:r>
+              <a:rPr lang="en-US" altLang="zh-CN" dirty="0" smtClean="0"/>
+              <a:t>&gt;99%</a:t>
+            </a:r>
+          </a:p>
+          <a:p>
+            <a:pPr lvl="1"/>
+            <a:r>
+              <a:rPr lang="zh-CN" altLang="en-US" dirty="0" smtClean="0"/>
+              <a:t>训练集</a:t>
+            </a:r>
+            <a:r>
+              <a:rPr lang="en-US" altLang="zh-CN" dirty="0" smtClean="0"/>
+              <a:t>&lt;5000 CRPs</a:t>
+            </a:r>
+          </a:p>
+          <a:p>
+            <a:r>
+              <a:rPr lang="zh-CN" altLang="en-US" dirty="0" smtClean="0"/>
+              <a:t>提出新型</a:t>
+            </a:r>
+            <a:r>
+              <a:rPr lang="en-US" altLang="zh-CN" dirty="0" smtClean="0"/>
+              <a:t>PUF</a:t>
+            </a:r>
+            <a:r>
+              <a:rPr lang="zh-CN" altLang="en-US" dirty="0" smtClean="0"/>
+              <a:t>结构；</a:t>
+            </a:r>
+            <a:endParaRPr lang="en-US" altLang="zh-CN" dirty="0" smtClean="0"/>
+          </a:p>
+          <a:p>
+            <a:pPr lvl="1"/>
+            <a:r>
+              <a:rPr lang="zh-CN" altLang="en-US" dirty="0" smtClean="0"/>
+              <a:t>具有良好的抗建模攻击性</a:t>
+            </a:r>
+            <a:endParaRPr lang="en-US" altLang="zh-CN" dirty="0" smtClean="0"/>
+          </a:p>
+          <a:p>
+            <a:pPr lvl="1"/>
+            <a:r>
+              <a:rPr lang="zh-CN" altLang="en-US" dirty="0" smtClean="0"/>
+              <a:t>具有良好的统计分布特性</a:t>
+            </a:r>
+            <a:endParaRPr lang="en-US" altLang="zh-CN" dirty="0" smtClean="0"/>
+          </a:p>
+          <a:p>
+            <a:endParaRPr lang="en-US" altLang="zh-CN" dirty="0"/>
+          </a:p>
+          <a:p>
+            <a:pPr marL="0" indent="0">
+              <a:buNone/>
+            </a:pPr>
+            <a:r>
+              <a:rPr lang="zh-CN" altLang="en-US" dirty="0" smtClean="0"/>
+              <a:t>展望：</a:t>
+            </a:r>
+            <a:endParaRPr lang="en-US" altLang="zh-CN" dirty="0" smtClean="0"/>
+          </a:p>
+          <a:p>
+            <a:r>
+              <a:rPr lang="en-US" altLang="zh-CN" dirty="0" smtClean="0"/>
+              <a:t>PUF</a:t>
+            </a:r>
+            <a:r>
+              <a:rPr lang="zh-CN" altLang="en-US" dirty="0" smtClean="0"/>
+              <a:t>高层次应用：协议</a:t>
+            </a:r>
+            <a:endParaRPr lang="en-US" altLang="zh-CN" dirty="0" smtClean="0"/>
+          </a:p>
+          <a:p>
+            <a:r>
+              <a:rPr lang="zh-CN" altLang="en-US" dirty="0"/>
+              <a:t>流</a:t>
+            </a:r>
+            <a:r>
+              <a:rPr lang="zh-CN" altLang="en-US" dirty="0" smtClean="0"/>
+              <a:t>片实现以及</a:t>
+            </a:r>
+            <a:r>
+              <a:rPr lang="en-US" altLang="zh-CN" dirty="0" smtClean="0"/>
+              <a:t>PVT</a:t>
+            </a:r>
+            <a:r>
+              <a:rPr lang="zh-CN" altLang="en-US" dirty="0" smtClean="0"/>
+              <a:t>变化分析</a:t>
+            </a:r>
+            <a:endParaRPr lang="zh-CN" altLang="en-US" dirty="0"/>
+          </a:p>
+        </p:txBody>
+      </p:sp>
+      <p:sp>
+        <p:nvSpPr>
+          <p:cNvPr id="4" name="日期占位符 3"/>
+          <p:cNvSpPr>
+            <a:spLocks noGrp="1"/>
+          </p:cNvSpPr>
+          <p:nvPr>
+            <p:ph type="dt" sz="half" idx="10"/>
+          </p:nvPr>
+        </p:nvSpPr>
+        <p:spPr/>
+        <p:txBody>
+          <a:bodyPr/>
+          <a:lstStyle/>
+          <a:p>
+            <a:fld id="{CB6718E4-7406-45F3-BB60-A335F7C1373F}" type="datetime1">
+              <a:rPr lang="zh-CN" altLang="en-US" smtClean="0"/>
+              <a:t>2016/4/14</a:t>
+            </a:fld>
+            <a:endParaRPr lang="zh-CN" altLang="en-US"/>
+          </a:p>
+        </p:txBody>
+      </p:sp>
+      <p:sp>
+        <p:nvSpPr>
+          <p:cNvPr id="5" name="页脚占位符 4"/>
+          <p:cNvSpPr>
+            <a:spLocks noGrp="1"/>
+          </p:cNvSpPr>
+          <p:nvPr>
+            <p:ph type="ftr" sz="quarter" idx="11"/>
+          </p:nvPr>
+        </p:nvSpPr>
+        <p:spPr/>
+        <p:txBody>
+          <a:bodyPr/>
+          <a:lstStyle/>
+          <a:p>
+            <a:r>
+              <a:rPr lang="zh-CN" altLang="en-US" smtClean="0"/>
+              <a:t>总结</a:t>
+            </a:r>
+            <a:endParaRPr lang="zh-CN" altLang="en-US" dirty="0"/>
+          </a:p>
+        </p:txBody>
+      </p:sp>
+      <p:sp>
+        <p:nvSpPr>
+          <p:cNvPr id="6" name="灯片编号占位符 5"/>
+          <p:cNvSpPr>
+            <a:spLocks noGrp="1"/>
+          </p:cNvSpPr>
+          <p:nvPr>
+            <p:ph type="sldNum" sz="quarter" idx="12"/>
+          </p:nvPr>
+        </p:nvSpPr>
+        <p:spPr/>
+        <p:txBody>
+          <a:bodyPr/>
+          <a:lstStyle/>
+          <a:p>
+            <a:fld id="{ED34C3B6-DCD7-4A30-8693-C31ECCFCB39D}" type="slidenum">
+              <a:rPr lang="zh-CN" altLang="en-US" smtClean="0"/>
+              <a:t>50</a:t>
+            </a:fld>
+            <a:endParaRPr lang="zh-CN" altLang="en-US"/>
+          </a:p>
+        </p:txBody>
+      </p:sp>
+    </p:spTree>
+    <p:extLst>
+      <p:ext uri="{BB962C8B-B14F-4D97-AF65-F5344CB8AC3E}">
+        <p14:creationId xmlns:p14="http://schemas.microsoft.com/office/powerpoint/2010/main" val="130295547"/>
+      </p:ext>
+    </p:extLst>
+  </p:cSld>
+  <p:clrMapOvr>
+    <a:masterClrMapping/>
+  </p:clrMapOvr>
+  <p:timing>
+    <p:tnLst>
+      <p:par>
+        <p:cTn id="1" dur="indefinite" restart="never" nodeType="tmRoot"/>
+      </p:par>
+    </p:tnLst>
+  </p:timing>
+</p:sld>
+</file>
+
+<file path=ppt/slides/slide51.xml><?xml version="1.0" encoding="utf-8"?>
+<p:sld xmlns:a="http://schemas.openxmlformats.org/drawingml/2006/main" xmlns:r="http://schemas.openxmlformats.org/officeDocument/2006/relationships" xmlns:p="http://schemas.openxmlformats.org/presentationml/2006/main">
+  <p:cSld>
+    <p:spTree>
+      <p:nvGrpSpPr>
+        <p:cNvPr id="1" name=""/>
+        <p:cNvGrpSpPr/>
+        <p:nvPr/>
+      </p:nvGrpSpPr>
+      <p:grpSpPr>
+        <a:xfrm>
+          <a:off x="0" y="0"/>
+          <a:ext cx="0" cy="0"/>
+          <a:chOff x="0" y="0"/>
+          <a:chExt cx="0" cy="0"/>
+        </a:xfrm>
+      </p:grpSpPr>
+      <p:sp>
+        <p:nvSpPr>
+          <p:cNvPr id="2" name="标题 1"/>
+          <p:cNvSpPr>
+            <a:spLocks noGrp="1"/>
+          </p:cNvSpPr>
+          <p:nvPr>
+            <p:ph type="title"/>
+          </p:nvPr>
+        </p:nvSpPr>
+        <p:spPr/>
+        <p:txBody>
+          <a:bodyPr/>
+          <a:lstStyle/>
+          <a:p>
+            <a:r>
+              <a:rPr lang="zh-CN" altLang="en-US" dirty="0" smtClean="0"/>
+              <a:t>主要参考文献</a:t>
+            </a:r>
+            <a:endParaRPr lang="zh-CN" altLang="en-US" dirty="0"/>
+          </a:p>
+        </p:txBody>
+      </p:sp>
+      <p:pic>
+        <p:nvPicPr>
+          <p:cNvPr id="7" name="内容占位符 6"/>
+          <p:cNvPicPr>
+            <a:picLocks noGrp="1" noChangeAspect="1"/>
+          </p:cNvPicPr>
+          <p:nvPr>
+            <p:ph idx="1"/>
+          </p:nvPr>
+        </p:nvPicPr>
+        <p:blipFill>
+          <a:blip r:embed="rId2"/>
+          <a:stretch>
+            <a:fillRect/>
+          </a:stretch>
+        </p:blipFill>
+        <p:spPr>
+          <a:xfrm>
+            <a:off x="628650" y="1951839"/>
+            <a:ext cx="7886700" cy="1904349"/>
+          </a:xfrm>
+          <a:prstGeom prst="rect">
+            <a:avLst/>
+          </a:prstGeom>
+        </p:spPr>
+      </p:pic>
+      <p:sp>
+        <p:nvSpPr>
+          <p:cNvPr id="4" name="日期占位符 3"/>
+          <p:cNvSpPr>
+            <a:spLocks noGrp="1"/>
+          </p:cNvSpPr>
+          <p:nvPr>
+            <p:ph type="dt" sz="half" idx="10"/>
+          </p:nvPr>
+        </p:nvSpPr>
+        <p:spPr/>
+        <p:txBody>
+          <a:bodyPr/>
+          <a:lstStyle/>
+          <a:p>
+            <a:fld id="{CB6718E4-7406-45F3-BB60-A335F7C1373F}" type="datetime1">
+              <a:rPr lang="zh-CN" altLang="en-US" smtClean="0"/>
+              <a:t>2016/4/14</a:t>
+            </a:fld>
+            <a:endParaRPr lang="zh-CN" altLang="en-US"/>
+          </a:p>
+        </p:txBody>
+      </p:sp>
+      <p:sp>
+        <p:nvSpPr>
+          <p:cNvPr id="5" name="页脚占位符 4"/>
+          <p:cNvSpPr>
+            <a:spLocks noGrp="1"/>
+          </p:cNvSpPr>
+          <p:nvPr>
+            <p:ph type="ftr" sz="quarter" idx="11"/>
+          </p:nvPr>
+        </p:nvSpPr>
+        <p:spPr/>
+        <p:txBody>
+          <a:bodyPr/>
+          <a:lstStyle/>
+          <a:p>
+            <a:r>
+              <a:rPr lang="zh-CN" altLang="en-US" smtClean="0"/>
+              <a:t>北京大学硕士毕业答辩</a:t>
+            </a:r>
+            <a:endParaRPr lang="zh-CN" altLang="en-US"/>
+          </a:p>
+        </p:txBody>
+      </p:sp>
+      <p:sp>
+        <p:nvSpPr>
+          <p:cNvPr id="6" name="灯片编号占位符 5"/>
+          <p:cNvSpPr>
+            <a:spLocks noGrp="1"/>
+          </p:cNvSpPr>
+          <p:nvPr>
+            <p:ph type="sldNum" sz="quarter" idx="12"/>
+          </p:nvPr>
+        </p:nvSpPr>
+        <p:spPr/>
+        <p:txBody>
+          <a:bodyPr/>
+          <a:lstStyle/>
+          <a:p>
+            <a:fld id="{ED34C3B6-DCD7-4A30-8693-C31ECCFCB39D}" type="slidenum">
+              <a:rPr lang="zh-CN" altLang="en-US" smtClean="0"/>
+              <a:t>51</a:t>
+            </a:fld>
+            <a:endParaRPr lang="zh-CN" altLang="en-US"/>
+          </a:p>
+        </p:txBody>
+      </p:sp>
+      <p:pic>
+        <p:nvPicPr>
+          <p:cNvPr id="8" name="图片 7"/>
+          <p:cNvPicPr>
+            <a:picLocks noChangeAspect="1"/>
+          </p:cNvPicPr>
+          <p:nvPr/>
+        </p:nvPicPr>
+        <p:blipFill>
+          <a:blip r:embed="rId3"/>
+          <a:stretch>
+            <a:fillRect/>
+          </a:stretch>
+        </p:blipFill>
+        <p:spPr>
+          <a:xfrm>
+            <a:off x="628650" y="3891024"/>
+            <a:ext cx="7887600" cy="1543928"/>
+          </a:xfrm>
+          <a:prstGeom prst="rect">
+            <a:avLst/>
+          </a:prstGeom>
+        </p:spPr>
+      </p:pic>
+      <p:sp>
+        <p:nvSpPr>
+          <p:cNvPr id="9" name="文本框 8"/>
+          <p:cNvSpPr txBox="1"/>
+          <p:nvPr/>
+        </p:nvSpPr>
+        <p:spPr>
+          <a:xfrm>
+            <a:off x="304800" y="1908294"/>
+            <a:ext cx="444137" cy="369332"/>
+          </a:xfrm>
+          <a:prstGeom prst="rect">
+            <a:avLst/>
+          </a:prstGeom>
+          <a:noFill/>
+        </p:spPr>
+        <p:txBody>
+          <a:bodyPr wrap="square" rtlCol="0">
+            <a:spAutoFit/>
+          </a:bodyPr>
+          <a:lstStyle/>
+          <a:p>
+            <a:r>
+              <a:rPr lang="en-US" altLang="zh-CN" dirty="0" smtClean="0"/>
+              <a:t>[1]</a:t>
+            </a:r>
+          </a:p>
+        </p:txBody>
+      </p:sp>
+      <p:sp>
+        <p:nvSpPr>
+          <p:cNvPr id="10" name="文本框 9"/>
+          <p:cNvSpPr txBox="1"/>
+          <p:nvPr/>
+        </p:nvSpPr>
+        <p:spPr>
+          <a:xfrm>
+            <a:off x="304799" y="2539036"/>
+            <a:ext cx="444137" cy="369332"/>
+          </a:xfrm>
+          <a:prstGeom prst="rect">
+            <a:avLst/>
+          </a:prstGeom>
+          <a:noFill/>
+        </p:spPr>
+        <p:txBody>
+          <a:bodyPr wrap="square" rtlCol="0">
+            <a:spAutoFit/>
+          </a:bodyPr>
+          <a:lstStyle/>
+          <a:p>
+            <a:r>
+              <a:rPr lang="en-US" altLang="zh-CN" dirty="0" smtClean="0"/>
+              <a:t>[</a:t>
+            </a:r>
+            <a:r>
+              <a:rPr lang="en-US" altLang="zh-CN" dirty="0"/>
+              <a:t>2</a:t>
+            </a:r>
+            <a:r>
+              <a:rPr lang="en-US" altLang="zh-CN" dirty="0" smtClean="0"/>
+              <a:t>]</a:t>
+            </a:r>
+          </a:p>
+        </p:txBody>
+      </p:sp>
+      <p:sp>
+        <p:nvSpPr>
+          <p:cNvPr id="11" name="文本框 10"/>
+          <p:cNvSpPr txBox="1"/>
+          <p:nvPr/>
+        </p:nvSpPr>
+        <p:spPr>
+          <a:xfrm>
+            <a:off x="304798" y="3195904"/>
+            <a:ext cx="444137" cy="369332"/>
+          </a:xfrm>
+          <a:prstGeom prst="rect">
+            <a:avLst/>
+          </a:prstGeom>
+          <a:noFill/>
+        </p:spPr>
+        <p:txBody>
+          <a:bodyPr wrap="square" rtlCol="0">
+            <a:spAutoFit/>
+          </a:bodyPr>
+          <a:lstStyle/>
+          <a:p>
+            <a:r>
+              <a:rPr lang="en-US" altLang="zh-CN" dirty="0" smtClean="0"/>
+              <a:t>[3]</a:t>
+            </a:r>
+          </a:p>
+        </p:txBody>
+      </p:sp>
+      <p:sp>
+        <p:nvSpPr>
+          <p:cNvPr id="12" name="文本框 11"/>
+          <p:cNvSpPr txBox="1"/>
+          <p:nvPr/>
+        </p:nvSpPr>
+        <p:spPr>
+          <a:xfrm>
+            <a:off x="304797" y="3817936"/>
+            <a:ext cx="444137" cy="369332"/>
+          </a:xfrm>
+          <a:prstGeom prst="rect">
+            <a:avLst/>
+          </a:prstGeom>
+          <a:noFill/>
+        </p:spPr>
+        <p:txBody>
+          <a:bodyPr wrap="square" rtlCol="0">
+            <a:spAutoFit/>
+          </a:bodyPr>
+          <a:lstStyle/>
+          <a:p>
+            <a:r>
+              <a:rPr lang="en-US" altLang="zh-CN" dirty="0" smtClean="0"/>
+              <a:t>[4]</a:t>
+            </a:r>
+          </a:p>
+        </p:txBody>
+      </p:sp>
+      <p:sp>
+        <p:nvSpPr>
+          <p:cNvPr id="13" name="文本框 12"/>
+          <p:cNvSpPr txBox="1"/>
+          <p:nvPr/>
+        </p:nvSpPr>
+        <p:spPr>
+          <a:xfrm>
+            <a:off x="304796" y="4739629"/>
+            <a:ext cx="444137" cy="369332"/>
+          </a:xfrm>
+          <a:prstGeom prst="rect">
+            <a:avLst/>
+          </a:prstGeom>
+          <a:noFill/>
+        </p:spPr>
+        <p:txBody>
+          <a:bodyPr wrap="square" rtlCol="0">
+            <a:spAutoFit/>
+          </a:bodyPr>
+          <a:lstStyle/>
+          <a:p>
+            <a:r>
+              <a:rPr lang="en-US" altLang="zh-CN" dirty="0" smtClean="0"/>
+              <a:t>[5]</a:t>
+            </a:r>
+          </a:p>
+        </p:txBody>
+      </p:sp>
+    </p:spTree>
+    <p:extLst>
+      <p:ext uri="{BB962C8B-B14F-4D97-AF65-F5344CB8AC3E}">
+        <p14:creationId xmlns:p14="http://schemas.microsoft.com/office/powerpoint/2010/main" val="1886128687"/>
       </p:ext>
     </p:extLst>
   </p:cSld>
@@ -32419,7 +35346,7 @@
           <a:p>
             <a:fld id="{CB6718E4-7406-45F3-BB60-A335F7C1373F}" type="datetime1">
               <a:rPr lang="zh-CN" altLang="en-US" smtClean="0"/>
-              <a:t>2016/4/13</a:t>
+              <a:t>2016/4/14</a:t>
             </a:fld>
             <a:endParaRPr lang="zh-CN" altLang="en-US"/>
           </a:p>
@@ -32471,66 +35398,6 @@
           </a:p>
         </p:txBody>
       </p:sp>
-      <p:pic>
-        <p:nvPicPr>
-          <p:cNvPr id="7" name="图片 6"/>
-          <p:cNvPicPr>
-            <a:picLocks noChangeAspect="1"/>
-          </p:cNvPicPr>
-          <p:nvPr/>
-        </p:nvPicPr>
-        <p:blipFill>
-          <a:blip r:embed="rId3" cstate="print">
-            <a:extLst>
-              <a:ext uri="{28A0092B-C50C-407E-A947-70E740481C1C}">
-                <a14:useLocalDpi xmlns:a14="http://schemas.microsoft.com/office/drawing/2010/main" val="0"/>
-              </a:ext>
-            </a:extLst>
-          </a:blip>
-          <a:stretch>
-            <a:fillRect/>
-          </a:stretch>
-        </p:blipFill>
-        <p:spPr>
-          <a:xfrm flipH="1">
-            <a:off x="6176649" y="2346665"/>
-            <a:ext cx="1656000" cy="1656000"/>
-          </a:xfrm>
-          <a:prstGeom prst="rect">
-            <a:avLst/>
-          </a:prstGeom>
-        </p:spPr>
-      </p:pic>
-      <p:pic>
-        <p:nvPicPr>
-          <p:cNvPr id="8" name="图片 7"/>
-          <p:cNvPicPr>
-            <a:picLocks noChangeAspect="1"/>
-          </p:cNvPicPr>
-          <p:nvPr/>
-        </p:nvPicPr>
-        <p:blipFill>
-          <a:blip r:embed="rId4" cstate="print">
-            <a:extLst>
-              <a:ext uri="{28A0092B-C50C-407E-A947-70E740481C1C}">
-                <a14:useLocalDpi xmlns:a14="http://schemas.microsoft.com/office/drawing/2010/main" val="0"/>
-              </a:ext>
-            </a:extLst>
-          </a:blip>
-          <a:stretch>
-            <a:fillRect/>
-          </a:stretch>
-        </p:blipFill>
-        <p:spPr>
-          <a:xfrm>
-            <a:off x="1084471" y="2346665"/>
-            <a:ext cx="1488658" cy="1654629"/>
-          </a:xfrm>
-          <a:prstGeom prst="rect">
-            <a:avLst/>
-          </a:prstGeom>
-        </p:spPr>
-      </p:pic>
       <p:sp>
         <p:nvSpPr>
           <p:cNvPr id="11" name="右箭头 10"/>
@@ -32593,7 +35460,7 @@
           <p:nvPr/>
         </p:nvPicPr>
         <p:blipFill>
-          <a:blip r:embed="rId5" cstate="print">
+          <a:blip r:embed="rId3" cstate="print">
             <a:extLst>
               <a:ext uri="{28A0092B-C50C-407E-A947-70E740481C1C}">
                 <a14:useLocalDpi xmlns:a14="http://schemas.microsoft.com/office/drawing/2010/main" val="0"/>
@@ -32716,7 +35583,7 @@
           <p:nvPr/>
         </p:nvPicPr>
         <p:blipFill>
-          <a:blip r:embed="rId6" cstate="print">
+          <a:blip r:embed="rId4" cstate="print">
             <a:extLst>
               <a:ext uri="{28A0092B-C50C-407E-A947-70E740481C1C}">
                 <a14:useLocalDpi xmlns:a14="http://schemas.microsoft.com/office/drawing/2010/main" val="0"/>
@@ -32731,6 +35598,66 @@
           <a:xfrm>
             <a:off x="4255338" y="2908448"/>
             <a:ext cx="589782" cy="589782"/>
+          </a:xfrm>
+          <a:prstGeom prst="rect">
+            <a:avLst/>
+          </a:prstGeom>
+        </p:spPr>
+      </p:pic>
+      <p:pic>
+        <p:nvPicPr>
+          <p:cNvPr id="14" name="图片 13"/>
+          <p:cNvPicPr>
+            <a:picLocks noChangeAspect="1"/>
+          </p:cNvPicPr>
+          <p:nvPr/>
+        </p:nvPicPr>
+        <p:blipFill>
+          <a:blip r:embed="rId5">
+            <a:extLst>
+              <a:ext uri="{28A0092B-C50C-407E-A947-70E740481C1C}">
+                <a14:useLocalDpi xmlns:a14="http://schemas.microsoft.com/office/drawing/2010/main" val="0"/>
+              </a:ext>
+            </a:extLst>
+          </a:blip>
+          <a:stretch>
+            <a:fillRect/>
+          </a:stretch>
+        </p:blipFill>
+        <p:spPr>
+          <a:xfrm>
+            <a:off x="6457950" y="2345977"/>
+            <a:ext cx="1536601" cy="1656000"/>
+          </a:xfrm>
+          <a:prstGeom prst="rect">
+            <a:avLst/>
+          </a:prstGeom>
+        </p:spPr>
+      </p:pic>
+      <p:pic>
+        <p:nvPicPr>
+          <p:cNvPr id="16" name="图片 15"/>
+          <p:cNvPicPr>
+            <a:picLocks noChangeAspect="1"/>
+          </p:cNvPicPr>
+          <p:nvPr/>
+        </p:nvPicPr>
+        <p:blipFill>
+          <a:blip r:embed="rId6" cstate="print">
+            <a:extLst>
+              <a:ext uri="{28A0092B-C50C-407E-A947-70E740481C1C}">
+                <a14:useLocalDpi xmlns:a14="http://schemas.microsoft.com/office/drawing/2010/main" val="0"/>
+              </a:ext>
+            </a:extLst>
+          </a:blip>
+          <a:stretch>
+            <a:fillRect/>
+          </a:stretch>
+        </p:blipFill>
+        <p:spPr>
+          <a:xfrm>
+            <a:off x="1084471" y="2266235"/>
+            <a:ext cx="1815484" cy="1815484"/>
           </a:xfrm>
           <a:prstGeom prst="rect">
             <a:avLst/>
@@ -32774,135 +35701,16 @@
           <a:chExt cx="0" cy="0"/>
         </a:xfrm>
       </p:grpSpPr>
-      <p:sp>
-        <p:nvSpPr>
-          <p:cNvPr id="2" name="标题 1"/>
-          <p:cNvSpPr>
-            <a:spLocks noGrp="1"/>
-          </p:cNvSpPr>
-          <p:nvPr>
-            <p:ph type="title"/>
-          </p:nvPr>
-        </p:nvSpPr>
-        <p:spPr/>
-        <p:txBody>
-          <a:bodyPr/>
-          <a:lstStyle/>
-          <a:p>
-            <a:r>
-              <a:rPr lang="zh-CN" altLang="en-US" dirty="0" smtClean="0"/>
-              <a:t>技术背景</a:t>
-            </a:r>
-            <a:endParaRPr lang="zh-CN" altLang="en-US" dirty="0"/>
-          </a:p>
-        </p:txBody>
-      </p:sp>
-      <p:sp>
-        <p:nvSpPr>
-          <p:cNvPr id="3" name="内容占位符 2"/>
-          <p:cNvSpPr>
-            <a:spLocks noGrp="1"/>
-          </p:cNvSpPr>
-          <p:nvPr>
-            <p:ph idx="1"/>
-          </p:nvPr>
-        </p:nvSpPr>
-        <p:spPr/>
-        <p:txBody>
-          <a:bodyPr/>
-          <a:lstStyle/>
-          <a:p>
-            <a:r>
-              <a:rPr lang="zh-CN" altLang="en-US" dirty="0" smtClean="0"/>
-              <a:t>从信息安全说起</a:t>
-            </a:r>
-            <a:r>
-              <a:rPr lang="en-US" altLang="zh-CN" dirty="0" smtClean="0"/>
-              <a:t>……</a:t>
-            </a:r>
-            <a:endParaRPr lang="zh-CN" altLang="en-US" dirty="0"/>
-          </a:p>
-        </p:txBody>
-      </p:sp>
-      <p:sp>
-        <p:nvSpPr>
-          <p:cNvPr id="4" name="日期占位符 3"/>
-          <p:cNvSpPr>
-            <a:spLocks noGrp="1"/>
-          </p:cNvSpPr>
-          <p:nvPr>
-            <p:ph type="dt" sz="half" idx="10"/>
-          </p:nvPr>
-        </p:nvSpPr>
-        <p:spPr/>
-        <p:txBody>
-          <a:bodyPr/>
-          <a:lstStyle/>
-          <a:p>
-            <a:fld id="{CB6718E4-7406-45F3-BB60-A335F7C1373F}" type="datetime1">
-              <a:rPr lang="zh-CN" altLang="en-US" smtClean="0"/>
-              <a:t>2016/4/13</a:t>
-            </a:fld>
-            <a:endParaRPr lang="zh-CN" altLang="en-US"/>
-          </a:p>
-        </p:txBody>
-      </p:sp>
-      <p:sp>
-        <p:nvSpPr>
-          <p:cNvPr id="5" name="页脚占位符 4"/>
-          <p:cNvSpPr>
-            <a:spLocks noGrp="1"/>
-          </p:cNvSpPr>
-          <p:nvPr>
-            <p:ph type="ftr" sz="quarter" idx="11"/>
-          </p:nvPr>
-        </p:nvSpPr>
-        <p:spPr/>
-        <p:txBody>
-          <a:bodyPr/>
-          <a:lstStyle/>
-          <a:p>
-            <a:r>
-              <a:rPr lang="zh-CN" altLang="en-US" dirty="0" smtClean="0"/>
-              <a:t>背景介绍</a:t>
-            </a:r>
-            <a:endParaRPr lang="zh-CN" altLang="en-US" dirty="0"/>
-          </a:p>
-        </p:txBody>
-      </p:sp>
-      <p:sp>
-        <p:nvSpPr>
-          <p:cNvPr id="6" name="灯片编号占位符 5"/>
-          <p:cNvSpPr>
-            <a:spLocks noGrp="1"/>
-          </p:cNvSpPr>
-          <p:nvPr>
-            <p:ph type="sldNum" sz="quarter" idx="12"/>
-          </p:nvPr>
-        </p:nvSpPr>
-        <p:spPr/>
-        <p:txBody>
-          <a:bodyPr/>
-          <a:lstStyle/>
-          <a:p>
-            <a:fld id="{ED34C3B6-DCD7-4A30-8693-C31ECCFCB39D}" type="slidenum">
-              <a:rPr lang="zh-CN" altLang="en-US" smtClean="0"/>
-              <a:t>7</a:t>
-            </a:fld>
-            <a:endParaRPr lang="zh-CN" altLang="en-US"/>
-          </a:p>
-        </p:txBody>
-      </p:sp>
       <p:pic>
         <p:nvPicPr>
-          <p:cNvPr id="7" name="图片 6"/>
+          <p:cNvPr id="19" name="图片 18"/>
           <p:cNvPicPr>
             <a:picLocks noChangeAspect="1"/>
           </p:cNvPicPr>
           <p:nvPr/>
         </p:nvPicPr>
         <p:blipFill>
-          <a:blip r:embed="rId3" cstate="print">
+          <a:blip r:embed="rId3">
             <a:extLst>
               <a:ext uri="{28A0092B-C50C-407E-A947-70E740481C1C}">
                 <a14:useLocalDpi xmlns:a14="http://schemas.microsoft.com/office/drawing/2010/main" val="0"/>
@@ -32914,9 +35722,9 @@
           </a:stretch>
         </p:blipFill>
         <p:spPr>
-          <a:xfrm flipH="1">
-            <a:off x="6176649" y="2346665"/>
-            <a:ext cx="1656000" cy="1656000"/>
+          <a:xfrm>
+            <a:off x="6457950" y="2345977"/>
+            <a:ext cx="1536601" cy="1656000"/>
           </a:xfrm>
           <a:prstGeom prst="rect">
             <a:avLst/>
@@ -32925,7 +35733,7 @@
       </p:pic>
       <p:pic>
         <p:nvPicPr>
-          <p:cNvPr id="8" name="图片 7"/>
+          <p:cNvPr id="20" name="图片 19"/>
           <p:cNvPicPr>
             <a:picLocks noChangeAspect="1"/>
           </p:cNvPicPr>
@@ -32945,14 +35753,133 @@
         </p:blipFill>
         <p:spPr>
           <a:xfrm>
-            <a:off x="1084471" y="2346665"/>
-            <a:ext cx="1488658" cy="1654629"/>
+            <a:off x="1084471" y="2266235"/>
+            <a:ext cx="1815484" cy="1815484"/>
           </a:xfrm>
           <a:prstGeom prst="rect">
             <a:avLst/>
           </a:prstGeom>
         </p:spPr>
       </p:pic>
+      <p:sp>
+        <p:nvSpPr>
+          <p:cNvPr id="2" name="标题 1"/>
+          <p:cNvSpPr>
+            <a:spLocks noGrp="1"/>
+          </p:cNvSpPr>
+          <p:nvPr>
+            <p:ph type="title"/>
+          </p:nvPr>
+        </p:nvSpPr>
+        <p:spPr/>
+        <p:txBody>
+          <a:bodyPr/>
+          <a:lstStyle/>
+          <a:p>
+            <a:r>
+              <a:rPr lang="zh-CN" altLang="en-US" dirty="0" smtClean="0"/>
+              <a:t>技术背景</a:t>
+            </a:r>
+            <a:endParaRPr lang="zh-CN" altLang="en-US" dirty="0"/>
+          </a:p>
+        </p:txBody>
+      </p:sp>
+      <p:sp>
+        <p:nvSpPr>
+          <p:cNvPr id="3" name="内容占位符 2"/>
+          <p:cNvSpPr>
+            <a:spLocks noGrp="1"/>
+          </p:cNvSpPr>
+          <p:nvPr>
+            <p:ph idx="1"/>
+          </p:nvPr>
+        </p:nvSpPr>
+        <p:spPr/>
+        <p:txBody>
+          <a:bodyPr/>
+          <a:lstStyle/>
+          <a:p>
+            <a:r>
+              <a:rPr lang="zh-CN" altLang="en-US" dirty="0" smtClean="0"/>
+              <a:t>从信息安全说起</a:t>
+            </a:r>
+            <a:r>
+              <a:rPr lang="en-US" altLang="zh-CN" dirty="0" smtClean="0"/>
+              <a:t>……</a:t>
+            </a:r>
+            <a:endParaRPr lang="zh-CN" altLang="en-US" dirty="0"/>
+          </a:p>
+        </p:txBody>
+      </p:sp>
+      <p:sp>
+        <p:nvSpPr>
+          <p:cNvPr id="4" name="日期占位符 3"/>
+          <p:cNvSpPr>
+            <a:spLocks noGrp="1"/>
+          </p:cNvSpPr>
+          <p:nvPr>
+            <p:ph type="dt" sz="half" idx="10"/>
+          </p:nvPr>
+        </p:nvSpPr>
+        <p:spPr/>
+        <p:txBody>
+          <a:bodyPr/>
+          <a:lstStyle/>
+          <a:p>
+            <a:fld id="{CB6718E4-7406-45F3-BB60-A335F7C1373F}" type="datetime1">
+              <a:rPr lang="zh-CN" altLang="en-US" smtClean="0"/>
+              <a:t>2016/4/14</a:t>
+            </a:fld>
+            <a:endParaRPr lang="zh-CN" altLang="en-US"/>
+          </a:p>
+        </p:txBody>
+      </p:sp>
+      <p:sp>
+        <p:nvSpPr>
+          <p:cNvPr id="5" name="页脚占位符 4"/>
+          <p:cNvSpPr>
+            <a:spLocks noGrp="1"/>
+          </p:cNvSpPr>
+          <p:nvPr>
+            <p:ph type="ftr" sz="quarter" idx="11"/>
+          </p:nvPr>
+        </p:nvSpPr>
+        <p:spPr/>
+        <p:txBody>
+          <a:bodyPr/>
+          <a:lstStyle/>
+          <a:p>
+            <a:r>
+              <a:rPr lang="zh-CN" altLang="en-US" dirty="0" smtClean="0"/>
+              <a:t>背景介绍</a:t>
+            </a:r>
+            <a:endParaRPr lang="zh-CN" altLang="en-US" dirty="0"/>
+          </a:p>
+        </p:txBody>
+      </p:sp>
+      <p:sp>
+        <p:nvSpPr>
+          <p:cNvPr id="6" name="灯片编号占位符 5"/>
+          <p:cNvSpPr>
+            <a:spLocks noGrp="1"/>
+          </p:cNvSpPr>
+          <p:nvPr>
+            <p:ph type="sldNum" sz="quarter" idx="12"/>
+          </p:nvPr>
+        </p:nvSpPr>
+        <p:spPr/>
+        <p:txBody>
+          <a:bodyPr/>
+          <a:lstStyle/>
+          <a:p>
+            <a:fld id="{ED34C3B6-DCD7-4A30-8693-C31ECCFCB39D}" type="slidenum">
+              <a:rPr lang="zh-CN" altLang="en-US" smtClean="0"/>
+              <a:t>7</a:t>
+            </a:fld>
+            <a:endParaRPr lang="zh-CN" altLang="en-US"/>
+          </a:p>
+        </p:txBody>
+      </p:sp>
       <p:sp>
         <p:nvSpPr>
           <p:cNvPr id="11" name="右箭头 10"/>
@@ -33014,13 +35941,13 @@
         </p:nvSpPr>
         <p:spPr>
           <a:xfrm>
-            <a:off x="2494333" y="2213284"/>
+            <a:off x="447641" y="2213284"/>
             <a:ext cx="1181676" cy="591578"/>
           </a:xfrm>
           <a:prstGeom prst="cloudCallout">
             <a:avLst>
-              <a:gd name="adj1" fmla="val -69883"/>
-              <a:gd name="adj2" fmla="val 71248"/>
+              <a:gd name="adj1" fmla="val 44347"/>
+              <a:gd name="adj2" fmla="val 56527"/>
             </a:avLst>
           </a:prstGeom>
           <a:solidFill>
@@ -33406,135 +36333,16 @@
           <a:chExt cx="0" cy="0"/>
         </a:xfrm>
       </p:grpSpPr>
-      <p:sp>
-        <p:nvSpPr>
-          <p:cNvPr id="2" name="标题 1"/>
-          <p:cNvSpPr>
-            <a:spLocks noGrp="1"/>
-          </p:cNvSpPr>
-          <p:nvPr>
-            <p:ph type="title"/>
-          </p:nvPr>
-        </p:nvSpPr>
-        <p:spPr/>
-        <p:txBody>
-          <a:bodyPr/>
-          <a:lstStyle/>
-          <a:p>
-            <a:r>
-              <a:rPr lang="zh-CN" altLang="en-US" dirty="0" smtClean="0"/>
-              <a:t>技术背景</a:t>
-            </a:r>
-            <a:endParaRPr lang="zh-CN" altLang="en-US" dirty="0"/>
-          </a:p>
-        </p:txBody>
-      </p:sp>
-      <p:sp>
-        <p:nvSpPr>
-          <p:cNvPr id="3" name="内容占位符 2"/>
-          <p:cNvSpPr>
-            <a:spLocks noGrp="1"/>
-          </p:cNvSpPr>
-          <p:nvPr>
-            <p:ph idx="1"/>
-          </p:nvPr>
-        </p:nvSpPr>
-        <p:spPr/>
-        <p:txBody>
-          <a:bodyPr/>
-          <a:lstStyle/>
-          <a:p>
-            <a:r>
-              <a:rPr lang="zh-CN" altLang="en-US" dirty="0" smtClean="0"/>
-              <a:t>从信息安全说起</a:t>
-            </a:r>
-            <a:r>
-              <a:rPr lang="en-US" altLang="zh-CN" dirty="0" smtClean="0"/>
-              <a:t>……</a:t>
-            </a:r>
-            <a:endParaRPr lang="zh-CN" altLang="en-US" dirty="0"/>
-          </a:p>
-        </p:txBody>
-      </p:sp>
-      <p:sp>
-        <p:nvSpPr>
-          <p:cNvPr id="4" name="日期占位符 3"/>
-          <p:cNvSpPr>
-            <a:spLocks noGrp="1"/>
-          </p:cNvSpPr>
-          <p:nvPr>
-            <p:ph type="dt" sz="half" idx="10"/>
-          </p:nvPr>
-        </p:nvSpPr>
-        <p:spPr/>
-        <p:txBody>
-          <a:bodyPr/>
-          <a:lstStyle/>
-          <a:p>
-            <a:fld id="{CB6718E4-7406-45F3-BB60-A335F7C1373F}" type="datetime1">
-              <a:rPr lang="zh-CN" altLang="en-US" smtClean="0"/>
-              <a:t>2016/4/13</a:t>
-            </a:fld>
-            <a:endParaRPr lang="zh-CN" altLang="en-US"/>
-          </a:p>
-        </p:txBody>
-      </p:sp>
-      <p:sp>
-        <p:nvSpPr>
-          <p:cNvPr id="5" name="页脚占位符 4"/>
-          <p:cNvSpPr>
-            <a:spLocks noGrp="1"/>
-          </p:cNvSpPr>
-          <p:nvPr>
-            <p:ph type="ftr" sz="quarter" idx="11"/>
-          </p:nvPr>
-        </p:nvSpPr>
-        <p:spPr/>
-        <p:txBody>
-          <a:bodyPr/>
-          <a:lstStyle/>
-          <a:p>
-            <a:r>
-              <a:rPr lang="zh-CN" altLang="en-US" dirty="0" smtClean="0"/>
-              <a:t>背景介绍</a:t>
-            </a:r>
-            <a:endParaRPr lang="zh-CN" altLang="en-US" dirty="0"/>
-          </a:p>
-        </p:txBody>
-      </p:sp>
-      <p:sp>
-        <p:nvSpPr>
-          <p:cNvPr id="6" name="灯片编号占位符 5"/>
-          <p:cNvSpPr>
-            <a:spLocks noGrp="1"/>
-          </p:cNvSpPr>
-          <p:nvPr>
-            <p:ph type="sldNum" sz="quarter" idx="12"/>
-          </p:nvPr>
-        </p:nvSpPr>
-        <p:spPr/>
-        <p:txBody>
-          <a:bodyPr/>
-          <a:lstStyle/>
-          <a:p>
-            <a:fld id="{ED34C3B6-DCD7-4A30-8693-C31ECCFCB39D}" type="slidenum">
-              <a:rPr lang="zh-CN" altLang="en-US" smtClean="0"/>
-              <a:t>8</a:t>
-            </a:fld>
-            <a:endParaRPr lang="zh-CN" altLang="en-US"/>
-          </a:p>
-        </p:txBody>
-      </p:sp>
       <p:pic>
         <p:nvPicPr>
-          <p:cNvPr id="7" name="图片 6"/>
+          <p:cNvPr id="20" name="图片 19"/>
           <p:cNvPicPr>
             <a:picLocks noChangeAspect="1"/>
           </p:cNvPicPr>
           <p:nvPr/>
         </p:nvPicPr>
         <p:blipFill>
-          <a:blip r:embed="rId3" cstate="print">
+          <a:blip r:embed="rId3">
             <a:extLst>
               <a:ext uri="{28A0092B-C50C-407E-A947-70E740481C1C}">
                 <a14:useLocalDpi xmlns:a14="http://schemas.microsoft.com/office/drawing/2010/main" val="0"/>
@@ -33546,9 +36354,9 @@
           </a:stretch>
         </p:blipFill>
         <p:spPr>
-          <a:xfrm flipH="1">
-            <a:off x="6176649" y="2346665"/>
-            <a:ext cx="1656000" cy="1656000"/>
+          <a:xfrm>
+            <a:off x="6457950" y="2345977"/>
+            <a:ext cx="1536601" cy="1656000"/>
           </a:xfrm>
           <a:prstGeom prst="rect">
             <a:avLst/>
@@ -33557,7 +36365,7 @@
       </p:pic>
       <p:pic>
         <p:nvPicPr>
-          <p:cNvPr id="8" name="图片 7"/>
+          <p:cNvPr id="21" name="图片 20"/>
           <p:cNvPicPr>
             <a:picLocks noChangeAspect="1"/>
           </p:cNvPicPr>
@@ -33577,14 +36385,133 @@
         </p:blipFill>
         <p:spPr>
           <a:xfrm>
-            <a:off x="1084471" y="2346665"/>
-            <a:ext cx="1488658" cy="1654629"/>
+            <a:off x="1084471" y="2266235"/>
+            <a:ext cx="1815484" cy="1815484"/>
           </a:xfrm>
           <a:prstGeom prst="rect">
             <a:avLst/>
           </a:prstGeom>
         </p:spPr>
       </p:pic>
+      <p:sp>
+        <p:nvSpPr>
+          <p:cNvPr id="2" name="标题 1"/>
+          <p:cNvSpPr>
+            <a:spLocks noGrp="1"/>
+          </p:cNvSpPr>
+          <p:nvPr>
+            <p:ph type="title"/>
+          </p:nvPr>
+        </p:nvSpPr>
+        <p:spPr/>
+        <p:txBody>
+          <a:bodyPr/>
+          <a:lstStyle/>
+          <a:p>
+            <a:r>
+              <a:rPr lang="zh-CN" altLang="en-US" dirty="0" smtClean="0"/>
+              <a:t>技术背景</a:t>
+            </a:r>
+            <a:endParaRPr lang="zh-CN" altLang="en-US" dirty="0"/>
+          </a:p>
+        </p:txBody>
+      </p:sp>
+      <p:sp>
+        <p:nvSpPr>
+          <p:cNvPr id="3" name="内容占位符 2"/>
+          <p:cNvSpPr>
+            <a:spLocks noGrp="1"/>
+          </p:cNvSpPr>
+          <p:nvPr>
+            <p:ph idx="1"/>
+          </p:nvPr>
+        </p:nvSpPr>
+        <p:spPr/>
+        <p:txBody>
+          <a:bodyPr/>
+          <a:lstStyle/>
+          <a:p>
+            <a:r>
+              <a:rPr lang="zh-CN" altLang="en-US" dirty="0" smtClean="0"/>
+              <a:t>从信息安全说起</a:t>
+            </a:r>
+            <a:r>
+              <a:rPr lang="en-US" altLang="zh-CN" dirty="0" smtClean="0"/>
+              <a:t>……</a:t>
+            </a:r>
+            <a:endParaRPr lang="zh-CN" altLang="en-US" dirty="0"/>
+          </a:p>
+        </p:txBody>
+      </p:sp>
+      <p:sp>
+        <p:nvSpPr>
+          <p:cNvPr id="4" name="日期占位符 3"/>
+          <p:cNvSpPr>
+            <a:spLocks noGrp="1"/>
+          </p:cNvSpPr>
+          <p:nvPr>
+            <p:ph type="dt" sz="half" idx="10"/>
+          </p:nvPr>
+        </p:nvSpPr>
+        <p:spPr/>
+        <p:txBody>
+          <a:bodyPr/>
+          <a:lstStyle/>
+          <a:p>
+            <a:fld id="{CB6718E4-7406-45F3-BB60-A335F7C1373F}" type="datetime1">
+              <a:rPr lang="zh-CN" altLang="en-US" smtClean="0"/>
+              <a:t>2016/4/14</a:t>
+            </a:fld>
+            <a:endParaRPr lang="zh-CN" altLang="en-US"/>
+          </a:p>
+        </p:txBody>
+      </p:sp>
+      <p:sp>
+        <p:nvSpPr>
+          <p:cNvPr id="5" name="页脚占位符 4"/>
+          <p:cNvSpPr>
+            <a:spLocks noGrp="1"/>
+          </p:cNvSpPr>
+          <p:nvPr>
+            <p:ph type="ftr" sz="quarter" idx="11"/>
+          </p:nvPr>
+        </p:nvSpPr>
+        <p:spPr/>
+        <p:txBody>
+          <a:bodyPr/>
+          <a:lstStyle/>
+          <a:p>
+            <a:r>
+              <a:rPr lang="zh-CN" altLang="en-US" dirty="0" smtClean="0"/>
+              <a:t>背景介绍</a:t>
+            </a:r>
+            <a:endParaRPr lang="zh-CN" altLang="en-US" dirty="0"/>
+          </a:p>
+        </p:txBody>
+      </p:sp>
+      <p:sp>
+        <p:nvSpPr>
+          <p:cNvPr id="6" name="灯片编号占位符 5"/>
+          <p:cNvSpPr>
+            <a:spLocks noGrp="1"/>
+          </p:cNvSpPr>
+          <p:nvPr>
+            <p:ph type="sldNum" sz="quarter" idx="12"/>
+          </p:nvPr>
+        </p:nvSpPr>
+        <p:spPr/>
+        <p:txBody>
+          <a:bodyPr/>
+          <a:lstStyle/>
+          <a:p>
+            <a:fld id="{ED34C3B6-DCD7-4A30-8693-C31ECCFCB39D}" type="slidenum">
+              <a:rPr lang="zh-CN" altLang="en-US" smtClean="0"/>
+              <a:t>8</a:t>
+            </a:fld>
+            <a:endParaRPr lang="zh-CN" altLang="en-US"/>
+          </a:p>
+        </p:txBody>
+      </p:sp>
       <p:sp>
         <p:nvSpPr>
           <p:cNvPr id="11" name="右箭头 10"/>
@@ -33640,75 +36567,6 @@
       </p:sp>
       <p:sp>
         <p:nvSpPr>
-          <p:cNvPr id="12" name="云形标注 11"/>
-          <p:cNvSpPr/>
-          <p:nvPr/>
-        </p:nvSpPr>
-        <p:spPr>
-          <a:xfrm>
-            <a:off x="2494333" y="2213284"/>
-            <a:ext cx="1181676" cy="591578"/>
-          </a:xfrm>
-          <a:prstGeom prst="cloudCallout">
-            <a:avLst>
-              <a:gd name="adj1" fmla="val -69883"/>
-              <a:gd name="adj2" fmla="val 71248"/>
-            </a:avLst>
-          </a:prstGeom>
-          <a:solidFill>
-            <a:schemeClr val="bg1">
-              <a:lumMod val="75000"/>
-            </a:schemeClr>
-          </a:solidFill>
-          <a:ln>
-            <a:solidFill>
-              <a:srgbClr val="C00000"/>
-            </a:solidFill>
-          </a:ln>
-        </p:spPr>
-        <p:style>
-          <a:lnRef idx="2">
-            <a:schemeClr val="accent1">
-              <a:shade val="50000"/>
-            </a:schemeClr>
-          </a:lnRef>
-          <a:fillRef idx="1">
-            <a:schemeClr val="accent1"/>
-          </a:fillRef>
-          <a:effectRef idx="0">
-            <a:schemeClr val="accent1"/>
-          </a:effectRef>
-          <a:fontRef idx="minor">
-            <a:schemeClr val="lt1"/>
-          </a:fontRef>
-        </p:style>
-        <p:txBody>
-          <a:bodyPr rtlCol="0" anchor="ctr"/>
-          <a:lstStyle/>
-          <a:p>
-            <a:pPr algn="ctr"/>
-            <a:r>
-              <a:rPr lang="zh-CN" altLang="en-US" sz="1400" b="1" dirty="0" smtClean="0">
-                <a:solidFill>
-                  <a:sysClr val="windowText" lastClr="000000"/>
-                </a:solidFill>
-                <a:latin typeface="华文细黑" panose="02010600040101010101" pitchFamily="2" charset="-122"/>
-                <a:ea typeface="华文细黑" panose="02010600040101010101" pitchFamily="2" charset="-122"/>
-              </a:rPr>
-              <a:t>吃了么</a:t>
-            </a:r>
-            <a:endParaRPr lang="zh-CN" altLang="en-US" sz="1400" b="1" dirty="0">
-              <a:solidFill>
-                <a:sysClr val="windowText" lastClr="000000"/>
-              </a:solidFill>
-              <a:latin typeface="华文细黑" panose="02010600040101010101" pitchFamily="2" charset="-122"/>
-              <a:ea typeface="华文细黑" panose="02010600040101010101" pitchFamily="2" charset="-122"/>
-            </a:endParaRPr>
-          </a:p>
-        </p:txBody>
-      </p:sp>
-      <p:sp>
-        <p:nvSpPr>
           <p:cNvPr id="14" name="云形标注 13"/>
           <p:cNvSpPr/>
           <p:nvPr/>
@@ -34144,6 +37002,75 @@
           </a:prstGeom>
         </p:spPr>
       </p:pic>
+      <p:sp>
+        <p:nvSpPr>
+          <p:cNvPr id="25" name="云形标注 24"/>
+          <p:cNvSpPr/>
+          <p:nvPr/>
+        </p:nvSpPr>
+        <p:spPr>
+          <a:xfrm>
+            <a:off x="447641" y="2213284"/>
+            <a:ext cx="1181676" cy="591578"/>
+          </a:xfrm>
+          <a:prstGeom prst="cloudCallout">
+            <a:avLst>
+              <a:gd name="adj1" fmla="val 44347"/>
+              <a:gd name="adj2" fmla="val 56527"/>
+            </a:avLst>
+          </a:prstGeom>
+          <a:solidFill>
+            <a:schemeClr val="bg1">
+              <a:lumMod val="75000"/>
+            </a:schemeClr>
+          </a:solidFill>
+          <a:ln>
+            <a:solidFill>
+              <a:srgbClr val="C00000"/>
+            </a:solidFill>
+          </a:ln>
+        </p:spPr>
+        <p:style>
+          <a:lnRef idx="2">
+            <a:schemeClr val="accent1">
+              <a:shade val="50000"/>
+            </a:schemeClr>
+          </a:lnRef>
+          <a:fillRef idx="1">
+            <a:schemeClr val="accent1"/>
+          </a:fillRef>
+          <a:effectRef idx="0">
+            <a:schemeClr val="accent1"/>
+          </a:effectRef>
+          <a:fontRef idx="minor">
+            <a:schemeClr val="lt1"/>
+          </a:fontRef>
+        </p:style>
+        <p:txBody>
+          <a:bodyPr rtlCol="0" anchor="ctr"/>
+          <a:lstStyle/>
+          <a:p>
+            <a:pPr algn="ctr"/>
+            <a:r>
+              <a:rPr lang="zh-CN" altLang="en-US" sz="1400" b="1" dirty="0" smtClean="0">
+                <a:solidFill>
+                  <a:sysClr val="windowText" lastClr="000000"/>
+                </a:solidFill>
+                <a:latin typeface="华文细黑" panose="02010600040101010101" pitchFamily="2" charset="-122"/>
+                <a:ea typeface="华文细黑" panose="02010600040101010101" pitchFamily="2" charset="-122"/>
+              </a:rPr>
+              <a:t>吃了么</a:t>
+            </a:r>
+            <a:endParaRPr lang="zh-CN" altLang="en-US" sz="1400" b="1" dirty="0">
+              <a:solidFill>
+                <a:sysClr val="windowText" lastClr="000000"/>
+              </a:solidFill>
+              <a:latin typeface="华文细黑" panose="02010600040101010101" pitchFamily="2" charset="-122"/>
+              <a:ea typeface="华文细黑" panose="02010600040101010101" pitchFamily="2" charset="-122"/>
+            </a:endParaRPr>
+          </a:p>
+        </p:txBody>
+      </p:sp>
     </p:spTree>
     <p:extLst>
       <p:ext uri="{BB962C8B-B14F-4D97-AF65-F5344CB8AC3E}">
@@ -34730,7 +37657,7 @@
           <a:p>
             <a:fld id="{CB6718E4-7406-45F3-BB60-A335F7C1373F}" type="datetime1">
               <a:rPr lang="zh-CN" altLang="en-US" smtClean="0"/>
-              <a:t>2016/4/13</a:t>
+              <a:t>2016/4/14</a:t>
             </a:fld>
             <a:endParaRPr lang="zh-CN" altLang="en-US"/>
           </a:p>
